--- a/PPTs/Aza - Surah Fajr.pptx
+++ b/PPTs/Aza - Surah Fajr.pptx
@@ -2,44 +2,43 @@
 <file path=ppt/presentation.xml><?xml version="1.0" encoding="utf-8"?>
 <p:presentation xmlns:a="http://schemas.openxmlformats.org/drawingml/2006/main" xmlns:r="http://schemas.openxmlformats.org/officeDocument/2006/relationships" xmlns:p="http://schemas.openxmlformats.org/presentationml/2006/main" saveSubsetFonts="1">
   <p:sldMasterIdLst>
-    <p:sldMasterId id="2147483708" r:id="rId1"/>
-    <p:sldMasterId id="2147483721" r:id="rId2"/>
+    <p:sldMasterId id="2147483721" r:id="rId1"/>
   </p:sldMasterIdLst>
   <p:notesMasterIdLst>
-    <p:notesMasterId r:id="rId34"/>
+    <p:notesMasterId r:id="rId33"/>
   </p:notesMasterIdLst>
   <p:sldIdLst>
-    <p:sldId id="262" r:id="rId3"/>
-    <p:sldId id="5042" r:id="rId4"/>
-    <p:sldId id="5525" r:id="rId5"/>
-    <p:sldId id="5527" r:id="rId6"/>
-    <p:sldId id="5529" r:id="rId7"/>
-    <p:sldId id="5530" r:id="rId8"/>
-    <p:sldId id="5531" r:id="rId9"/>
-    <p:sldId id="5532" r:id="rId10"/>
-    <p:sldId id="5533" r:id="rId11"/>
-    <p:sldId id="5534" r:id="rId12"/>
-    <p:sldId id="5535" r:id="rId13"/>
-    <p:sldId id="5536" r:id="rId14"/>
-    <p:sldId id="5537" r:id="rId15"/>
-    <p:sldId id="5538" r:id="rId16"/>
-    <p:sldId id="5539" r:id="rId17"/>
-    <p:sldId id="5540" r:id="rId18"/>
-    <p:sldId id="5541" r:id="rId19"/>
-    <p:sldId id="5542" r:id="rId20"/>
-    <p:sldId id="5543" r:id="rId21"/>
-    <p:sldId id="5544" r:id="rId22"/>
-    <p:sldId id="5545" r:id="rId23"/>
-    <p:sldId id="5546" r:id="rId24"/>
-    <p:sldId id="5547" r:id="rId25"/>
-    <p:sldId id="5548" r:id="rId26"/>
-    <p:sldId id="5549" r:id="rId27"/>
-    <p:sldId id="5550" r:id="rId28"/>
-    <p:sldId id="5551" r:id="rId29"/>
-    <p:sldId id="5552" r:id="rId30"/>
-    <p:sldId id="5553" r:id="rId31"/>
-    <p:sldId id="5510" r:id="rId32"/>
-    <p:sldId id="5524" r:id="rId33"/>
+    <p:sldId id="262" r:id="rId2"/>
+    <p:sldId id="5042" r:id="rId3"/>
+    <p:sldId id="5525" r:id="rId4"/>
+    <p:sldId id="5527" r:id="rId5"/>
+    <p:sldId id="5529" r:id="rId6"/>
+    <p:sldId id="5530" r:id="rId7"/>
+    <p:sldId id="5531" r:id="rId8"/>
+    <p:sldId id="5532" r:id="rId9"/>
+    <p:sldId id="5533" r:id="rId10"/>
+    <p:sldId id="5534" r:id="rId11"/>
+    <p:sldId id="5535" r:id="rId12"/>
+    <p:sldId id="5536" r:id="rId13"/>
+    <p:sldId id="5537" r:id="rId14"/>
+    <p:sldId id="5538" r:id="rId15"/>
+    <p:sldId id="5539" r:id="rId16"/>
+    <p:sldId id="5540" r:id="rId17"/>
+    <p:sldId id="5541" r:id="rId18"/>
+    <p:sldId id="5542" r:id="rId19"/>
+    <p:sldId id="5543" r:id="rId20"/>
+    <p:sldId id="5544" r:id="rId21"/>
+    <p:sldId id="5545" r:id="rId22"/>
+    <p:sldId id="5546" r:id="rId23"/>
+    <p:sldId id="5547" r:id="rId24"/>
+    <p:sldId id="5548" r:id="rId25"/>
+    <p:sldId id="5549" r:id="rId26"/>
+    <p:sldId id="5550" r:id="rId27"/>
+    <p:sldId id="5551" r:id="rId28"/>
+    <p:sldId id="5552" r:id="rId29"/>
+    <p:sldId id="5553" r:id="rId30"/>
+    <p:sldId id="5510" r:id="rId31"/>
+    <p:sldId id="5524" r:id="rId32"/>
   </p:sldIdLst>
   <p:sldSz cx="12192000" cy="6858000"/>
   <p:notesSz cx="6858000" cy="9144000"/>
@@ -254,7 +253,7 @@
               <a:pPr>
                 <a:defRPr/>
               </a:pPr>
-              <a:t>7/7/2024</a:t>
+              <a:t>7/8/2024</a:t>
             </a:fld>
             <a:endParaRPr lang="en-US"/>
           </a:p>
@@ -570,850 +569,6 @@
 <file path=ppt/slideLayouts/slideLayout1.xml><?xml version="1.0" encoding="utf-8"?>
 <p:sldLayout xmlns:a="http://schemas.openxmlformats.org/drawingml/2006/main" xmlns:r="http://schemas.openxmlformats.org/officeDocument/2006/relationships" xmlns:p="http://schemas.openxmlformats.org/presentationml/2006/main" type="title" preserve="1">
   <p:cSld name="Title Slide">
-    <p:spTree>
-      <p:nvGrpSpPr>
-        <p:cNvPr id="1" name=""/>
-        <p:cNvGrpSpPr/>
-        <p:nvPr/>
-      </p:nvGrpSpPr>
-      <p:grpSpPr>
-        <a:xfrm>
-          <a:off x="0" y="0"/>
-          <a:ext cx="0" cy="0"/>
-          <a:chOff x="0" y="0"/>
-          <a:chExt cx="0" cy="0"/>
-        </a:xfrm>
-      </p:grpSpPr>
-      <p:sp>
-        <p:nvSpPr>
-          <p:cNvPr id="2" name="Title 1"/>
-          <p:cNvSpPr>
-            <a:spLocks noGrp="1"/>
-          </p:cNvSpPr>
-          <p:nvPr>
-            <p:ph type="ctrTitle"/>
-          </p:nvPr>
-        </p:nvSpPr>
-        <p:spPr>
-          <a:xfrm>
-            <a:off x="914400" y="2130426"/>
-            <a:ext cx="10363200" cy="1470025"/>
-          </a:xfrm>
-        </p:spPr>
-        <p:txBody>
-          <a:bodyPr/>
-          <a:lstStyle>
-            <a:lvl1pPr>
-              <a:defRPr/>
-            </a:lvl1pPr>
-          </a:lstStyle>
-          <a:p>
-            <a:r>
-              <a:rPr lang="en-US" dirty="0"/>
-              <a:t>Click to edit Master title style</a:t>
-            </a:r>
-          </a:p>
-        </p:txBody>
-      </p:sp>
-      <p:sp>
-        <p:nvSpPr>
-          <p:cNvPr id="3" name="Subtitle 2"/>
-          <p:cNvSpPr>
-            <a:spLocks noGrp="1"/>
-          </p:cNvSpPr>
-          <p:nvPr>
-            <p:ph type="subTitle" idx="1"/>
-          </p:nvPr>
-        </p:nvSpPr>
-        <p:spPr>
-          <a:xfrm>
-            <a:off x="1828800" y="3886200"/>
-            <a:ext cx="8534400" cy="1752600"/>
-          </a:xfrm>
-        </p:spPr>
-        <p:txBody>
-          <a:bodyPr/>
-          <a:lstStyle>
-            <a:lvl1pPr marL="0" indent="0" algn="ctr">
-              <a:buNone/>
-              <a:defRPr/>
-            </a:lvl1pPr>
-            <a:lvl2pPr marL="457200" indent="0" algn="ctr">
-              <a:buNone/>
-              <a:defRPr/>
-            </a:lvl2pPr>
-            <a:lvl3pPr marL="914400" indent="0" algn="ctr">
-              <a:buNone/>
-              <a:defRPr/>
-            </a:lvl3pPr>
-            <a:lvl4pPr marL="1371600" indent="0" algn="ctr">
-              <a:buNone/>
-              <a:defRPr/>
-            </a:lvl4pPr>
-            <a:lvl5pPr marL="1828800" indent="0" algn="ctr">
-              <a:buNone/>
-              <a:defRPr/>
-            </a:lvl5pPr>
-            <a:lvl6pPr marL="2286000" indent="0" algn="ctr">
-              <a:buNone/>
-              <a:defRPr/>
-            </a:lvl6pPr>
-            <a:lvl7pPr marL="2743200" indent="0" algn="ctr">
-              <a:buNone/>
-              <a:defRPr/>
-            </a:lvl7pPr>
-            <a:lvl8pPr marL="3200400" indent="0" algn="ctr">
-              <a:buNone/>
-              <a:defRPr/>
-            </a:lvl8pPr>
-            <a:lvl9pPr marL="3657600" indent="0" algn="ctr">
-              <a:buNone/>
-              <a:defRPr/>
-            </a:lvl9pPr>
-          </a:lstStyle>
-          <a:p>
-            <a:r>
-              <a:rPr lang="en-US" dirty="0"/>
-              <a:t>Click to edit Master subtitle style</a:t>
-            </a:r>
-          </a:p>
-        </p:txBody>
-      </p:sp>
-      <p:sp>
-        <p:nvSpPr>
-          <p:cNvPr id="4" name="Rectangle 4">
-            <a:extLst>
-              <a:ext uri="{FF2B5EF4-FFF2-40B4-BE49-F238E27FC236}">
-                <a16:creationId xmlns:a16="http://schemas.microsoft.com/office/drawing/2014/main" id="{5CDB1E04-9C93-4F4E-87BA-65021A195A35}"/>
-              </a:ext>
-            </a:extLst>
-          </p:cNvPr>
-          <p:cNvSpPr>
-            <a:spLocks noGrp="1" noChangeArrowheads="1"/>
-          </p:cNvSpPr>
-          <p:nvPr>
-            <p:ph type="dt" sz="half" idx="10"/>
-          </p:nvPr>
-        </p:nvSpPr>
-        <p:spPr>
-          <a:ln/>
-        </p:spPr>
-        <p:txBody>
-          <a:bodyPr/>
-          <a:lstStyle>
-            <a:lvl1pPr>
-              <a:defRPr/>
-            </a:lvl1pPr>
-          </a:lstStyle>
-          <a:p>
-            <a:pPr>
-              <a:defRPr/>
-            </a:pPr>
-            <a:endParaRPr lang="en-US" dirty="0"/>
-          </a:p>
-        </p:txBody>
-      </p:sp>
-      <p:sp>
-        <p:nvSpPr>
-          <p:cNvPr id="5" name="Rectangle 5">
-            <a:extLst>
-              <a:ext uri="{FF2B5EF4-FFF2-40B4-BE49-F238E27FC236}">
-                <a16:creationId xmlns:a16="http://schemas.microsoft.com/office/drawing/2014/main" id="{1D3ABF13-3972-4E05-80EF-F338CA559465}"/>
-              </a:ext>
-            </a:extLst>
-          </p:cNvPr>
-          <p:cNvSpPr>
-            <a:spLocks noGrp="1" noChangeArrowheads="1"/>
-          </p:cNvSpPr>
-          <p:nvPr>
-            <p:ph type="ftr" sz="quarter" idx="11"/>
-          </p:nvPr>
-        </p:nvSpPr>
-        <p:spPr>
-          <a:ln/>
-        </p:spPr>
-        <p:txBody>
-          <a:bodyPr/>
-          <a:lstStyle>
-            <a:lvl1pPr>
-              <a:defRPr/>
-            </a:lvl1pPr>
-          </a:lstStyle>
-          <a:p>
-            <a:pPr>
-              <a:defRPr/>
-            </a:pPr>
-            <a:endParaRPr lang="en-US" dirty="0"/>
-          </a:p>
-        </p:txBody>
-      </p:sp>
-      <p:sp>
-        <p:nvSpPr>
-          <p:cNvPr id="6" name="Rectangle 6">
-            <a:extLst>
-              <a:ext uri="{FF2B5EF4-FFF2-40B4-BE49-F238E27FC236}">
-                <a16:creationId xmlns:a16="http://schemas.microsoft.com/office/drawing/2014/main" id="{E1CC7930-5A0A-43A1-A8B6-156859A97203}"/>
-              </a:ext>
-            </a:extLst>
-          </p:cNvPr>
-          <p:cNvSpPr>
-            <a:spLocks noGrp="1" noChangeArrowheads="1"/>
-          </p:cNvSpPr>
-          <p:nvPr>
-            <p:ph type="sldNum" sz="quarter" idx="12"/>
-          </p:nvPr>
-        </p:nvSpPr>
-        <p:spPr>
-          <a:ln/>
-        </p:spPr>
-        <p:txBody>
-          <a:bodyPr/>
-          <a:lstStyle>
-            <a:lvl1pPr>
-              <a:defRPr/>
-            </a:lvl1pPr>
-          </a:lstStyle>
-          <a:p>
-            <a:fld id="{F81E7A3D-E83D-462E-8E22-65ED617997D8}" type="slidenum">
-              <a:rPr lang="ar-SA" altLang="en-US" smtClean="0"/>
-              <a:pPr/>
-              <a:t>‹#›</a:t>
-            </a:fld>
-            <a:endParaRPr lang="en-US" altLang="en-US" dirty="0"/>
-          </a:p>
-        </p:txBody>
-      </p:sp>
-    </p:spTree>
-    <p:extLst>
-      <p:ext uri="{BB962C8B-B14F-4D97-AF65-F5344CB8AC3E}">
-        <p14:creationId xmlns:p14="http://schemas.microsoft.com/office/powerpoint/2010/main" val="4275776591"/>
-      </p:ext>
-    </p:extLst>
-  </p:cSld>
-  <p:clrMapOvr>
-    <a:masterClrMapping/>
-  </p:clrMapOvr>
-  <p:transition>
-    <p:fade/>
-  </p:transition>
-  <p:extLst>
-    <p:ext uri="{DCECCB84-F9BA-43D5-87BE-67443E8EF086}">
-      <p15:sldGuideLst xmlns:p15="http://schemas.microsoft.com/office/powerpoint/2012/main">
-        <p15:guide id="1" orient="horz" pos="2160">
-          <p15:clr>
-            <a:srgbClr val="FBAE40"/>
-          </p15:clr>
-        </p15:guide>
-        <p15:guide id="2" pos="3840">
-          <p15:clr>
-            <a:srgbClr val="FBAE40"/>
-          </p15:clr>
-        </p15:guide>
-      </p15:sldGuideLst>
-    </p:ext>
-  </p:extLst>
-</p:sldLayout>
-</file>
-
-<file path=ppt/slideLayouts/slideLayout10.xml><?xml version="1.0" encoding="utf-8"?>
-<p:sldLayout xmlns:a="http://schemas.openxmlformats.org/drawingml/2006/main" xmlns:r="http://schemas.openxmlformats.org/officeDocument/2006/relationships" xmlns:p="http://schemas.openxmlformats.org/presentationml/2006/main" type="vertTx" preserve="1">
-  <p:cSld name="Title and Vertical Text">
-    <p:spTree>
-      <p:nvGrpSpPr>
-        <p:cNvPr id="1" name=""/>
-        <p:cNvGrpSpPr/>
-        <p:nvPr/>
-      </p:nvGrpSpPr>
-      <p:grpSpPr>
-        <a:xfrm>
-          <a:off x="0" y="0"/>
-          <a:ext cx="0" cy="0"/>
-          <a:chOff x="0" y="0"/>
-          <a:chExt cx="0" cy="0"/>
-        </a:xfrm>
-      </p:grpSpPr>
-      <p:sp>
-        <p:nvSpPr>
-          <p:cNvPr id="2" name="Title 1"/>
-          <p:cNvSpPr>
-            <a:spLocks noGrp="1"/>
-          </p:cNvSpPr>
-          <p:nvPr>
-            <p:ph type="title"/>
-          </p:nvPr>
-        </p:nvSpPr>
-        <p:spPr/>
-        <p:txBody>
-          <a:bodyPr/>
-          <a:lstStyle>
-            <a:lvl1pPr>
-              <a:defRPr/>
-            </a:lvl1pPr>
-          </a:lstStyle>
-          <a:p>
-            <a:r>
-              <a:rPr lang="en-US" dirty="0"/>
-              <a:t>Click to edit Master title style</a:t>
-            </a:r>
-          </a:p>
-        </p:txBody>
-      </p:sp>
-      <p:sp>
-        <p:nvSpPr>
-          <p:cNvPr id="3" name="Vertical Text Placeholder 2"/>
-          <p:cNvSpPr>
-            <a:spLocks noGrp="1"/>
-          </p:cNvSpPr>
-          <p:nvPr>
-            <p:ph type="body" orient="vert" idx="1"/>
-          </p:nvPr>
-        </p:nvSpPr>
-        <p:spPr/>
-        <p:txBody>
-          <a:bodyPr vert="eaVert"/>
-          <a:lstStyle>
-            <a:lvl1pPr>
-              <a:defRPr/>
-            </a:lvl1pPr>
-            <a:lvl2pPr>
-              <a:defRPr/>
-            </a:lvl2pPr>
-            <a:lvl3pPr>
-              <a:defRPr/>
-            </a:lvl3pPr>
-            <a:lvl4pPr>
-              <a:defRPr/>
-            </a:lvl4pPr>
-            <a:lvl5pPr>
-              <a:defRPr/>
-            </a:lvl5pPr>
-          </a:lstStyle>
-          <a:p>
-            <a:pPr lvl="0"/>
-            <a:r>
-              <a:rPr lang="en-US" dirty="0"/>
-              <a:t>Click to edit Master text styles</a:t>
-            </a:r>
-          </a:p>
-          <a:p>
-            <a:pPr lvl="1"/>
-            <a:r>
-              <a:rPr lang="en-US" dirty="0"/>
-              <a:t>Second level</a:t>
-            </a:r>
-          </a:p>
-          <a:p>
-            <a:pPr lvl="2"/>
-            <a:r>
-              <a:rPr lang="en-US" dirty="0"/>
-              <a:t>Third level</a:t>
-            </a:r>
-          </a:p>
-          <a:p>
-            <a:pPr lvl="3"/>
-            <a:r>
-              <a:rPr lang="en-US" dirty="0"/>
-              <a:t>Fourth level</a:t>
-            </a:r>
-          </a:p>
-          <a:p>
-            <a:pPr lvl="4"/>
-            <a:r>
-              <a:rPr lang="en-US" dirty="0"/>
-              <a:t>Fifth level</a:t>
-            </a:r>
-          </a:p>
-        </p:txBody>
-      </p:sp>
-      <p:sp>
-        <p:nvSpPr>
-          <p:cNvPr id="4" name="Rectangle 4">
-            <a:extLst>
-              <a:ext uri="{FF2B5EF4-FFF2-40B4-BE49-F238E27FC236}">
-                <a16:creationId xmlns:a16="http://schemas.microsoft.com/office/drawing/2014/main" id="{40EF34D9-C97B-4F8D-AE79-DE53FCB0E917}"/>
-              </a:ext>
-            </a:extLst>
-          </p:cNvPr>
-          <p:cNvSpPr>
-            <a:spLocks noGrp="1" noChangeArrowheads="1"/>
-          </p:cNvSpPr>
-          <p:nvPr>
-            <p:ph type="dt" sz="half" idx="10"/>
-          </p:nvPr>
-        </p:nvSpPr>
-        <p:spPr>
-          <a:ln/>
-        </p:spPr>
-        <p:txBody>
-          <a:bodyPr/>
-          <a:lstStyle>
-            <a:lvl1pPr>
-              <a:defRPr/>
-            </a:lvl1pPr>
-          </a:lstStyle>
-          <a:p>
-            <a:pPr>
-              <a:defRPr/>
-            </a:pPr>
-            <a:endParaRPr lang="en-US" dirty="0"/>
-          </a:p>
-        </p:txBody>
-      </p:sp>
-      <p:sp>
-        <p:nvSpPr>
-          <p:cNvPr id="5" name="Rectangle 5">
-            <a:extLst>
-              <a:ext uri="{FF2B5EF4-FFF2-40B4-BE49-F238E27FC236}">
-                <a16:creationId xmlns:a16="http://schemas.microsoft.com/office/drawing/2014/main" id="{BA419E6A-1FEF-4E4A-91CE-A51B6ED5BA88}"/>
-              </a:ext>
-            </a:extLst>
-          </p:cNvPr>
-          <p:cNvSpPr>
-            <a:spLocks noGrp="1" noChangeArrowheads="1"/>
-          </p:cNvSpPr>
-          <p:nvPr>
-            <p:ph type="ftr" sz="quarter" idx="11"/>
-          </p:nvPr>
-        </p:nvSpPr>
-        <p:spPr>
-          <a:ln/>
-        </p:spPr>
-        <p:txBody>
-          <a:bodyPr/>
-          <a:lstStyle>
-            <a:lvl1pPr>
-              <a:defRPr/>
-            </a:lvl1pPr>
-          </a:lstStyle>
-          <a:p>
-            <a:pPr>
-              <a:defRPr/>
-            </a:pPr>
-            <a:endParaRPr lang="en-US" dirty="0"/>
-          </a:p>
-        </p:txBody>
-      </p:sp>
-      <p:sp>
-        <p:nvSpPr>
-          <p:cNvPr id="6" name="Rectangle 6">
-            <a:extLst>
-              <a:ext uri="{FF2B5EF4-FFF2-40B4-BE49-F238E27FC236}">
-                <a16:creationId xmlns:a16="http://schemas.microsoft.com/office/drawing/2014/main" id="{8B74B8CD-3EFA-4299-8C61-38E73B16E85C}"/>
-              </a:ext>
-            </a:extLst>
-          </p:cNvPr>
-          <p:cNvSpPr>
-            <a:spLocks noGrp="1" noChangeArrowheads="1"/>
-          </p:cNvSpPr>
-          <p:nvPr>
-            <p:ph type="sldNum" sz="quarter" idx="12"/>
-          </p:nvPr>
-        </p:nvSpPr>
-        <p:spPr>
-          <a:ln/>
-        </p:spPr>
-        <p:txBody>
-          <a:bodyPr/>
-          <a:lstStyle>
-            <a:lvl1pPr>
-              <a:defRPr/>
-            </a:lvl1pPr>
-          </a:lstStyle>
-          <a:p>
-            <a:fld id="{71B124E7-09F0-470F-9B26-84927EE972A3}" type="slidenum">
-              <a:rPr lang="ar-SA" altLang="en-US" smtClean="0"/>
-              <a:pPr/>
-              <a:t>‹#›</a:t>
-            </a:fld>
-            <a:endParaRPr lang="en-US" altLang="en-US" dirty="0"/>
-          </a:p>
-        </p:txBody>
-      </p:sp>
-    </p:spTree>
-    <p:extLst>
-      <p:ext uri="{BB962C8B-B14F-4D97-AF65-F5344CB8AC3E}">
-        <p14:creationId xmlns:p14="http://schemas.microsoft.com/office/powerpoint/2010/main" val="1699245532"/>
-      </p:ext>
-    </p:extLst>
-  </p:cSld>
-  <p:clrMapOvr>
-    <a:masterClrMapping/>
-  </p:clrMapOvr>
-  <p:transition>
-    <p:fade/>
-  </p:transition>
-</p:sldLayout>
-</file>
-
-<file path=ppt/slideLayouts/slideLayout11.xml><?xml version="1.0" encoding="utf-8"?>
-<p:sldLayout xmlns:a="http://schemas.openxmlformats.org/drawingml/2006/main" xmlns:r="http://schemas.openxmlformats.org/officeDocument/2006/relationships" xmlns:p="http://schemas.openxmlformats.org/presentationml/2006/main" type="vertTitleAndTx" preserve="1">
-  <p:cSld name="Vertical Title and Text">
-    <p:spTree>
-      <p:nvGrpSpPr>
-        <p:cNvPr id="1" name=""/>
-        <p:cNvGrpSpPr/>
-        <p:nvPr/>
-      </p:nvGrpSpPr>
-      <p:grpSpPr>
-        <a:xfrm>
-          <a:off x="0" y="0"/>
-          <a:ext cx="0" cy="0"/>
-          <a:chOff x="0" y="0"/>
-          <a:chExt cx="0" cy="0"/>
-        </a:xfrm>
-      </p:grpSpPr>
-      <p:sp>
-        <p:nvSpPr>
-          <p:cNvPr id="2" name="Vertical Title 1"/>
-          <p:cNvSpPr>
-            <a:spLocks noGrp="1"/>
-          </p:cNvSpPr>
-          <p:nvPr>
-            <p:ph type="title" orient="vert"/>
-          </p:nvPr>
-        </p:nvSpPr>
-        <p:spPr>
-          <a:xfrm>
-            <a:off x="8839200" y="274639"/>
-            <a:ext cx="2743200" cy="5851525"/>
-          </a:xfrm>
-        </p:spPr>
-        <p:txBody>
-          <a:bodyPr vert="eaVert"/>
-          <a:lstStyle>
-            <a:lvl1pPr>
-              <a:defRPr/>
-            </a:lvl1pPr>
-          </a:lstStyle>
-          <a:p>
-            <a:r>
-              <a:rPr lang="en-US" dirty="0"/>
-              <a:t>Click to edit Master title style</a:t>
-            </a:r>
-          </a:p>
-        </p:txBody>
-      </p:sp>
-      <p:sp>
-        <p:nvSpPr>
-          <p:cNvPr id="3" name="Vertical Text Placeholder 2"/>
-          <p:cNvSpPr>
-            <a:spLocks noGrp="1"/>
-          </p:cNvSpPr>
-          <p:nvPr>
-            <p:ph type="body" orient="vert" idx="1"/>
-          </p:nvPr>
-        </p:nvSpPr>
-        <p:spPr>
-          <a:xfrm>
-            <a:off x="609600" y="274639"/>
-            <a:ext cx="8026400" cy="5851525"/>
-          </a:xfrm>
-        </p:spPr>
-        <p:txBody>
-          <a:bodyPr vert="eaVert"/>
-          <a:lstStyle>
-            <a:lvl1pPr>
-              <a:defRPr/>
-            </a:lvl1pPr>
-            <a:lvl2pPr>
-              <a:defRPr/>
-            </a:lvl2pPr>
-            <a:lvl3pPr>
-              <a:defRPr/>
-            </a:lvl3pPr>
-            <a:lvl4pPr>
-              <a:defRPr/>
-            </a:lvl4pPr>
-            <a:lvl5pPr>
-              <a:defRPr/>
-            </a:lvl5pPr>
-          </a:lstStyle>
-          <a:p>
-            <a:pPr lvl="0"/>
-            <a:r>
-              <a:rPr lang="en-US" dirty="0"/>
-              <a:t>Click to edit Master text styles</a:t>
-            </a:r>
-          </a:p>
-          <a:p>
-            <a:pPr lvl="1"/>
-            <a:r>
-              <a:rPr lang="en-US" dirty="0"/>
-              <a:t>Second level</a:t>
-            </a:r>
-          </a:p>
-          <a:p>
-            <a:pPr lvl="2"/>
-            <a:r>
-              <a:rPr lang="en-US" dirty="0"/>
-              <a:t>Third level</a:t>
-            </a:r>
-          </a:p>
-          <a:p>
-            <a:pPr lvl="3"/>
-            <a:r>
-              <a:rPr lang="en-US" dirty="0"/>
-              <a:t>Fourth level</a:t>
-            </a:r>
-          </a:p>
-          <a:p>
-            <a:pPr lvl="4"/>
-            <a:r>
-              <a:rPr lang="en-US" dirty="0"/>
-              <a:t>Fifth level</a:t>
-            </a:r>
-          </a:p>
-        </p:txBody>
-      </p:sp>
-      <p:sp>
-        <p:nvSpPr>
-          <p:cNvPr id="4" name="Rectangle 4">
-            <a:extLst>
-              <a:ext uri="{FF2B5EF4-FFF2-40B4-BE49-F238E27FC236}">
-                <a16:creationId xmlns:a16="http://schemas.microsoft.com/office/drawing/2014/main" id="{F52BB6F7-5CB5-4E3F-8AF4-8419F96DDA3D}"/>
-              </a:ext>
-            </a:extLst>
-          </p:cNvPr>
-          <p:cNvSpPr>
-            <a:spLocks noGrp="1" noChangeArrowheads="1"/>
-          </p:cNvSpPr>
-          <p:nvPr>
-            <p:ph type="dt" sz="half" idx="10"/>
-          </p:nvPr>
-        </p:nvSpPr>
-        <p:spPr>
-          <a:ln/>
-        </p:spPr>
-        <p:txBody>
-          <a:bodyPr/>
-          <a:lstStyle>
-            <a:lvl1pPr>
-              <a:defRPr/>
-            </a:lvl1pPr>
-          </a:lstStyle>
-          <a:p>
-            <a:pPr>
-              <a:defRPr/>
-            </a:pPr>
-            <a:endParaRPr lang="en-US" dirty="0"/>
-          </a:p>
-        </p:txBody>
-      </p:sp>
-      <p:sp>
-        <p:nvSpPr>
-          <p:cNvPr id="5" name="Rectangle 5">
-            <a:extLst>
-              <a:ext uri="{FF2B5EF4-FFF2-40B4-BE49-F238E27FC236}">
-                <a16:creationId xmlns:a16="http://schemas.microsoft.com/office/drawing/2014/main" id="{1E2D3B6E-7A28-4BFA-95BA-BF7DD6EEBC5B}"/>
-              </a:ext>
-            </a:extLst>
-          </p:cNvPr>
-          <p:cNvSpPr>
-            <a:spLocks noGrp="1" noChangeArrowheads="1"/>
-          </p:cNvSpPr>
-          <p:nvPr>
-            <p:ph type="ftr" sz="quarter" idx="11"/>
-          </p:nvPr>
-        </p:nvSpPr>
-        <p:spPr>
-          <a:ln/>
-        </p:spPr>
-        <p:txBody>
-          <a:bodyPr/>
-          <a:lstStyle>
-            <a:lvl1pPr>
-              <a:defRPr/>
-            </a:lvl1pPr>
-          </a:lstStyle>
-          <a:p>
-            <a:pPr>
-              <a:defRPr/>
-            </a:pPr>
-            <a:endParaRPr lang="en-US" dirty="0"/>
-          </a:p>
-        </p:txBody>
-      </p:sp>
-      <p:sp>
-        <p:nvSpPr>
-          <p:cNvPr id="6" name="Rectangle 6">
-            <a:extLst>
-              <a:ext uri="{FF2B5EF4-FFF2-40B4-BE49-F238E27FC236}">
-                <a16:creationId xmlns:a16="http://schemas.microsoft.com/office/drawing/2014/main" id="{262C204B-C706-4C77-AAC2-A9DCFE47A307}"/>
-              </a:ext>
-            </a:extLst>
-          </p:cNvPr>
-          <p:cNvSpPr>
-            <a:spLocks noGrp="1" noChangeArrowheads="1"/>
-          </p:cNvSpPr>
-          <p:nvPr>
-            <p:ph type="sldNum" sz="quarter" idx="12"/>
-          </p:nvPr>
-        </p:nvSpPr>
-        <p:spPr>
-          <a:ln/>
-        </p:spPr>
-        <p:txBody>
-          <a:bodyPr/>
-          <a:lstStyle>
-            <a:lvl1pPr>
-              <a:defRPr/>
-            </a:lvl1pPr>
-          </a:lstStyle>
-          <a:p>
-            <a:fld id="{6278B95F-81EE-4EF0-BD0D-C29BC91CAADE}" type="slidenum">
-              <a:rPr lang="ar-SA" altLang="en-US" smtClean="0"/>
-              <a:pPr/>
-              <a:t>‹#›</a:t>
-            </a:fld>
-            <a:endParaRPr lang="en-US" altLang="en-US" dirty="0"/>
-          </a:p>
-        </p:txBody>
-      </p:sp>
-    </p:spTree>
-    <p:extLst>
-      <p:ext uri="{BB962C8B-B14F-4D97-AF65-F5344CB8AC3E}">
-        <p14:creationId xmlns:p14="http://schemas.microsoft.com/office/powerpoint/2010/main" val="2039341721"/>
-      </p:ext>
-    </p:extLst>
-  </p:cSld>
-  <p:clrMapOvr>
-    <a:masterClrMapping/>
-  </p:clrMapOvr>
-  <p:transition>
-    <p:fade/>
-  </p:transition>
-</p:sldLayout>
-</file>
-
-<file path=ppt/slideLayouts/slideLayout12.xml><?xml version="1.0" encoding="utf-8"?>
-<p:sldLayout xmlns:a="http://schemas.openxmlformats.org/drawingml/2006/main" xmlns:r="http://schemas.openxmlformats.org/officeDocument/2006/relationships" xmlns:p="http://schemas.openxmlformats.org/presentationml/2006/main" preserve="1" userDrawn="1">
-  <p:cSld name="Custom Layout">
-    <p:spTree>
-      <p:nvGrpSpPr>
-        <p:cNvPr id="1" name=""/>
-        <p:cNvGrpSpPr/>
-        <p:nvPr/>
-      </p:nvGrpSpPr>
-      <p:grpSpPr>
-        <a:xfrm>
-          <a:off x="0" y="0"/>
-          <a:ext cx="0" cy="0"/>
-          <a:chOff x="0" y="0"/>
-          <a:chExt cx="0" cy="0"/>
-        </a:xfrm>
-      </p:grpSpPr>
-      <p:sp>
-        <p:nvSpPr>
-          <p:cNvPr id="2" name="Title 1">
-            <a:extLst>
-              <a:ext uri="{FF2B5EF4-FFF2-40B4-BE49-F238E27FC236}">
-                <a16:creationId xmlns:a16="http://schemas.microsoft.com/office/drawing/2014/main" id="{FDDDA0A2-AD51-881E-FFF7-C9FC09AB2BB4}"/>
-              </a:ext>
-            </a:extLst>
-          </p:cNvPr>
-          <p:cNvSpPr>
-            <a:spLocks noGrp="1"/>
-          </p:cNvSpPr>
-          <p:nvPr>
-            <p:ph type="title"/>
-          </p:nvPr>
-        </p:nvSpPr>
-        <p:spPr>
-          <a:xfrm>
-            <a:off x="0" y="1219199"/>
-            <a:ext cx="12192000" cy="1143000"/>
-          </a:xfrm>
-        </p:spPr>
-        <p:txBody>
-          <a:bodyPr/>
-          <a:lstStyle>
-            <a:lvl1pPr rtl="1">
-              <a:defRPr sz="8000">
-                <a:latin typeface="Arabic Typesetting" panose="03020402040406030203" pitchFamily="66" charset="-78"/>
-                <a:cs typeface="Arabic Typesetting" panose="03020402040406030203" pitchFamily="66" charset="-78"/>
-              </a:defRPr>
-            </a:lvl1pPr>
-          </a:lstStyle>
-          <a:p>
-            <a:r>
-              <a:rPr lang="en-US" dirty="0"/>
-              <a:t>Click to edit Master title style</a:t>
-            </a:r>
-            <a:endParaRPr lang="en-CA" dirty="0"/>
-          </a:p>
-        </p:txBody>
-      </p:sp>
-      <p:sp>
-        <p:nvSpPr>
-          <p:cNvPr id="9" name="Text Placeholder 8">
-            <a:extLst>
-              <a:ext uri="{FF2B5EF4-FFF2-40B4-BE49-F238E27FC236}">
-                <a16:creationId xmlns:a16="http://schemas.microsoft.com/office/drawing/2014/main" id="{0D278284-CF32-85B2-B743-5591E8373852}"/>
-              </a:ext>
-            </a:extLst>
-          </p:cNvPr>
-          <p:cNvSpPr>
-            <a:spLocks noGrp="1"/>
-          </p:cNvSpPr>
-          <p:nvPr>
-            <p:ph type="body" sz="quarter" idx="10"/>
-          </p:nvPr>
-        </p:nvSpPr>
-        <p:spPr>
-          <a:xfrm>
-            <a:off x="2171700" y="4495801"/>
-            <a:ext cx="7848600" cy="1905000"/>
-          </a:xfrm>
-        </p:spPr>
-        <p:txBody>
-          <a:bodyPr/>
-          <a:lstStyle>
-            <a:lvl1pPr marL="0" indent="0" algn="ctr">
-              <a:buNone/>
-              <a:defRPr sz="3200"/>
-            </a:lvl1pPr>
-            <a:lvl2pPr marL="457200" indent="0">
-              <a:buNone/>
-              <a:defRPr sz="3200"/>
-            </a:lvl2pPr>
-            <a:lvl3pPr>
-              <a:defRPr sz="3200"/>
-            </a:lvl3pPr>
-            <a:lvl4pPr>
-              <a:defRPr sz="3200"/>
-            </a:lvl4pPr>
-            <a:lvl5pPr>
-              <a:defRPr sz="3200"/>
-            </a:lvl5pPr>
-          </a:lstStyle>
-          <a:p>
-            <a:pPr lvl="0"/>
-            <a:r>
-              <a:rPr lang="en-US" dirty="0"/>
-              <a:t>Click to edit Master text styles</a:t>
-            </a:r>
-          </a:p>
-        </p:txBody>
-      </p:sp>
-    </p:spTree>
-    <p:extLst>
-      <p:ext uri="{BB962C8B-B14F-4D97-AF65-F5344CB8AC3E}">
-        <p14:creationId xmlns:p14="http://schemas.microsoft.com/office/powerpoint/2010/main" val="3284091639"/>
-      </p:ext>
-    </p:extLst>
-  </p:cSld>
-  <p:clrMapOvr>
-    <a:masterClrMapping/>
-  </p:clrMapOvr>
-  <p:transition>
-    <p:fade/>
-  </p:transition>
-</p:sldLayout>
-</file>
-
-<file path=ppt/slideLayouts/slideLayout13.xml><?xml version="1.0" encoding="utf-8"?>
-<p:sldLayout xmlns:a="http://schemas.openxmlformats.org/drawingml/2006/main" xmlns:r="http://schemas.openxmlformats.org/officeDocument/2006/relationships" xmlns:p="http://schemas.openxmlformats.org/presentationml/2006/main" type="title" preserve="1">
-  <p:cSld name="Title Slide">
     <p:bg>
       <p:bgPr>
         <a:solidFill>
@@ -1572,7 +727,7 @@
 </p:sldLayout>
 </file>
 
-<file path=ppt/slideLayouts/slideLayout14.xml><?xml version="1.0" encoding="utf-8"?>
+<file path=ppt/slideLayouts/slideLayout2.xml><?xml version="1.0" encoding="utf-8"?>
 <p:sldLayout xmlns:a="http://schemas.openxmlformats.org/drawingml/2006/main" xmlns:r="http://schemas.openxmlformats.org/officeDocument/2006/relationships" xmlns:p="http://schemas.openxmlformats.org/presentationml/2006/main" userDrawn="1">
   <p:cSld name="1_Custom Layout">
     <p:bg>
@@ -1663,7 +818,7 @@
 </p:sldLayout>
 </file>
 
-<file path=ppt/slideLayouts/slideLayout15.xml><?xml version="1.0" encoding="utf-8"?>
+<file path=ppt/slideLayouts/slideLayout3.xml><?xml version="1.0" encoding="utf-8"?>
 <p:sldLayout xmlns:a="http://schemas.openxmlformats.org/drawingml/2006/main" xmlns:r="http://schemas.openxmlformats.org/officeDocument/2006/relationships" xmlns:p="http://schemas.openxmlformats.org/presentationml/2006/main" userDrawn="1">
   <p:cSld name="2_Custom Layout">
     <p:spTree>
@@ -1717,8 +872,12 @@
           </a:lstStyle>
           <a:p>
             <a:r>
+              <a:rPr lang="ar-SA" noProof="0" dirty="0" err="1"/>
+              <a:t>Click</a:t>
+            </a:r>
+            <a:r>
               <a:rPr lang="ar-SA" noProof="0" dirty="0"/>
-              <a:t>Click </a:t>
+              <a:t> </a:t>
             </a:r>
             <a:r>
               <a:rPr lang="ar-SA" noProof="0" dirty="0" err="1"/>
@@ -1841,3069 +1000,7 @@
 </p:sldLayout>
 </file>
 
-<file path=ppt/slideLayouts/slideLayout2.xml><?xml version="1.0" encoding="utf-8"?>
-<p:sldLayout xmlns:a="http://schemas.openxmlformats.org/drawingml/2006/main" xmlns:r="http://schemas.openxmlformats.org/officeDocument/2006/relationships" xmlns:p="http://schemas.openxmlformats.org/presentationml/2006/main" type="obj" preserve="1">
-  <p:cSld name="Title and Content">
-    <p:spTree>
-      <p:nvGrpSpPr>
-        <p:cNvPr id="1" name=""/>
-        <p:cNvGrpSpPr/>
-        <p:nvPr/>
-      </p:nvGrpSpPr>
-      <p:grpSpPr>
-        <a:xfrm>
-          <a:off x="0" y="0"/>
-          <a:ext cx="0" cy="0"/>
-          <a:chOff x="0" y="0"/>
-          <a:chExt cx="0" cy="0"/>
-        </a:xfrm>
-      </p:grpSpPr>
-      <p:sp>
-        <p:nvSpPr>
-          <p:cNvPr id="2" name="Title 1"/>
-          <p:cNvSpPr>
-            <a:spLocks noGrp="1"/>
-          </p:cNvSpPr>
-          <p:nvPr>
-            <p:ph type="title"/>
-          </p:nvPr>
-        </p:nvSpPr>
-        <p:spPr/>
-        <p:txBody>
-          <a:bodyPr/>
-          <a:lstStyle>
-            <a:lvl1pPr>
-              <a:defRPr/>
-            </a:lvl1pPr>
-          </a:lstStyle>
-          <a:p>
-            <a:r>
-              <a:rPr lang="en-US" dirty="0"/>
-              <a:t>Click to edit Master title style</a:t>
-            </a:r>
-          </a:p>
-        </p:txBody>
-      </p:sp>
-      <p:sp>
-        <p:nvSpPr>
-          <p:cNvPr id="3" name="Content Placeholder 2"/>
-          <p:cNvSpPr>
-            <a:spLocks noGrp="1"/>
-          </p:cNvSpPr>
-          <p:nvPr>
-            <p:ph idx="1"/>
-          </p:nvPr>
-        </p:nvSpPr>
-        <p:spPr/>
-        <p:txBody>
-          <a:bodyPr/>
-          <a:lstStyle>
-            <a:lvl1pPr>
-              <a:defRPr/>
-            </a:lvl1pPr>
-            <a:lvl2pPr>
-              <a:defRPr/>
-            </a:lvl2pPr>
-            <a:lvl3pPr>
-              <a:defRPr/>
-            </a:lvl3pPr>
-            <a:lvl4pPr>
-              <a:defRPr/>
-            </a:lvl4pPr>
-            <a:lvl5pPr>
-              <a:defRPr/>
-            </a:lvl5pPr>
-          </a:lstStyle>
-          <a:p>
-            <a:pPr lvl="0"/>
-            <a:r>
-              <a:rPr lang="en-US" dirty="0"/>
-              <a:t>Click to edit Master text styles</a:t>
-            </a:r>
-          </a:p>
-          <a:p>
-            <a:pPr lvl="1"/>
-            <a:r>
-              <a:rPr lang="en-US" dirty="0"/>
-              <a:t>Second level</a:t>
-            </a:r>
-          </a:p>
-          <a:p>
-            <a:pPr lvl="2"/>
-            <a:r>
-              <a:rPr lang="en-US" dirty="0"/>
-              <a:t>Third level</a:t>
-            </a:r>
-          </a:p>
-          <a:p>
-            <a:pPr lvl="3"/>
-            <a:r>
-              <a:rPr lang="en-US" dirty="0"/>
-              <a:t>Fourth level</a:t>
-            </a:r>
-          </a:p>
-          <a:p>
-            <a:pPr lvl="4"/>
-            <a:r>
-              <a:rPr lang="en-US" dirty="0"/>
-              <a:t>Fifth level</a:t>
-            </a:r>
-          </a:p>
-        </p:txBody>
-      </p:sp>
-      <p:sp>
-        <p:nvSpPr>
-          <p:cNvPr id="4" name="Rectangle 4">
-            <a:extLst>
-              <a:ext uri="{FF2B5EF4-FFF2-40B4-BE49-F238E27FC236}">
-                <a16:creationId xmlns:a16="http://schemas.microsoft.com/office/drawing/2014/main" id="{EF37F430-F16A-4C7B-B236-9408B533A456}"/>
-              </a:ext>
-            </a:extLst>
-          </p:cNvPr>
-          <p:cNvSpPr>
-            <a:spLocks noGrp="1" noChangeArrowheads="1"/>
-          </p:cNvSpPr>
-          <p:nvPr>
-            <p:ph type="dt" sz="half" idx="10"/>
-          </p:nvPr>
-        </p:nvSpPr>
-        <p:spPr>
-          <a:ln/>
-        </p:spPr>
-        <p:txBody>
-          <a:bodyPr/>
-          <a:lstStyle>
-            <a:lvl1pPr>
-              <a:defRPr/>
-            </a:lvl1pPr>
-          </a:lstStyle>
-          <a:p>
-            <a:pPr>
-              <a:defRPr/>
-            </a:pPr>
-            <a:endParaRPr lang="en-US" dirty="0"/>
-          </a:p>
-        </p:txBody>
-      </p:sp>
-      <p:sp>
-        <p:nvSpPr>
-          <p:cNvPr id="5" name="Rectangle 5">
-            <a:extLst>
-              <a:ext uri="{FF2B5EF4-FFF2-40B4-BE49-F238E27FC236}">
-                <a16:creationId xmlns:a16="http://schemas.microsoft.com/office/drawing/2014/main" id="{8FCABDDC-AAFF-451C-9B1A-0AD808307B8C}"/>
-              </a:ext>
-            </a:extLst>
-          </p:cNvPr>
-          <p:cNvSpPr>
-            <a:spLocks noGrp="1" noChangeArrowheads="1"/>
-          </p:cNvSpPr>
-          <p:nvPr>
-            <p:ph type="ftr" sz="quarter" idx="11"/>
-          </p:nvPr>
-        </p:nvSpPr>
-        <p:spPr>
-          <a:ln/>
-        </p:spPr>
-        <p:txBody>
-          <a:bodyPr/>
-          <a:lstStyle>
-            <a:lvl1pPr>
-              <a:defRPr/>
-            </a:lvl1pPr>
-          </a:lstStyle>
-          <a:p>
-            <a:pPr>
-              <a:defRPr/>
-            </a:pPr>
-            <a:endParaRPr lang="en-US" dirty="0"/>
-          </a:p>
-        </p:txBody>
-      </p:sp>
-      <p:sp>
-        <p:nvSpPr>
-          <p:cNvPr id="6" name="Rectangle 6">
-            <a:extLst>
-              <a:ext uri="{FF2B5EF4-FFF2-40B4-BE49-F238E27FC236}">
-                <a16:creationId xmlns:a16="http://schemas.microsoft.com/office/drawing/2014/main" id="{A7E087BA-7129-41A6-A6CA-AE71B84D7C40}"/>
-              </a:ext>
-            </a:extLst>
-          </p:cNvPr>
-          <p:cNvSpPr>
-            <a:spLocks noGrp="1" noChangeArrowheads="1"/>
-          </p:cNvSpPr>
-          <p:nvPr>
-            <p:ph type="sldNum" sz="quarter" idx="12"/>
-          </p:nvPr>
-        </p:nvSpPr>
-        <p:spPr>
-          <a:ln/>
-        </p:spPr>
-        <p:txBody>
-          <a:bodyPr/>
-          <a:lstStyle>
-            <a:lvl1pPr>
-              <a:defRPr/>
-            </a:lvl1pPr>
-          </a:lstStyle>
-          <a:p>
-            <a:fld id="{483B47EA-5D2D-44B5-B00B-9EB09598820D}" type="slidenum">
-              <a:rPr lang="ar-SA" altLang="en-US" smtClean="0"/>
-              <a:pPr/>
-              <a:t>‹#›</a:t>
-            </a:fld>
-            <a:endParaRPr lang="en-US" altLang="en-US" dirty="0"/>
-          </a:p>
-        </p:txBody>
-      </p:sp>
-    </p:spTree>
-    <p:extLst>
-      <p:ext uri="{BB962C8B-B14F-4D97-AF65-F5344CB8AC3E}">
-        <p14:creationId xmlns:p14="http://schemas.microsoft.com/office/powerpoint/2010/main" val="469969869"/>
-      </p:ext>
-    </p:extLst>
-  </p:cSld>
-  <p:clrMapOvr>
-    <a:masterClrMapping/>
-  </p:clrMapOvr>
-  <p:transition>
-    <p:fade/>
-  </p:transition>
-  <p:extLst>
-    <p:ext uri="{DCECCB84-F9BA-43D5-87BE-67443E8EF086}">
-      <p15:sldGuideLst xmlns:p15="http://schemas.microsoft.com/office/powerpoint/2012/main">
-        <p15:guide id="1" orient="horz" pos="2160">
-          <p15:clr>
-            <a:srgbClr val="FBAE40"/>
-          </p15:clr>
-        </p15:guide>
-        <p15:guide id="2" pos="3840">
-          <p15:clr>
-            <a:srgbClr val="FBAE40"/>
-          </p15:clr>
-        </p15:guide>
-      </p15:sldGuideLst>
-    </p:ext>
-  </p:extLst>
-</p:sldLayout>
-</file>
-
-<file path=ppt/slideLayouts/slideLayout3.xml><?xml version="1.0" encoding="utf-8"?>
-<p:sldLayout xmlns:a="http://schemas.openxmlformats.org/drawingml/2006/main" xmlns:r="http://schemas.openxmlformats.org/officeDocument/2006/relationships" xmlns:p="http://schemas.openxmlformats.org/presentationml/2006/main" type="secHead" preserve="1">
-  <p:cSld name="Section Header">
-    <p:spTree>
-      <p:nvGrpSpPr>
-        <p:cNvPr id="1" name=""/>
-        <p:cNvGrpSpPr/>
-        <p:nvPr/>
-      </p:nvGrpSpPr>
-      <p:grpSpPr>
-        <a:xfrm>
-          <a:off x="0" y="0"/>
-          <a:ext cx="0" cy="0"/>
-          <a:chOff x="0" y="0"/>
-          <a:chExt cx="0" cy="0"/>
-        </a:xfrm>
-      </p:grpSpPr>
-      <p:sp>
-        <p:nvSpPr>
-          <p:cNvPr id="2" name="Title 1"/>
-          <p:cNvSpPr>
-            <a:spLocks noGrp="1"/>
-          </p:cNvSpPr>
-          <p:nvPr>
-            <p:ph type="title"/>
-          </p:nvPr>
-        </p:nvSpPr>
-        <p:spPr>
-          <a:xfrm>
-            <a:off x="963084" y="4406901"/>
-            <a:ext cx="10363200" cy="1362075"/>
-          </a:xfrm>
-        </p:spPr>
-        <p:txBody>
-          <a:bodyPr anchor="t"/>
-          <a:lstStyle>
-            <a:lvl1pPr algn="l">
-              <a:defRPr sz="4000" b="1" cap="all"/>
-            </a:lvl1pPr>
-          </a:lstStyle>
-          <a:p>
-            <a:r>
-              <a:rPr lang="en-US" dirty="0"/>
-              <a:t>Click to edit Master title style</a:t>
-            </a:r>
-          </a:p>
-        </p:txBody>
-      </p:sp>
-      <p:sp>
-        <p:nvSpPr>
-          <p:cNvPr id="3" name="Text Placeholder 2"/>
-          <p:cNvSpPr>
-            <a:spLocks noGrp="1"/>
-          </p:cNvSpPr>
-          <p:nvPr>
-            <p:ph type="body" idx="1"/>
-          </p:nvPr>
-        </p:nvSpPr>
-        <p:spPr>
-          <a:xfrm>
-            <a:off x="963084" y="2906713"/>
-            <a:ext cx="10363200" cy="1500187"/>
-          </a:xfrm>
-        </p:spPr>
-        <p:txBody>
-          <a:bodyPr anchor="b"/>
-          <a:lstStyle>
-            <a:lvl1pPr marL="0" indent="0">
-              <a:buNone/>
-              <a:defRPr sz="2000"/>
-            </a:lvl1pPr>
-            <a:lvl2pPr marL="457200" indent="0">
-              <a:buNone/>
-              <a:defRPr sz="1800"/>
-            </a:lvl2pPr>
-            <a:lvl3pPr marL="914400" indent="0">
-              <a:buNone/>
-              <a:defRPr sz="1600"/>
-            </a:lvl3pPr>
-            <a:lvl4pPr marL="1371600" indent="0">
-              <a:buNone/>
-              <a:defRPr sz="1400"/>
-            </a:lvl4pPr>
-            <a:lvl5pPr marL="1828800" indent="0">
-              <a:buNone/>
-              <a:defRPr sz="1400"/>
-            </a:lvl5pPr>
-            <a:lvl6pPr marL="2286000" indent="0">
-              <a:buNone/>
-              <a:defRPr sz="1400"/>
-            </a:lvl6pPr>
-            <a:lvl7pPr marL="2743200" indent="0">
-              <a:buNone/>
-              <a:defRPr sz="1400"/>
-            </a:lvl7pPr>
-            <a:lvl8pPr marL="3200400" indent="0">
-              <a:buNone/>
-              <a:defRPr sz="1400"/>
-            </a:lvl8pPr>
-            <a:lvl9pPr marL="3657600" indent="0">
-              <a:buNone/>
-              <a:defRPr sz="1400"/>
-            </a:lvl9pPr>
-          </a:lstStyle>
-          <a:p>
-            <a:pPr lvl="0"/>
-            <a:r>
-              <a:rPr lang="en-US" dirty="0"/>
-              <a:t>Click to edit Master text styles</a:t>
-            </a:r>
-          </a:p>
-        </p:txBody>
-      </p:sp>
-      <p:sp>
-        <p:nvSpPr>
-          <p:cNvPr id="4" name="Rectangle 4">
-            <a:extLst>
-              <a:ext uri="{FF2B5EF4-FFF2-40B4-BE49-F238E27FC236}">
-                <a16:creationId xmlns:a16="http://schemas.microsoft.com/office/drawing/2014/main" id="{242985DA-3725-4A28-B450-8CD0D854307C}"/>
-              </a:ext>
-            </a:extLst>
-          </p:cNvPr>
-          <p:cNvSpPr>
-            <a:spLocks noGrp="1" noChangeArrowheads="1"/>
-          </p:cNvSpPr>
-          <p:nvPr>
-            <p:ph type="dt" sz="half" idx="10"/>
-          </p:nvPr>
-        </p:nvSpPr>
-        <p:spPr>
-          <a:ln/>
-        </p:spPr>
-        <p:txBody>
-          <a:bodyPr/>
-          <a:lstStyle>
-            <a:lvl1pPr>
-              <a:defRPr/>
-            </a:lvl1pPr>
-          </a:lstStyle>
-          <a:p>
-            <a:pPr>
-              <a:defRPr/>
-            </a:pPr>
-            <a:endParaRPr lang="en-US" dirty="0"/>
-          </a:p>
-        </p:txBody>
-      </p:sp>
-      <p:sp>
-        <p:nvSpPr>
-          <p:cNvPr id="5" name="Rectangle 5">
-            <a:extLst>
-              <a:ext uri="{FF2B5EF4-FFF2-40B4-BE49-F238E27FC236}">
-                <a16:creationId xmlns:a16="http://schemas.microsoft.com/office/drawing/2014/main" id="{498DB53C-B0ED-438B-B3D5-61AD3386505D}"/>
-              </a:ext>
-            </a:extLst>
-          </p:cNvPr>
-          <p:cNvSpPr>
-            <a:spLocks noGrp="1" noChangeArrowheads="1"/>
-          </p:cNvSpPr>
-          <p:nvPr>
-            <p:ph type="ftr" sz="quarter" idx="11"/>
-          </p:nvPr>
-        </p:nvSpPr>
-        <p:spPr>
-          <a:ln/>
-        </p:spPr>
-        <p:txBody>
-          <a:bodyPr/>
-          <a:lstStyle>
-            <a:lvl1pPr>
-              <a:defRPr/>
-            </a:lvl1pPr>
-          </a:lstStyle>
-          <a:p>
-            <a:pPr>
-              <a:defRPr/>
-            </a:pPr>
-            <a:endParaRPr lang="en-US" dirty="0"/>
-          </a:p>
-        </p:txBody>
-      </p:sp>
-      <p:sp>
-        <p:nvSpPr>
-          <p:cNvPr id="6" name="Rectangle 6">
-            <a:extLst>
-              <a:ext uri="{FF2B5EF4-FFF2-40B4-BE49-F238E27FC236}">
-                <a16:creationId xmlns:a16="http://schemas.microsoft.com/office/drawing/2014/main" id="{63E02C7A-ED15-4DD4-BFFD-6670D4EAA7A5}"/>
-              </a:ext>
-            </a:extLst>
-          </p:cNvPr>
-          <p:cNvSpPr>
-            <a:spLocks noGrp="1" noChangeArrowheads="1"/>
-          </p:cNvSpPr>
-          <p:nvPr>
-            <p:ph type="sldNum" sz="quarter" idx="12"/>
-          </p:nvPr>
-        </p:nvSpPr>
-        <p:spPr>
-          <a:ln/>
-        </p:spPr>
-        <p:txBody>
-          <a:bodyPr/>
-          <a:lstStyle>
-            <a:lvl1pPr>
-              <a:defRPr/>
-            </a:lvl1pPr>
-          </a:lstStyle>
-          <a:p>
-            <a:fld id="{FB20D4B9-0318-455C-B9C1-8BB506B47616}" type="slidenum">
-              <a:rPr lang="ar-SA" altLang="en-US" smtClean="0"/>
-              <a:pPr/>
-              <a:t>‹#›</a:t>
-            </a:fld>
-            <a:endParaRPr lang="en-US" altLang="en-US" dirty="0"/>
-          </a:p>
-        </p:txBody>
-      </p:sp>
-    </p:spTree>
-    <p:extLst>
-      <p:ext uri="{BB962C8B-B14F-4D97-AF65-F5344CB8AC3E}">
-        <p14:creationId xmlns:p14="http://schemas.microsoft.com/office/powerpoint/2010/main" val="2499143424"/>
-      </p:ext>
-    </p:extLst>
-  </p:cSld>
-  <p:clrMapOvr>
-    <a:masterClrMapping/>
-  </p:clrMapOvr>
-  <p:transition>
-    <p:fade/>
-  </p:transition>
-</p:sldLayout>
-</file>
-
-<file path=ppt/slideLayouts/slideLayout4.xml><?xml version="1.0" encoding="utf-8"?>
-<p:sldLayout xmlns:a="http://schemas.openxmlformats.org/drawingml/2006/main" xmlns:r="http://schemas.openxmlformats.org/officeDocument/2006/relationships" xmlns:p="http://schemas.openxmlformats.org/presentationml/2006/main" type="twoObj" preserve="1">
-  <p:cSld name="Two Content">
-    <p:spTree>
-      <p:nvGrpSpPr>
-        <p:cNvPr id="1" name=""/>
-        <p:cNvGrpSpPr/>
-        <p:nvPr/>
-      </p:nvGrpSpPr>
-      <p:grpSpPr>
-        <a:xfrm>
-          <a:off x="0" y="0"/>
-          <a:ext cx="0" cy="0"/>
-          <a:chOff x="0" y="0"/>
-          <a:chExt cx="0" cy="0"/>
-        </a:xfrm>
-      </p:grpSpPr>
-      <p:sp>
-        <p:nvSpPr>
-          <p:cNvPr id="2" name="Title 1"/>
-          <p:cNvSpPr>
-            <a:spLocks noGrp="1"/>
-          </p:cNvSpPr>
-          <p:nvPr>
-            <p:ph type="title"/>
-          </p:nvPr>
-        </p:nvSpPr>
-        <p:spPr/>
-        <p:txBody>
-          <a:bodyPr/>
-          <a:lstStyle>
-            <a:lvl1pPr>
-              <a:defRPr/>
-            </a:lvl1pPr>
-          </a:lstStyle>
-          <a:p>
-            <a:r>
-              <a:rPr lang="en-US" dirty="0"/>
-              <a:t>Click to edit Master title style</a:t>
-            </a:r>
-          </a:p>
-        </p:txBody>
-      </p:sp>
-      <p:sp>
-        <p:nvSpPr>
-          <p:cNvPr id="3" name="Content Placeholder 2"/>
-          <p:cNvSpPr>
-            <a:spLocks noGrp="1"/>
-          </p:cNvSpPr>
-          <p:nvPr>
-            <p:ph sz="half" idx="1"/>
-          </p:nvPr>
-        </p:nvSpPr>
-        <p:spPr>
-          <a:xfrm>
-            <a:off x="609600" y="1600201"/>
-            <a:ext cx="5384800" cy="4525963"/>
-          </a:xfrm>
-        </p:spPr>
-        <p:txBody>
-          <a:bodyPr/>
-          <a:lstStyle>
-            <a:lvl1pPr>
-              <a:defRPr sz="2800"/>
-            </a:lvl1pPr>
-            <a:lvl2pPr>
-              <a:defRPr sz="2400"/>
-            </a:lvl2pPr>
-            <a:lvl3pPr>
-              <a:defRPr sz="2000"/>
-            </a:lvl3pPr>
-            <a:lvl4pPr>
-              <a:defRPr sz="1800"/>
-            </a:lvl4pPr>
-            <a:lvl5pPr>
-              <a:defRPr sz="1800"/>
-            </a:lvl5pPr>
-            <a:lvl6pPr>
-              <a:defRPr sz="1800"/>
-            </a:lvl6pPr>
-            <a:lvl7pPr>
-              <a:defRPr sz="1800"/>
-            </a:lvl7pPr>
-            <a:lvl8pPr>
-              <a:defRPr sz="1800"/>
-            </a:lvl8pPr>
-            <a:lvl9pPr>
-              <a:defRPr sz="1800"/>
-            </a:lvl9pPr>
-          </a:lstStyle>
-          <a:p>
-            <a:pPr lvl="0"/>
-            <a:r>
-              <a:rPr lang="en-US" dirty="0"/>
-              <a:t>Click to edit Master text styles</a:t>
-            </a:r>
-          </a:p>
-          <a:p>
-            <a:pPr lvl="1"/>
-            <a:r>
-              <a:rPr lang="en-US" dirty="0"/>
-              <a:t>Second level</a:t>
-            </a:r>
-          </a:p>
-          <a:p>
-            <a:pPr lvl="2"/>
-            <a:r>
-              <a:rPr lang="en-US" dirty="0"/>
-              <a:t>Third level</a:t>
-            </a:r>
-          </a:p>
-          <a:p>
-            <a:pPr lvl="3"/>
-            <a:r>
-              <a:rPr lang="en-US" dirty="0"/>
-              <a:t>Fourth level</a:t>
-            </a:r>
-          </a:p>
-          <a:p>
-            <a:pPr lvl="4"/>
-            <a:r>
-              <a:rPr lang="en-US" dirty="0"/>
-              <a:t>Fifth level</a:t>
-            </a:r>
-          </a:p>
-        </p:txBody>
-      </p:sp>
-      <p:sp>
-        <p:nvSpPr>
-          <p:cNvPr id="4" name="Content Placeholder 3"/>
-          <p:cNvSpPr>
-            <a:spLocks noGrp="1"/>
-          </p:cNvSpPr>
-          <p:nvPr>
-            <p:ph sz="half" idx="2"/>
-          </p:nvPr>
-        </p:nvSpPr>
-        <p:spPr>
-          <a:xfrm>
-            <a:off x="6197600" y="1600201"/>
-            <a:ext cx="5384800" cy="4525963"/>
-          </a:xfrm>
-        </p:spPr>
-        <p:txBody>
-          <a:bodyPr/>
-          <a:lstStyle>
-            <a:lvl1pPr>
-              <a:defRPr sz="2800"/>
-            </a:lvl1pPr>
-            <a:lvl2pPr>
-              <a:defRPr sz="2400"/>
-            </a:lvl2pPr>
-            <a:lvl3pPr>
-              <a:defRPr sz="2000"/>
-            </a:lvl3pPr>
-            <a:lvl4pPr>
-              <a:defRPr sz="1800"/>
-            </a:lvl4pPr>
-            <a:lvl5pPr>
-              <a:defRPr sz="1800"/>
-            </a:lvl5pPr>
-            <a:lvl6pPr>
-              <a:defRPr sz="1800"/>
-            </a:lvl6pPr>
-            <a:lvl7pPr>
-              <a:defRPr sz="1800"/>
-            </a:lvl7pPr>
-            <a:lvl8pPr>
-              <a:defRPr sz="1800"/>
-            </a:lvl8pPr>
-            <a:lvl9pPr>
-              <a:defRPr sz="1800"/>
-            </a:lvl9pPr>
-          </a:lstStyle>
-          <a:p>
-            <a:pPr lvl="0"/>
-            <a:r>
-              <a:rPr lang="en-US" dirty="0"/>
-              <a:t>Click to edit Master text styles</a:t>
-            </a:r>
-          </a:p>
-          <a:p>
-            <a:pPr lvl="1"/>
-            <a:r>
-              <a:rPr lang="en-US" dirty="0"/>
-              <a:t>Second level</a:t>
-            </a:r>
-          </a:p>
-          <a:p>
-            <a:pPr lvl="2"/>
-            <a:r>
-              <a:rPr lang="en-US" dirty="0"/>
-              <a:t>Third level</a:t>
-            </a:r>
-          </a:p>
-          <a:p>
-            <a:pPr lvl="3"/>
-            <a:r>
-              <a:rPr lang="en-US" dirty="0"/>
-              <a:t>Fourth level</a:t>
-            </a:r>
-          </a:p>
-          <a:p>
-            <a:pPr lvl="4"/>
-            <a:r>
-              <a:rPr lang="en-US" dirty="0"/>
-              <a:t>Fifth level</a:t>
-            </a:r>
-          </a:p>
-        </p:txBody>
-      </p:sp>
-      <p:sp>
-        <p:nvSpPr>
-          <p:cNvPr id="5" name="Rectangle 4">
-            <a:extLst>
-              <a:ext uri="{FF2B5EF4-FFF2-40B4-BE49-F238E27FC236}">
-                <a16:creationId xmlns:a16="http://schemas.microsoft.com/office/drawing/2014/main" id="{F12092FA-E61C-4F6C-BA59-265859488758}"/>
-              </a:ext>
-            </a:extLst>
-          </p:cNvPr>
-          <p:cNvSpPr>
-            <a:spLocks noGrp="1" noChangeArrowheads="1"/>
-          </p:cNvSpPr>
-          <p:nvPr>
-            <p:ph type="dt" sz="half" idx="10"/>
-          </p:nvPr>
-        </p:nvSpPr>
-        <p:spPr>
-          <a:ln/>
-        </p:spPr>
-        <p:txBody>
-          <a:bodyPr/>
-          <a:lstStyle>
-            <a:lvl1pPr>
-              <a:defRPr/>
-            </a:lvl1pPr>
-          </a:lstStyle>
-          <a:p>
-            <a:pPr>
-              <a:defRPr/>
-            </a:pPr>
-            <a:endParaRPr lang="en-US" dirty="0"/>
-          </a:p>
-        </p:txBody>
-      </p:sp>
-      <p:sp>
-        <p:nvSpPr>
-          <p:cNvPr id="6" name="Rectangle 5">
-            <a:extLst>
-              <a:ext uri="{FF2B5EF4-FFF2-40B4-BE49-F238E27FC236}">
-                <a16:creationId xmlns:a16="http://schemas.microsoft.com/office/drawing/2014/main" id="{CC822F7D-330A-4CF3-A8D0-6209CFD1B9A5}"/>
-              </a:ext>
-            </a:extLst>
-          </p:cNvPr>
-          <p:cNvSpPr>
-            <a:spLocks noGrp="1" noChangeArrowheads="1"/>
-          </p:cNvSpPr>
-          <p:nvPr>
-            <p:ph type="ftr" sz="quarter" idx="11"/>
-          </p:nvPr>
-        </p:nvSpPr>
-        <p:spPr>
-          <a:ln/>
-        </p:spPr>
-        <p:txBody>
-          <a:bodyPr/>
-          <a:lstStyle>
-            <a:lvl1pPr>
-              <a:defRPr/>
-            </a:lvl1pPr>
-          </a:lstStyle>
-          <a:p>
-            <a:pPr>
-              <a:defRPr/>
-            </a:pPr>
-            <a:endParaRPr lang="en-US" dirty="0"/>
-          </a:p>
-        </p:txBody>
-      </p:sp>
-      <p:sp>
-        <p:nvSpPr>
-          <p:cNvPr id="7" name="Rectangle 6">
-            <a:extLst>
-              <a:ext uri="{FF2B5EF4-FFF2-40B4-BE49-F238E27FC236}">
-                <a16:creationId xmlns:a16="http://schemas.microsoft.com/office/drawing/2014/main" id="{6D10388E-11D9-4277-9489-37016BD87ADA}"/>
-              </a:ext>
-            </a:extLst>
-          </p:cNvPr>
-          <p:cNvSpPr>
-            <a:spLocks noGrp="1" noChangeArrowheads="1"/>
-          </p:cNvSpPr>
-          <p:nvPr>
-            <p:ph type="sldNum" sz="quarter" idx="12"/>
-          </p:nvPr>
-        </p:nvSpPr>
-        <p:spPr>
-          <a:ln/>
-        </p:spPr>
-        <p:txBody>
-          <a:bodyPr/>
-          <a:lstStyle>
-            <a:lvl1pPr>
-              <a:defRPr/>
-            </a:lvl1pPr>
-          </a:lstStyle>
-          <a:p>
-            <a:fld id="{43E22B72-9C01-4C25-8037-C40ED6758063}" type="slidenum">
-              <a:rPr lang="ar-SA" altLang="en-US" smtClean="0"/>
-              <a:pPr/>
-              <a:t>‹#›</a:t>
-            </a:fld>
-            <a:endParaRPr lang="en-US" altLang="en-US" dirty="0"/>
-          </a:p>
-        </p:txBody>
-      </p:sp>
-    </p:spTree>
-    <p:extLst>
-      <p:ext uri="{BB962C8B-B14F-4D97-AF65-F5344CB8AC3E}">
-        <p14:creationId xmlns:p14="http://schemas.microsoft.com/office/powerpoint/2010/main" val="2210200902"/>
-      </p:ext>
-    </p:extLst>
-  </p:cSld>
-  <p:clrMapOvr>
-    <a:masterClrMapping/>
-  </p:clrMapOvr>
-  <p:transition>
-    <p:fade/>
-  </p:transition>
-</p:sldLayout>
-</file>
-
-<file path=ppt/slideLayouts/slideLayout5.xml><?xml version="1.0" encoding="utf-8"?>
-<p:sldLayout xmlns:a="http://schemas.openxmlformats.org/drawingml/2006/main" xmlns:r="http://schemas.openxmlformats.org/officeDocument/2006/relationships" xmlns:p="http://schemas.openxmlformats.org/presentationml/2006/main" type="twoTxTwoObj" preserve="1">
-  <p:cSld name="Comparison">
-    <p:spTree>
-      <p:nvGrpSpPr>
-        <p:cNvPr id="1" name=""/>
-        <p:cNvGrpSpPr/>
-        <p:nvPr/>
-      </p:nvGrpSpPr>
-      <p:grpSpPr>
-        <a:xfrm>
-          <a:off x="0" y="0"/>
-          <a:ext cx="0" cy="0"/>
-          <a:chOff x="0" y="0"/>
-          <a:chExt cx="0" cy="0"/>
-        </a:xfrm>
-      </p:grpSpPr>
-      <p:sp>
-        <p:nvSpPr>
-          <p:cNvPr id="2" name="Title 1"/>
-          <p:cNvSpPr>
-            <a:spLocks noGrp="1"/>
-          </p:cNvSpPr>
-          <p:nvPr>
-            <p:ph type="title"/>
-          </p:nvPr>
-        </p:nvSpPr>
-        <p:spPr/>
-        <p:txBody>
-          <a:bodyPr/>
-          <a:lstStyle>
-            <a:lvl1pPr>
-              <a:defRPr/>
-            </a:lvl1pPr>
-          </a:lstStyle>
-          <a:p>
-            <a:r>
-              <a:rPr lang="en-US" dirty="0"/>
-              <a:t>Click to edit Master title style</a:t>
-            </a:r>
-          </a:p>
-        </p:txBody>
-      </p:sp>
-      <p:sp>
-        <p:nvSpPr>
-          <p:cNvPr id="3" name="Text Placeholder 2"/>
-          <p:cNvSpPr>
-            <a:spLocks noGrp="1"/>
-          </p:cNvSpPr>
-          <p:nvPr>
-            <p:ph type="body" idx="1"/>
-          </p:nvPr>
-        </p:nvSpPr>
-        <p:spPr>
-          <a:xfrm>
-            <a:off x="609600" y="1535113"/>
-            <a:ext cx="5386917" cy="639762"/>
-          </a:xfrm>
-        </p:spPr>
-        <p:txBody>
-          <a:bodyPr anchor="b"/>
-          <a:lstStyle>
-            <a:lvl1pPr marL="0" indent="0">
-              <a:buNone/>
-              <a:defRPr sz="2400" b="1"/>
-            </a:lvl1pPr>
-            <a:lvl2pPr marL="457200" indent="0">
-              <a:buNone/>
-              <a:defRPr sz="2000" b="1"/>
-            </a:lvl2pPr>
-            <a:lvl3pPr marL="914400" indent="0">
-              <a:buNone/>
-              <a:defRPr sz="1800" b="1"/>
-            </a:lvl3pPr>
-            <a:lvl4pPr marL="1371600" indent="0">
-              <a:buNone/>
-              <a:defRPr sz="1600" b="1"/>
-            </a:lvl4pPr>
-            <a:lvl5pPr marL="1828800" indent="0">
-              <a:buNone/>
-              <a:defRPr sz="1600" b="1"/>
-            </a:lvl5pPr>
-            <a:lvl6pPr marL="2286000" indent="0">
-              <a:buNone/>
-              <a:defRPr sz="1600" b="1"/>
-            </a:lvl6pPr>
-            <a:lvl7pPr marL="2743200" indent="0">
-              <a:buNone/>
-              <a:defRPr sz="1600" b="1"/>
-            </a:lvl7pPr>
-            <a:lvl8pPr marL="3200400" indent="0">
-              <a:buNone/>
-              <a:defRPr sz="1600" b="1"/>
-            </a:lvl8pPr>
-            <a:lvl9pPr marL="3657600" indent="0">
-              <a:buNone/>
-              <a:defRPr sz="1600" b="1"/>
-            </a:lvl9pPr>
-          </a:lstStyle>
-          <a:p>
-            <a:pPr lvl="0"/>
-            <a:r>
-              <a:rPr lang="en-US" dirty="0"/>
-              <a:t>Click to edit Master text styles</a:t>
-            </a:r>
-          </a:p>
-        </p:txBody>
-      </p:sp>
-      <p:sp>
-        <p:nvSpPr>
-          <p:cNvPr id="4" name="Content Placeholder 3"/>
-          <p:cNvSpPr>
-            <a:spLocks noGrp="1"/>
-          </p:cNvSpPr>
-          <p:nvPr>
-            <p:ph sz="half" idx="2"/>
-          </p:nvPr>
-        </p:nvSpPr>
-        <p:spPr>
-          <a:xfrm>
-            <a:off x="609600" y="2174875"/>
-            <a:ext cx="5386917" cy="3951288"/>
-          </a:xfrm>
-        </p:spPr>
-        <p:txBody>
-          <a:bodyPr/>
-          <a:lstStyle>
-            <a:lvl1pPr>
-              <a:defRPr sz="2400"/>
-            </a:lvl1pPr>
-            <a:lvl2pPr>
-              <a:defRPr sz="2000"/>
-            </a:lvl2pPr>
-            <a:lvl3pPr>
-              <a:defRPr sz="1800"/>
-            </a:lvl3pPr>
-            <a:lvl4pPr>
-              <a:defRPr sz="1600"/>
-            </a:lvl4pPr>
-            <a:lvl5pPr>
-              <a:defRPr sz="1600"/>
-            </a:lvl5pPr>
-            <a:lvl6pPr>
-              <a:defRPr sz="1600"/>
-            </a:lvl6pPr>
-            <a:lvl7pPr>
-              <a:defRPr sz="1600"/>
-            </a:lvl7pPr>
-            <a:lvl8pPr>
-              <a:defRPr sz="1600"/>
-            </a:lvl8pPr>
-            <a:lvl9pPr>
-              <a:defRPr sz="1600"/>
-            </a:lvl9pPr>
-          </a:lstStyle>
-          <a:p>
-            <a:pPr lvl="0"/>
-            <a:r>
-              <a:rPr lang="en-US" dirty="0"/>
-              <a:t>Click to edit Master text styles</a:t>
-            </a:r>
-          </a:p>
-          <a:p>
-            <a:pPr lvl="1"/>
-            <a:r>
-              <a:rPr lang="en-US" dirty="0"/>
-              <a:t>Second level</a:t>
-            </a:r>
-          </a:p>
-          <a:p>
-            <a:pPr lvl="2"/>
-            <a:r>
-              <a:rPr lang="en-US" dirty="0"/>
-              <a:t>Third level</a:t>
-            </a:r>
-          </a:p>
-          <a:p>
-            <a:pPr lvl="3"/>
-            <a:r>
-              <a:rPr lang="en-US" dirty="0"/>
-              <a:t>Fourth level</a:t>
-            </a:r>
-          </a:p>
-          <a:p>
-            <a:pPr lvl="4"/>
-            <a:r>
-              <a:rPr lang="en-US" dirty="0"/>
-              <a:t>Fifth level</a:t>
-            </a:r>
-          </a:p>
-        </p:txBody>
-      </p:sp>
-      <p:sp>
-        <p:nvSpPr>
-          <p:cNvPr id="5" name="Text Placeholder 4"/>
-          <p:cNvSpPr>
-            <a:spLocks noGrp="1"/>
-          </p:cNvSpPr>
-          <p:nvPr>
-            <p:ph type="body" sz="quarter" idx="3"/>
-          </p:nvPr>
-        </p:nvSpPr>
-        <p:spPr>
-          <a:xfrm>
-            <a:off x="6193368" y="1535113"/>
-            <a:ext cx="5389033" cy="639762"/>
-          </a:xfrm>
-        </p:spPr>
-        <p:txBody>
-          <a:bodyPr anchor="b"/>
-          <a:lstStyle>
-            <a:lvl1pPr marL="0" indent="0">
-              <a:buNone/>
-              <a:defRPr sz="2400" b="1"/>
-            </a:lvl1pPr>
-            <a:lvl2pPr marL="457200" indent="0">
-              <a:buNone/>
-              <a:defRPr sz="2000" b="1"/>
-            </a:lvl2pPr>
-            <a:lvl3pPr marL="914400" indent="0">
-              <a:buNone/>
-              <a:defRPr sz="1800" b="1"/>
-            </a:lvl3pPr>
-            <a:lvl4pPr marL="1371600" indent="0">
-              <a:buNone/>
-              <a:defRPr sz="1600" b="1"/>
-            </a:lvl4pPr>
-            <a:lvl5pPr marL="1828800" indent="0">
-              <a:buNone/>
-              <a:defRPr sz="1600" b="1"/>
-            </a:lvl5pPr>
-            <a:lvl6pPr marL="2286000" indent="0">
-              <a:buNone/>
-              <a:defRPr sz="1600" b="1"/>
-            </a:lvl6pPr>
-            <a:lvl7pPr marL="2743200" indent="0">
-              <a:buNone/>
-              <a:defRPr sz="1600" b="1"/>
-            </a:lvl7pPr>
-            <a:lvl8pPr marL="3200400" indent="0">
-              <a:buNone/>
-              <a:defRPr sz="1600" b="1"/>
-            </a:lvl8pPr>
-            <a:lvl9pPr marL="3657600" indent="0">
-              <a:buNone/>
-              <a:defRPr sz="1600" b="1"/>
-            </a:lvl9pPr>
-          </a:lstStyle>
-          <a:p>
-            <a:pPr lvl="0"/>
-            <a:r>
-              <a:rPr lang="en-US" dirty="0"/>
-              <a:t>Click to edit Master text styles</a:t>
-            </a:r>
-          </a:p>
-        </p:txBody>
-      </p:sp>
-      <p:sp>
-        <p:nvSpPr>
-          <p:cNvPr id="6" name="Content Placeholder 5"/>
-          <p:cNvSpPr>
-            <a:spLocks noGrp="1"/>
-          </p:cNvSpPr>
-          <p:nvPr>
-            <p:ph sz="quarter" idx="4"/>
-          </p:nvPr>
-        </p:nvSpPr>
-        <p:spPr>
-          <a:xfrm>
-            <a:off x="6193368" y="2174875"/>
-            <a:ext cx="5389033" cy="3951288"/>
-          </a:xfrm>
-        </p:spPr>
-        <p:txBody>
-          <a:bodyPr/>
-          <a:lstStyle>
-            <a:lvl1pPr>
-              <a:defRPr sz="2400"/>
-            </a:lvl1pPr>
-            <a:lvl2pPr>
-              <a:defRPr sz="2000"/>
-            </a:lvl2pPr>
-            <a:lvl3pPr>
-              <a:defRPr sz="1800"/>
-            </a:lvl3pPr>
-            <a:lvl4pPr>
-              <a:defRPr sz="1600"/>
-            </a:lvl4pPr>
-            <a:lvl5pPr>
-              <a:defRPr sz="1600"/>
-            </a:lvl5pPr>
-            <a:lvl6pPr>
-              <a:defRPr sz="1600"/>
-            </a:lvl6pPr>
-            <a:lvl7pPr>
-              <a:defRPr sz="1600"/>
-            </a:lvl7pPr>
-            <a:lvl8pPr>
-              <a:defRPr sz="1600"/>
-            </a:lvl8pPr>
-            <a:lvl9pPr>
-              <a:defRPr sz="1600"/>
-            </a:lvl9pPr>
-          </a:lstStyle>
-          <a:p>
-            <a:pPr lvl="0"/>
-            <a:r>
-              <a:rPr lang="en-US" dirty="0"/>
-              <a:t>Click to edit Master text styles</a:t>
-            </a:r>
-          </a:p>
-          <a:p>
-            <a:pPr lvl="1"/>
-            <a:r>
-              <a:rPr lang="en-US" dirty="0"/>
-              <a:t>Second level</a:t>
-            </a:r>
-          </a:p>
-          <a:p>
-            <a:pPr lvl="2"/>
-            <a:r>
-              <a:rPr lang="en-US" dirty="0"/>
-              <a:t>Third level</a:t>
-            </a:r>
-          </a:p>
-          <a:p>
-            <a:pPr lvl="3"/>
-            <a:r>
-              <a:rPr lang="en-US" dirty="0"/>
-              <a:t>Fourth level</a:t>
-            </a:r>
-          </a:p>
-          <a:p>
-            <a:pPr lvl="4"/>
-            <a:r>
-              <a:rPr lang="en-US" dirty="0"/>
-              <a:t>Fifth level</a:t>
-            </a:r>
-          </a:p>
-        </p:txBody>
-      </p:sp>
-      <p:sp>
-        <p:nvSpPr>
-          <p:cNvPr id="7" name="Rectangle 4">
-            <a:extLst>
-              <a:ext uri="{FF2B5EF4-FFF2-40B4-BE49-F238E27FC236}">
-                <a16:creationId xmlns:a16="http://schemas.microsoft.com/office/drawing/2014/main" id="{176F40A1-B697-4F34-91E0-9ADAD6589EAD}"/>
-              </a:ext>
-            </a:extLst>
-          </p:cNvPr>
-          <p:cNvSpPr>
-            <a:spLocks noGrp="1" noChangeArrowheads="1"/>
-          </p:cNvSpPr>
-          <p:nvPr>
-            <p:ph type="dt" sz="half" idx="10"/>
-          </p:nvPr>
-        </p:nvSpPr>
-        <p:spPr>
-          <a:ln/>
-        </p:spPr>
-        <p:txBody>
-          <a:bodyPr/>
-          <a:lstStyle>
-            <a:lvl1pPr>
-              <a:defRPr/>
-            </a:lvl1pPr>
-          </a:lstStyle>
-          <a:p>
-            <a:pPr>
-              <a:defRPr/>
-            </a:pPr>
-            <a:endParaRPr lang="en-US" dirty="0"/>
-          </a:p>
-        </p:txBody>
-      </p:sp>
-      <p:sp>
-        <p:nvSpPr>
-          <p:cNvPr id="8" name="Rectangle 5">
-            <a:extLst>
-              <a:ext uri="{FF2B5EF4-FFF2-40B4-BE49-F238E27FC236}">
-                <a16:creationId xmlns:a16="http://schemas.microsoft.com/office/drawing/2014/main" id="{D65ABE4F-2A8D-4FA2-AE62-232FF8E9B24A}"/>
-              </a:ext>
-            </a:extLst>
-          </p:cNvPr>
-          <p:cNvSpPr>
-            <a:spLocks noGrp="1" noChangeArrowheads="1"/>
-          </p:cNvSpPr>
-          <p:nvPr>
-            <p:ph type="ftr" sz="quarter" idx="11"/>
-          </p:nvPr>
-        </p:nvSpPr>
-        <p:spPr>
-          <a:ln/>
-        </p:spPr>
-        <p:txBody>
-          <a:bodyPr/>
-          <a:lstStyle>
-            <a:lvl1pPr>
-              <a:defRPr/>
-            </a:lvl1pPr>
-          </a:lstStyle>
-          <a:p>
-            <a:pPr>
-              <a:defRPr/>
-            </a:pPr>
-            <a:endParaRPr lang="en-US" dirty="0"/>
-          </a:p>
-        </p:txBody>
-      </p:sp>
-      <p:sp>
-        <p:nvSpPr>
-          <p:cNvPr id="9" name="Rectangle 6">
-            <a:extLst>
-              <a:ext uri="{FF2B5EF4-FFF2-40B4-BE49-F238E27FC236}">
-                <a16:creationId xmlns:a16="http://schemas.microsoft.com/office/drawing/2014/main" id="{88C29A7A-6BDB-4894-A7EF-1EAE1EE4D093}"/>
-              </a:ext>
-            </a:extLst>
-          </p:cNvPr>
-          <p:cNvSpPr>
-            <a:spLocks noGrp="1" noChangeArrowheads="1"/>
-          </p:cNvSpPr>
-          <p:nvPr>
-            <p:ph type="sldNum" sz="quarter" idx="12"/>
-          </p:nvPr>
-        </p:nvSpPr>
-        <p:spPr>
-          <a:ln/>
-        </p:spPr>
-        <p:txBody>
-          <a:bodyPr/>
-          <a:lstStyle>
-            <a:lvl1pPr>
-              <a:defRPr/>
-            </a:lvl1pPr>
-          </a:lstStyle>
-          <a:p>
-            <a:fld id="{F4BCE551-000D-49CC-AA49-1672F102B6D5}" type="slidenum">
-              <a:rPr lang="ar-SA" altLang="en-US" smtClean="0"/>
-              <a:pPr/>
-              <a:t>‹#›</a:t>
-            </a:fld>
-            <a:endParaRPr lang="en-US" altLang="en-US" dirty="0"/>
-          </a:p>
-        </p:txBody>
-      </p:sp>
-    </p:spTree>
-    <p:extLst>
-      <p:ext uri="{BB962C8B-B14F-4D97-AF65-F5344CB8AC3E}">
-        <p14:creationId xmlns:p14="http://schemas.microsoft.com/office/powerpoint/2010/main" val="2770471453"/>
-      </p:ext>
-    </p:extLst>
-  </p:cSld>
-  <p:clrMapOvr>
-    <a:masterClrMapping/>
-  </p:clrMapOvr>
-  <p:transition>
-    <p:fade/>
-  </p:transition>
-</p:sldLayout>
-</file>
-
-<file path=ppt/slideLayouts/slideLayout6.xml><?xml version="1.0" encoding="utf-8"?>
-<p:sldLayout xmlns:a="http://schemas.openxmlformats.org/drawingml/2006/main" xmlns:r="http://schemas.openxmlformats.org/officeDocument/2006/relationships" xmlns:p="http://schemas.openxmlformats.org/presentationml/2006/main" type="titleOnly" preserve="1">
-  <p:cSld name="Title Only">
-    <p:spTree>
-      <p:nvGrpSpPr>
-        <p:cNvPr id="1" name=""/>
-        <p:cNvGrpSpPr/>
-        <p:nvPr/>
-      </p:nvGrpSpPr>
-      <p:grpSpPr>
-        <a:xfrm>
-          <a:off x="0" y="0"/>
-          <a:ext cx="0" cy="0"/>
-          <a:chOff x="0" y="0"/>
-          <a:chExt cx="0" cy="0"/>
-        </a:xfrm>
-      </p:grpSpPr>
-      <p:sp>
-        <p:nvSpPr>
-          <p:cNvPr id="2" name="Title 1"/>
-          <p:cNvSpPr>
-            <a:spLocks noGrp="1"/>
-          </p:cNvSpPr>
-          <p:nvPr>
-            <p:ph type="title"/>
-          </p:nvPr>
-        </p:nvSpPr>
-        <p:spPr/>
-        <p:txBody>
-          <a:bodyPr/>
-          <a:lstStyle>
-            <a:lvl1pPr>
-              <a:defRPr/>
-            </a:lvl1pPr>
-          </a:lstStyle>
-          <a:p>
-            <a:r>
-              <a:rPr lang="en-US" dirty="0"/>
-              <a:t>Click to edit Master title style</a:t>
-            </a:r>
-          </a:p>
-        </p:txBody>
-      </p:sp>
-      <p:sp>
-        <p:nvSpPr>
-          <p:cNvPr id="3" name="Rectangle 4">
-            <a:extLst>
-              <a:ext uri="{FF2B5EF4-FFF2-40B4-BE49-F238E27FC236}">
-                <a16:creationId xmlns:a16="http://schemas.microsoft.com/office/drawing/2014/main" id="{D484766C-898A-454A-9A43-47A2FFDD5225}"/>
-              </a:ext>
-            </a:extLst>
-          </p:cNvPr>
-          <p:cNvSpPr>
-            <a:spLocks noGrp="1" noChangeArrowheads="1"/>
-          </p:cNvSpPr>
-          <p:nvPr>
-            <p:ph type="dt" sz="half" idx="10"/>
-          </p:nvPr>
-        </p:nvSpPr>
-        <p:spPr>
-          <a:ln/>
-        </p:spPr>
-        <p:txBody>
-          <a:bodyPr/>
-          <a:lstStyle>
-            <a:lvl1pPr>
-              <a:defRPr/>
-            </a:lvl1pPr>
-          </a:lstStyle>
-          <a:p>
-            <a:pPr>
-              <a:defRPr/>
-            </a:pPr>
-            <a:endParaRPr lang="en-US" dirty="0"/>
-          </a:p>
-        </p:txBody>
-      </p:sp>
-      <p:sp>
-        <p:nvSpPr>
-          <p:cNvPr id="4" name="Rectangle 5">
-            <a:extLst>
-              <a:ext uri="{FF2B5EF4-FFF2-40B4-BE49-F238E27FC236}">
-                <a16:creationId xmlns:a16="http://schemas.microsoft.com/office/drawing/2014/main" id="{85FA8736-A817-46A9-BC41-8A723AA9D2A5}"/>
-              </a:ext>
-            </a:extLst>
-          </p:cNvPr>
-          <p:cNvSpPr>
-            <a:spLocks noGrp="1" noChangeArrowheads="1"/>
-          </p:cNvSpPr>
-          <p:nvPr>
-            <p:ph type="ftr" sz="quarter" idx="11"/>
-          </p:nvPr>
-        </p:nvSpPr>
-        <p:spPr>
-          <a:ln/>
-        </p:spPr>
-        <p:txBody>
-          <a:bodyPr/>
-          <a:lstStyle>
-            <a:lvl1pPr>
-              <a:defRPr/>
-            </a:lvl1pPr>
-          </a:lstStyle>
-          <a:p>
-            <a:pPr>
-              <a:defRPr/>
-            </a:pPr>
-            <a:endParaRPr lang="en-US" dirty="0"/>
-          </a:p>
-        </p:txBody>
-      </p:sp>
-      <p:sp>
-        <p:nvSpPr>
-          <p:cNvPr id="5" name="Rectangle 6">
-            <a:extLst>
-              <a:ext uri="{FF2B5EF4-FFF2-40B4-BE49-F238E27FC236}">
-                <a16:creationId xmlns:a16="http://schemas.microsoft.com/office/drawing/2014/main" id="{ADD1DB9D-71EF-4240-92E5-DBD43FACDE78}"/>
-              </a:ext>
-            </a:extLst>
-          </p:cNvPr>
-          <p:cNvSpPr>
-            <a:spLocks noGrp="1" noChangeArrowheads="1"/>
-          </p:cNvSpPr>
-          <p:nvPr>
-            <p:ph type="sldNum" sz="quarter" idx="12"/>
-          </p:nvPr>
-        </p:nvSpPr>
-        <p:spPr>
-          <a:ln/>
-        </p:spPr>
-        <p:txBody>
-          <a:bodyPr/>
-          <a:lstStyle>
-            <a:lvl1pPr>
-              <a:defRPr/>
-            </a:lvl1pPr>
-          </a:lstStyle>
-          <a:p>
-            <a:fld id="{D7341C89-0F5C-4636-A8F9-3DCE73C27E78}" type="slidenum">
-              <a:rPr lang="ar-SA" altLang="en-US" smtClean="0"/>
-              <a:pPr/>
-              <a:t>‹#›</a:t>
-            </a:fld>
-            <a:endParaRPr lang="en-US" altLang="en-US" dirty="0"/>
-          </a:p>
-        </p:txBody>
-      </p:sp>
-    </p:spTree>
-    <p:extLst>
-      <p:ext uri="{BB962C8B-B14F-4D97-AF65-F5344CB8AC3E}">
-        <p14:creationId xmlns:p14="http://schemas.microsoft.com/office/powerpoint/2010/main" val="1597588034"/>
-      </p:ext>
-    </p:extLst>
-  </p:cSld>
-  <p:clrMapOvr>
-    <a:masterClrMapping/>
-  </p:clrMapOvr>
-  <p:transition>
-    <p:fade/>
-  </p:transition>
-</p:sldLayout>
-</file>
-
-<file path=ppt/slideLayouts/slideLayout7.xml><?xml version="1.0" encoding="utf-8"?>
-<p:sldLayout xmlns:a="http://schemas.openxmlformats.org/drawingml/2006/main" xmlns:r="http://schemas.openxmlformats.org/officeDocument/2006/relationships" xmlns:p="http://schemas.openxmlformats.org/presentationml/2006/main" type="blank" preserve="1">
-  <p:cSld name="Blank">
-    <p:spTree>
-      <p:nvGrpSpPr>
-        <p:cNvPr id="1" name=""/>
-        <p:cNvGrpSpPr/>
-        <p:nvPr/>
-      </p:nvGrpSpPr>
-      <p:grpSpPr>
-        <a:xfrm>
-          <a:off x="0" y="0"/>
-          <a:ext cx="0" cy="0"/>
-          <a:chOff x="0" y="0"/>
-          <a:chExt cx="0" cy="0"/>
-        </a:xfrm>
-      </p:grpSpPr>
-      <p:sp>
-        <p:nvSpPr>
-          <p:cNvPr id="2" name="Rectangle 4">
-            <a:extLst>
-              <a:ext uri="{FF2B5EF4-FFF2-40B4-BE49-F238E27FC236}">
-                <a16:creationId xmlns:a16="http://schemas.microsoft.com/office/drawing/2014/main" id="{1F7B182F-A89F-43BA-8466-F84CCC250901}"/>
-              </a:ext>
-            </a:extLst>
-          </p:cNvPr>
-          <p:cNvSpPr>
-            <a:spLocks noGrp="1" noChangeArrowheads="1"/>
-          </p:cNvSpPr>
-          <p:nvPr>
-            <p:ph type="dt" sz="half" idx="10"/>
-          </p:nvPr>
-        </p:nvSpPr>
-        <p:spPr>
-          <a:ln/>
-        </p:spPr>
-        <p:txBody>
-          <a:bodyPr/>
-          <a:lstStyle>
-            <a:lvl1pPr>
-              <a:defRPr/>
-            </a:lvl1pPr>
-          </a:lstStyle>
-          <a:p>
-            <a:pPr>
-              <a:defRPr/>
-            </a:pPr>
-            <a:endParaRPr lang="en-US" dirty="0"/>
-          </a:p>
-        </p:txBody>
-      </p:sp>
-      <p:sp>
-        <p:nvSpPr>
-          <p:cNvPr id="3" name="Rectangle 5">
-            <a:extLst>
-              <a:ext uri="{FF2B5EF4-FFF2-40B4-BE49-F238E27FC236}">
-                <a16:creationId xmlns:a16="http://schemas.microsoft.com/office/drawing/2014/main" id="{8FDFA919-3BC9-4AF4-A9B0-28018595B4FD}"/>
-              </a:ext>
-            </a:extLst>
-          </p:cNvPr>
-          <p:cNvSpPr>
-            <a:spLocks noGrp="1" noChangeArrowheads="1"/>
-          </p:cNvSpPr>
-          <p:nvPr>
-            <p:ph type="ftr" sz="quarter" idx="11"/>
-          </p:nvPr>
-        </p:nvSpPr>
-        <p:spPr>
-          <a:ln/>
-        </p:spPr>
-        <p:txBody>
-          <a:bodyPr/>
-          <a:lstStyle>
-            <a:lvl1pPr>
-              <a:defRPr/>
-            </a:lvl1pPr>
-          </a:lstStyle>
-          <a:p>
-            <a:pPr>
-              <a:defRPr/>
-            </a:pPr>
-            <a:endParaRPr lang="en-US" dirty="0"/>
-          </a:p>
-        </p:txBody>
-      </p:sp>
-      <p:sp>
-        <p:nvSpPr>
-          <p:cNvPr id="4" name="Rectangle 6">
-            <a:extLst>
-              <a:ext uri="{FF2B5EF4-FFF2-40B4-BE49-F238E27FC236}">
-                <a16:creationId xmlns:a16="http://schemas.microsoft.com/office/drawing/2014/main" id="{5A7B8ADD-E0E6-4D30-B96C-6119333EB106}"/>
-              </a:ext>
-            </a:extLst>
-          </p:cNvPr>
-          <p:cNvSpPr>
-            <a:spLocks noGrp="1" noChangeArrowheads="1"/>
-          </p:cNvSpPr>
-          <p:nvPr>
-            <p:ph type="sldNum" sz="quarter" idx="12"/>
-          </p:nvPr>
-        </p:nvSpPr>
-        <p:spPr>
-          <a:ln/>
-        </p:spPr>
-        <p:txBody>
-          <a:bodyPr/>
-          <a:lstStyle>
-            <a:lvl1pPr>
-              <a:defRPr/>
-            </a:lvl1pPr>
-          </a:lstStyle>
-          <a:p>
-            <a:fld id="{5F22DD61-5DCA-4840-B9D2-BB7CCF2A78EC}" type="slidenum">
-              <a:rPr lang="ar-SA" altLang="en-US" smtClean="0"/>
-              <a:pPr/>
-              <a:t>‹#›</a:t>
-            </a:fld>
-            <a:endParaRPr lang="en-US" altLang="en-US" dirty="0"/>
-          </a:p>
-        </p:txBody>
-      </p:sp>
-    </p:spTree>
-    <p:extLst>
-      <p:ext uri="{BB962C8B-B14F-4D97-AF65-F5344CB8AC3E}">
-        <p14:creationId xmlns:p14="http://schemas.microsoft.com/office/powerpoint/2010/main" val="3793662313"/>
-      </p:ext>
-    </p:extLst>
-  </p:cSld>
-  <p:clrMapOvr>
-    <a:masterClrMapping/>
-  </p:clrMapOvr>
-  <p:transition>
-    <p:fade/>
-  </p:transition>
-</p:sldLayout>
-</file>
-
-<file path=ppt/slideLayouts/slideLayout8.xml><?xml version="1.0" encoding="utf-8"?>
-<p:sldLayout xmlns:a="http://schemas.openxmlformats.org/drawingml/2006/main" xmlns:r="http://schemas.openxmlformats.org/officeDocument/2006/relationships" xmlns:p="http://schemas.openxmlformats.org/presentationml/2006/main" type="objTx" preserve="1">
-  <p:cSld name="Content with Caption">
-    <p:spTree>
-      <p:nvGrpSpPr>
-        <p:cNvPr id="1" name=""/>
-        <p:cNvGrpSpPr/>
-        <p:nvPr/>
-      </p:nvGrpSpPr>
-      <p:grpSpPr>
-        <a:xfrm>
-          <a:off x="0" y="0"/>
-          <a:ext cx="0" cy="0"/>
-          <a:chOff x="0" y="0"/>
-          <a:chExt cx="0" cy="0"/>
-        </a:xfrm>
-      </p:grpSpPr>
-      <p:sp>
-        <p:nvSpPr>
-          <p:cNvPr id="2" name="Title 1"/>
-          <p:cNvSpPr>
-            <a:spLocks noGrp="1"/>
-          </p:cNvSpPr>
-          <p:nvPr>
-            <p:ph type="title"/>
-          </p:nvPr>
-        </p:nvSpPr>
-        <p:spPr>
-          <a:xfrm>
-            <a:off x="609601" y="273050"/>
-            <a:ext cx="4011084" cy="1162050"/>
-          </a:xfrm>
-        </p:spPr>
-        <p:txBody>
-          <a:bodyPr anchor="b"/>
-          <a:lstStyle>
-            <a:lvl1pPr algn="l">
-              <a:defRPr sz="2000" b="1"/>
-            </a:lvl1pPr>
-          </a:lstStyle>
-          <a:p>
-            <a:r>
-              <a:rPr lang="en-US" dirty="0"/>
-              <a:t>Click to edit Master title style</a:t>
-            </a:r>
-          </a:p>
-        </p:txBody>
-      </p:sp>
-      <p:sp>
-        <p:nvSpPr>
-          <p:cNvPr id="3" name="Content Placeholder 2"/>
-          <p:cNvSpPr>
-            <a:spLocks noGrp="1"/>
-          </p:cNvSpPr>
-          <p:nvPr>
-            <p:ph idx="1"/>
-          </p:nvPr>
-        </p:nvSpPr>
-        <p:spPr>
-          <a:xfrm>
-            <a:off x="4766733" y="273051"/>
-            <a:ext cx="6815667" cy="5853113"/>
-          </a:xfrm>
-        </p:spPr>
-        <p:txBody>
-          <a:bodyPr/>
-          <a:lstStyle>
-            <a:lvl1pPr>
-              <a:defRPr sz="3200"/>
-            </a:lvl1pPr>
-            <a:lvl2pPr>
-              <a:defRPr sz="2800"/>
-            </a:lvl2pPr>
-            <a:lvl3pPr>
-              <a:defRPr sz="2400"/>
-            </a:lvl3pPr>
-            <a:lvl4pPr>
-              <a:defRPr sz="2000"/>
-            </a:lvl4pPr>
-            <a:lvl5pPr>
-              <a:defRPr sz="2000"/>
-            </a:lvl5pPr>
-            <a:lvl6pPr>
-              <a:defRPr sz="2000"/>
-            </a:lvl6pPr>
-            <a:lvl7pPr>
-              <a:defRPr sz="2000"/>
-            </a:lvl7pPr>
-            <a:lvl8pPr>
-              <a:defRPr sz="2000"/>
-            </a:lvl8pPr>
-            <a:lvl9pPr>
-              <a:defRPr sz="2000"/>
-            </a:lvl9pPr>
-          </a:lstStyle>
-          <a:p>
-            <a:pPr lvl="0"/>
-            <a:r>
-              <a:rPr lang="en-US" dirty="0"/>
-              <a:t>Click to edit Master text styles</a:t>
-            </a:r>
-          </a:p>
-          <a:p>
-            <a:pPr lvl="1"/>
-            <a:r>
-              <a:rPr lang="en-US" dirty="0"/>
-              <a:t>Second level</a:t>
-            </a:r>
-          </a:p>
-          <a:p>
-            <a:pPr lvl="2"/>
-            <a:r>
-              <a:rPr lang="en-US" dirty="0"/>
-              <a:t>Third level</a:t>
-            </a:r>
-          </a:p>
-          <a:p>
-            <a:pPr lvl="3"/>
-            <a:r>
-              <a:rPr lang="en-US" dirty="0"/>
-              <a:t>Fourth level</a:t>
-            </a:r>
-          </a:p>
-          <a:p>
-            <a:pPr lvl="4"/>
-            <a:r>
-              <a:rPr lang="en-US" dirty="0"/>
-              <a:t>Fifth level</a:t>
-            </a:r>
-          </a:p>
-        </p:txBody>
-      </p:sp>
-      <p:sp>
-        <p:nvSpPr>
-          <p:cNvPr id="4" name="Text Placeholder 3"/>
-          <p:cNvSpPr>
-            <a:spLocks noGrp="1"/>
-          </p:cNvSpPr>
-          <p:nvPr>
-            <p:ph type="body" sz="half" idx="2"/>
-          </p:nvPr>
-        </p:nvSpPr>
-        <p:spPr>
-          <a:xfrm>
-            <a:off x="609601" y="1435101"/>
-            <a:ext cx="4011084" cy="4691063"/>
-          </a:xfrm>
-        </p:spPr>
-        <p:txBody>
-          <a:bodyPr/>
-          <a:lstStyle>
-            <a:lvl1pPr marL="0" indent="0">
-              <a:buNone/>
-              <a:defRPr sz="1400"/>
-            </a:lvl1pPr>
-            <a:lvl2pPr marL="457200" indent="0">
-              <a:buNone/>
-              <a:defRPr sz="1200"/>
-            </a:lvl2pPr>
-            <a:lvl3pPr marL="914400" indent="0">
-              <a:buNone/>
-              <a:defRPr sz="1000"/>
-            </a:lvl3pPr>
-            <a:lvl4pPr marL="1371600" indent="0">
-              <a:buNone/>
-              <a:defRPr sz="900"/>
-            </a:lvl4pPr>
-            <a:lvl5pPr marL="1828800" indent="0">
-              <a:buNone/>
-              <a:defRPr sz="900"/>
-            </a:lvl5pPr>
-            <a:lvl6pPr marL="2286000" indent="0">
-              <a:buNone/>
-              <a:defRPr sz="900"/>
-            </a:lvl6pPr>
-            <a:lvl7pPr marL="2743200" indent="0">
-              <a:buNone/>
-              <a:defRPr sz="900"/>
-            </a:lvl7pPr>
-            <a:lvl8pPr marL="3200400" indent="0">
-              <a:buNone/>
-              <a:defRPr sz="900"/>
-            </a:lvl8pPr>
-            <a:lvl9pPr marL="3657600" indent="0">
-              <a:buNone/>
-              <a:defRPr sz="900"/>
-            </a:lvl9pPr>
-          </a:lstStyle>
-          <a:p>
-            <a:pPr lvl="0"/>
-            <a:r>
-              <a:rPr lang="en-US" dirty="0"/>
-              <a:t>Click to edit Master text styles</a:t>
-            </a:r>
-          </a:p>
-        </p:txBody>
-      </p:sp>
-      <p:sp>
-        <p:nvSpPr>
-          <p:cNvPr id="5" name="Rectangle 4">
-            <a:extLst>
-              <a:ext uri="{FF2B5EF4-FFF2-40B4-BE49-F238E27FC236}">
-                <a16:creationId xmlns:a16="http://schemas.microsoft.com/office/drawing/2014/main" id="{959DC5DA-E62F-4DF7-BC65-E3F5F14B85E4}"/>
-              </a:ext>
-            </a:extLst>
-          </p:cNvPr>
-          <p:cNvSpPr>
-            <a:spLocks noGrp="1" noChangeArrowheads="1"/>
-          </p:cNvSpPr>
-          <p:nvPr>
-            <p:ph type="dt" sz="half" idx="10"/>
-          </p:nvPr>
-        </p:nvSpPr>
-        <p:spPr>
-          <a:ln/>
-        </p:spPr>
-        <p:txBody>
-          <a:bodyPr/>
-          <a:lstStyle>
-            <a:lvl1pPr>
-              <a:defRPr/>
-            </a:lvl1pPr>
-          </a:lstStyle>
-          <a:p>
-            <a:pPr>
-              <a:defRPr/>
-            </a:pPr>
-            <a:endParaRPr lang="en-US" dirty="0"/>
-          </a:p>
-        </p:txBody>
-      </p:sp>
-      <p:sp>
-        <p:nvSpPr>
-          <p:cNvPr id="6" name="Rectangle 5">
-            <a:extLst>
-              <a:ext uri="{FF2B5EF4-FFF2-40B4-BE49-F238E27FC236}">
-                <a16:creationId xmlns:a16="http://schemas.microsoft.com/office/drawing/2014/main" id="{51CD00A1-9379-4730-95BC-B6170185E0CE}"/>
-              </a:ext>
-            </a:extLst>
-          </p:cNvPr>
-          <p:cNvSpPr>
-            <a:spLocks noGrp="1" noChangeArrowheads="1"/>
-          </p:cNvSpPr>
-          <p:nvPr>
-            <p:ph type="ftr" sz="quarter" idx="11"/>
-          </p:nvPr>
-        </p:nvSpPr>
-        <p:spPr>
-          <a:ln/>
-        </p:spPr>
-        <p:txBody>
-          <a:bodyPr/>
-          <a:lstStyle>
-            <a:lvl1pPr>
-              <a:defRPr/>
-            </a:lvl1pPr>
-          </a:lstStyle>
-          <a:p>
-            <a:pPr>
-              <a:defRPr/>
-            </a:pPr>
-            <a:endParaRPr lang="en-US" dirty="0"/>
-          </a:p>
-        </p:txBody>
-      </p:sp>
-      <p:sp>
-        <p:nvSpPr>
-          <p:cNvPr id="7" name="Rectangle 6">
-            <a:extLst>
-              <a:ext uri="{FF2B5EF4-FFF2-40B4-BE49-F238E27FC236}">
-                <a16:creationId xmlns:a16="http://schemas.microsoft.com/office/drawing/2014/main" id="{EAAFAF78-A28C-4AC3-9893-34E3C5A4D003}"/>
-              </a:ext>
-            </a:extLst>
-          </p:cNvPr>
-          <p:cNvSpPr>
-            <a:spLocks noGrp="1" noChangeArrowheads="1"/>
-          </p:cNvSpPr>
-          <p:nvPr>
-            <p:ph type="sldNum" sz="quarter" idx="12"/>
-          </p:nvPr>
-        </p:nvSpPr>
-        <p:spPr>
-          <a:ln/>
-        </p:spPr>
-        <p:txBody>
-          <a:bodyPr/>
-          <a:lstStyle>
-            <a:lvl1pPr>
-              <a:defRPr/>
-            </a:lvl1pPr>
-          </a:lstStyle>
-          <a:p>
-            <a:fld id="{ABAE5E0F-40DD-47AB-8B4E-5124FC0C1773}" type="slidenum">
-              <a:rPr lang="ar-SA" altLang="en-US" smtClean="0"/>
-              <a:pPr/>
-              <a:t>‹#›</a:t>
-            </a:fld>
-            <a:endParaRPr lang="en-US" altLang="en-US" dirty="0"/>
-          </a:p>
-        </p:txBody>
-      </p:sp>
-    </p:spTree>
-    <p:extLst>
-      <p:ext uri="{BB962C8B-B14F-4D97-AF65-F5344CB8AC3E}">
-        <p14:creationId xmlns:p14="http://schemas.microsoft.com/office/powerpoint/2010/main" val="1324799979"/>
-      </p:ext>
-    </p:extLst>
-  </p:cSld>
-  <p:clrMapOvr>
-    <a:masterClrMapping/>
-  </p:clrMapOvr>
-  <p:transition>
-    <p:fade/>
-  </p:transition>
-</p:sldLayout>
-</file>
-
-<file path=ppt/slideLayouts/slideLayout9.xml><?xml version="1.0" encoding="utf-8"?>
-<p:sldLayout xmlns:a="http://schemas.openxmlformats.org/drawingml/2006/main" xmlns:r="http://schemas.openxmlformats.org/officeDocument/2006/relationships" xmlns:p="http://schemas.openxmlformats.org/presentationml/2006/main" type="picTx" preserve="1">
-  <p:cSld name="Picture with Caption">
-    <p:spTree>
-      <p:nvGrpSpPr>
-        <p:cNvPr id="1" name=""/>
-        <p:cNvGrpSpPr/>
-        <p:nvPr/>
-      </p:nvGrpSpPr>
-      <p:grpSpPr>
-        <a:xfrm>
-          <a:off x="0" y="0"/>
-          <a:ext cx="0" cy="0"/>
-          <a:chOff x="0" y="0"/>
-          <a:chExt cx="0" cy="0"/>
-        </a:xfrm>
-      </p:grpSpPr>
-      <p:sp>
-        <p:nvSpPr>
-          <p:cNvPr id="2" name="Title 1"/>
-          <p:cNvSpPr>
-            <a:spLocks noGrp="1"/>
-          </p:cNvSpPr>
-          <p:nvPr>
-            <p:ph type="title"/>
-          </p:nvPr>
-        </p:nvSpPr>
-        <p:spPr>
-          <a:xfrm>
-            <a:off x="2389717" y="4800600"/>
-            <a:ext cx="7315200" cy="566738"/>
-          </a:xfrm>
-        </p:spPr>
-        <p:txBody>
-          <a:bodyPr anchor="b"/>
-          <a:lstStyle>
-            <a:lvl1pPr algn="l">
-              <a:defRPr sz="2000" b="1"/>
-            </a:lvl1pPr>
-          </a:lstStyle>
-          <a:p>
-            <a:r>
-              <a:rPr lang="en-US" dirty="0"/>
-              <a:t>Click to edit Master title style</a:t>
-            </a:r>
-          </a:p>
-        </p:txBody>
-      </p:sp>
-      <p:sp>
-        <p:nvSpPr>
-          <p:cNvPr id="3" name="Picture Placeholder 2"/>
-          <p:cNvSpPr>
-            <a:spLocks noGrp="1"/>
-          </p:cNvSpPr>
-          <p:nvPr>
-            <p:ph type="pic" idx="1"/>
-          </p:nvPr>
-        </p:nvSpPr>
-        <p:spPr>
-          <a:xfrm>
-            <a:off x="2389717" y="612775"/>
-            <a:ext cx="7315200" cy="4114800"/>
-          </a:xfrm>
-        </p:spPr>
-        <p:txBody>
-          <a:bodyPr/>
-          <a:lstStyle>
-            <a:lvl1pPr marL="0" indent="0">
-              <a:buNone/>
-              <a:defRPr sz="3200"/>
-            </a:lvl1pPr>
-            <a:lvl2pPr marL="457200" indent="0">
-              <a:buNone/>
-              <a:defRPr sz="2800"/>
-            </a:lvl2pPr>
-            <a:lvl3pPr marL="914400" indent="0">
-              <a:buNone/>
-              <a:defRPr sz="2400"/>
-            </a:lvl3pPr>
-            <a:lvl4pPr marL="1371600" indent="0">
-              <a:buNone/>
-              <a:defRPr sz="2000"/>
-            </a:lvl4pPr>
-            <a:lvl5pPr marL="1828800" indent="0">
-              <a:buNone/>
-              <a:defRPr sz="2000"/>
-            </a:lvl5pPr>
-            <a:lvl6pPr marL="2286000" indent="0">
-              <a:buNone/>
-              <a:defRPr sz="2000"/>
-            </a:lvl6pPr>
-            <a:lvl7pPr marL="2743200" indent="0">
-              <a:buNone/>
-              <a:defRPr sz="2000"/>
-            </a:lvl7pPr>
-            <a:lvl8pPr marL="3200400" indent="0">
-              <a:buNone/>
-              <a:defRPr sz="2000"/>
-            </a:lvl8pPr>
-            <a:lvl9pPr marL="3657600" indent="0">
-              <a:buNone/>
-              <a:defRPr sz="2000"/>
-            </a:lvl9pPr>
-          </a:lstStyle>
-          <a:p>
-            <a:pPr lvl="0"/>
-            <a:endParaRPr lang="en-US" noProof="0" dirty="0"/>
-          </a:p>
-        </p:txBody>
-      </p:sp>
-      <p:sp>
-        <p:nvSpPr>
-          <p:cNvPr id="4" name="Text Placeholder 3"/>
-          <p:cNvSpPr>
-            <a:spLocks noGrp="1"/>
-          </p:cNvSpPr>
-          <p:nvPr>
-            <p:ph type="body" sz="half" idx="2"/>
-          </p:nvPr>
-        </p:nvSpPr>
-        <p:spPr>
-          <a:xfrm>
-            <a:off x="2389717" y="5367338"/>
-            <a:ext cx="7315200" cy="804862"/>
-          </a:xfrm>
-        </p:spPr>
-        <p:txBody>
-          <a:bodyPr/>
-          <a:lstStyle>
-            <a:lvl1pPr marL="0" indent="0">
-              <a:buNone/>
-              <a:defRPr sz="1400"/>
-            </a:lvl1pPr>
-            <a:lvl2pPr marL="457200" indent="0">
-              <a:buNone/>
-              <a:defRPr sz="1200"/>
-            </a:lvl2pPr>
-            <a:lvl3pPr marL="914400" indent="0">
-              <a:buNone/>
-              <a:defRPr sz="1000"/>
-            </a:lvl3pPr>
-            <a:lvl4pPr marL="1371600" indent="0">
-              <a:buNone/>
-              <a:defRPr sz="900"/>
-            </a:lvl4pPr>
-            <a:lvl5pPr marL="1828800" indent="0">
-              <a:buNone/>
-              <a:defRPr sz="900"/>
-            </a:lvl5pPr>
-            <a:lvl6pPr marL="2286000" indent="0">
-              <a:buNone/>
-              <a:defRPr sz="900"/>
-            </a:lvl6pPr>
-            <a:lvl7pPr marL="2743200" indent="0">
-              <a:buNone/>
-              <a:defRPr sz="900"/>
-            </a:lvl7pPr>
-            <a:lvl8pPr marL="3200400" indent="0">
-              <a:buNone/>
-              <a:defRPr sz="900"/>
-            </a:lvl8pPr>
-            <a:lvl9pPr marL="3657600" indent="0">
-              <a:buNone/>
-              <a:defRPr sz="900"/>
-            </a:lvl9pPr>
-          </a:lstStyle>
-          <a:p>
-            <a:pPr lvl="0"/>
-            <a:r>
-              <a:rPr lang="en-US" dirty="0"/>
-              <a:t>Click to edit Master text styles</a:t>
-            </a:r>
-          </a:p>
-        </p:txBody>
-      </p:sp>
-      <p:sp>
-        <p:nvSpPr>
-          <p:cNvPr id="5" name="Rectangle 4">
-            <a:extLst>
-              <a:ext uri="{FF2B5EF4-FFF2-40B4-BE49-F238E27FC236}">
-                <a16:creationId xmlns:a16="http://schemas.microsoft.com/office/drawing/2014/main" id="{18FD11B4-93D6-48E9-B18E-00886AF307ED}"/>
-              </a:ext>
-            </a:extLst>
-          </p:cNvPr>
-          <p:cNvSpPr>
-            <a:spLocks noGrp="1" noChangeArrowheads="1"/>
-          </p:cNvSpPr>
-          <p:nvPr>
-            <p:ph type="dt" sz="half" idx="10"/>
-          </p:nvPr>
-        </p:nvSpPr>
-        <p:spPr>
-          <a:ln/>
-        </p:spPr>
-        <p:txBody>
-          <a:bodyPr/>
-          <a:lstStyle>
-            <a:lvl1pPr>
-              <a:defRPr/>
-            </a:lvl1pPr>
-          </a:lstStyle>
-          <a:p>
-            <a:pPr>
-              <a:defRPr/>
-            </a:pPr>
-            <a:endParaRPr lang="en-US" dirty="0"/>
-          </a:p>
-        </p:txBody>
-      </p:sp>
-      <p:sp>
-        <p:nvSpPr>
-          <p:cNvPr id="6" name="Rectangle 5">
-            <a:extLst>
-              <a:ext uri="{FF2B5EF4-FFF2-40B4-BE49-F238E27FC236}">
-                <a16:creationId xmlns:a16="http://schemas.microsoft.com/office/drawing/2014/main" id="{E963232C-CAB8-40A0-B0DB-06B43A470EDC}"/>
-              </a:ext>
-            </a:extLst>
-          </p:cNvPr>
-          <p:cNvSpPr>
-            <a:spLocks noGrp="1" noChangeArrowheads="1"/>
-          </p:cNvSpPr>
-          <p:nvPr>
-            <p:ph type="ftr" sz="quarter" idx="11"/>
-          </p:nvPr>
-        </p:nvSpPr>
-        <p:spPr>
-          <a:ln/>
-        </p:spPr>
-        <p:txBody>
-          <a:bodyPr/>
-          <a:lstStyle>
-            <a:lvl1pPr>
-              <a:defRPr/>
-            </a:lvl1pPr>
-          </a:lstStyle>
-          <a:p>
-            <a:pPr>
-              <a:defRPr/>
-            </a:pPr>
-            <a:endParaRPr lang="en-US" dirty="0"/>
-          </a:p>
-        </p:txBody>
-      </p:sp>
-      <p:sp>
-        <p:nvSpPr>
-          <p:cNvPr id="7" name="Rectangle 6">
-            <a:extLst>
-              <a:ext uri="{FF2B5EF4-FFF2-40B4-BE49-F238E27FC236}">
-                <a16:creationId xmlns:a16="http://schemas.microsoft.com/office/drawing/2014/main" id="{7EB0791F-CBA9-465D-B96B-70E2B6D44423}"/>
-              </a:ext>
-            </a:extLst>
-          </p:cNvPr>
-          <p:cNvSpPr>
-            <a:spLocks noGrp="1" noChangeArrowheads="1"/>
-          </p:cNvSpPr>
-          <p:nvPr>
-            <p:ph type="sldNum" sz="quarter" idx="12"/>
-          </p:nvPr>
-        </p:nvSpPr>
-        <p:spPr>
-          <a:ln/>
-        </p:spPr>
-        <p:txBody>
-          <a:bodyPr/>
-          <a:lstStyle>
-            <a:lvl1pPr>
-              <a:defRPr/>
-            </a:lvl1pPr>
-          </a:lstStyle>
-          <a:p>
-            <a:fld id="{38105F36-3A88-4AA8-812E-AAAF0128834C}" type="slidenum">
-              <a:rPr lang="ar-SA" altLang="en-US" smtClean="0"/>
-              <a:pPr/>
-              <a:t>‹#›</a:t>
-            </a:fld>
-            <a:endParaRPr lang="en-US" altLang="en-US" dirty="0"/>
-          </a:p>
-        </p:txBody>
-      </p:sp>
-    </p:spTree>
-    <p:extLst>
-      <p:ext uri="{BB962C8B-B14F-4D97-AF65-F5344CB8AC3E}">
-        <p14:creationId xmlns:p14="http://schemas.microsoft.com/office/powerpoint/2010/main" val="2430873285"/>
-      </p:ext>
-    </p:extLst>
-  </p:cSld>
-  <p:clrMapOvr>
-    <a:masterClrMapping/>
-  </p:clrMapOvr>
-  <p:transition>
-    <p:fade/>
-  </p:transition>
-</p:sldLayout>
-</file>
-
 <file path=ppt/slideMasters/slideMaster1.xml><?xml version="1.0" encoding="utf-8"?>
-<p:sldMaster xmlns:a="http://schemas.openxmlformats.org/drawingml/2006/main" xmlns:r="http://schemas.openxmlformats.org/officeDocument/2006/relationships" xmlns:p="http://schemas.openxmlformats.org/presentationml/2006/main">
-  <p:cSld>
-    <p:bg>
-      <p:bgPr>
-        <a:solidFill>
-          <a:schemeClr val="accent5"/>
-        </a:solidFill>
-        <a:effectLst/>
-      </p:bgPr>
-    </p:bg>
-    <p:spTree>
-      <p:nvGrpSpPr>
-        <p:cNvPr id="1" name=""/>
-        <p:cNvGrpSpPr/>
-        <p:nvPr/>
-      </p:nvGrpSpPr>
-      <p:grpSpPr>
-        <a:xfrm>
-          <a:off x="0" y="0"/>
-          <a:ext cx="0" cy="0"/>
-          <a:chOff x="0" y="0"/>
-          <a:chExt cx="0" cy="0"/>
-        </a:xfrm>
-      </p:grpSpPr>
-      <p:sp>
-        <p:nvSpPr>
-          <p:cNvPr id="1026" name="Rectangle 2">
-            <a:extLst>
-              <a:ext uri="{FF2B5EF4-FFF2-40B4-BE49-F238E27FC236}">
-                <a16:creationId xmlns:a16="http://schemas.microsoft.com/office/drawing/2014/main" id="{D4405A52-8C2E-40A2-8620-AAFB51FB3057}"/>
-              </a:ext>
-            </a:extLst>
-          </p:cNvPr>
-          <p:cNvSpPr>
-            <a:spLocks noGrp="1" noChangeArrowheads="1"/>
-          </p:cNvSpPr>
-          <p:nvPr>
-            <p:ph type="title"/>
-          </p:nvPr>
-        </p:nvSpPr>
-        <p:spPr bwMode="auto">
-          <a:xfrm>
-            <a:off x="609600" y="274638"/>
-            <a:ext cx="10972800" cy="1143000"/>
-          </a:xfrm>
-          <a:prstGeom prst="rect">
-            <a:avLst/>
-          </a:prstGeom>
-          <a:noFill/>
-          <a:ln>
-            <a:noFill/>
-          </a:ln>
-          <a:effectLst/>
-          <a:extLst>
-            <a:ext uri="{909E8E84-426E-40DD-AFC4-6F175D3DCCD1}">
-              <a14:hiddenFill xmlns:a14="http://schemas.microsoft.com/office/drawing/2010/main">
-                <a:solidFill>
-                  <a:schemeClr val="accent1"/>
-                </a:solidFill>
-              </a14:hiddenFill>
-            </a:ext>
-            <a:ext uri="{91240B29-F687-4F45-9708-019B960494DF}">
-              <a14:hiddenLine xmlns:a14="http://schemas.microsoft.com/office/drawing/2010/main" w="9525">
-                <a:solidFill>
-                  <a:schemeClr val="tx1"/>
-                </a:solidFill>
-                <a:miter lim="800000"/>
-                <a:headEnd/>
-                <a:tailEnd/>
-              </a14:hiddenLine>
-            </a:ext>
-            <a:ext uri="{AF507438-7753-43E0-B8FC-AC1667EBCBE1}">
-              <a14:hiddenEffects xmlns:a14="http://schemas.microsoft.com/office/drawing/2010/main">
-                <a:effectLst>
-                  <a:outerShdw dist="35921" dir="2700000" algn="ctr" rotWithShape="0">
-                    <a:schemeClr val="bg2"/>
-                  </a:outerShdw>
-                </a:effectLst>
-              </a14:hiddenEffects>
-            </a:ext>
-          </a:extLst>
-        </p:spPr>
-        <p:txBody>
-          <a:bodyPr vert="horz" wrap="square" lIns="91440" tIns="45720" rIns="91440" bIns="45720" numCol="1" anchor="ctr" anchorCtr="0" compatLnSpc="1">
-            <a:prstTxWarp prst="textNoShape">
-              <a:avLst/>
-            </a:prstTxWarp>
-          </a:bodyPr>
-          <a:lstStyle/>
-          <a:p>
-            <a:pPr lvl="0"/>
-            <a:r>
-              <a:rPr lang="en-US" altLang="en-US" dirty="0"/>
-              <a:t>Click to edit Master title style</a:t>
-            </a:r>
-          </a:p>
-        </p:txBody>
-      </p:sp>
-      <p:sp>
-        <p:nvSpPr>
-          <p:cNvPr id="1027" name="Rectangle 3">
-            <a:extLst>
-              <a:ext uri="{FF2B5EF4-FFF2-40B4-BE49-F238E27FC236}">
-                <a16:creationId xmlns:a16="http://schemas.microsoft.com/office/drawing/2014/main" id="{5E1A9FA4-1C7D-46F2-8CF7-948B1921E71E}"/>
-              </a:ext>
-            </a:extLst>
-          </p:cNvPr>
-          <p:cNvSpPr>
-            <a:spLocks noGrp="1" noChangeArrowheads="1"/>
-          </p:cNvSpPr>
-          <p:nvPr>
-            <p:ph type="body" idx="1"/>
-          </p:nvPr>
-        </p:nvSpPr>
-        <p:spPr bwMode="auto">
-          <a:xfrm>
-            <a:off x="609600" y="1600201"/>
-            <a:ext cx="10972800" cy="4525963"/>
-          </a:xfrm>
-          <a:prstGeom prst="rect">
-            <a:avLst/>
-          </a:prstGeom>
-          <a:noFill/>
-          <a:ln>
-            <a:noFill/>
-          </a:ln>
-          <a:effectLst/>
-          <a:extLst>
-            <a:ext uri="{909E8E84-426E-40DD-AFC4-6F175D3DCCD1}">
-              <a14:hiddenFill xmlns:a14="http://schemas.microsoft.com/office/drawing/2010/main">
-                <a:solidFill>
-                  <a:schemeClr val="accent1"/>
-                </a:solidFill>
-              </a14:hiddenFill>
-            </a:ext>
-            <a:ext uri="{91240B29-F687-4F45-9708-019B960494DF}">
-              <a14:hiddenLine xmlns:a14="http://schemas.microsoft.com/office/drawing/2010/main" w="9525">
-                <a:solidFill>
-                  <a:schemeClr val="tx1"/>
-                </a:solidFill>
-                <a:miter lim="800000"/>
-                <a:headEnd/>
-                <a:tailEnd/>
-              </a14:hiddenLine>
-            </a:ext>
-            <a:ext uri="{AF507438-7753-43E0-B8FC-AC1667EBCBE1}">
-              <a14:hiddenEffects xmlns:a14="http://schemas.microsoft.com/office/drawing/2010/main">
-                <a:effectLst>
-                  <a:outerShdw dist="35921" dir="2700000" algn="ctr" rotWithShape="0">
-                    <a:schemeClr val="bg2"/>
-                  </a:outerShdw>
-                </a:effectLst>
-              </a14:hiddenEffects>
-            </a:ext>
-          </a:extLst>
-        </p:spPr>
-        <p:txBody>
-          <a:bodyPr vert="horz" wrap="square" lIns="91440" tIns="45720" rIns="91440" bIns="45720" numCol="1" anchor="t" anchorCtr="0" compatLnSpc="1">
-            <a:prstTxWarp prst="textNoShape">
-              <a:avLst/>
-            </a:prstTxWarp>
-          </a:bodyPr>
-          <a:lstStyle/>
-          <a:p>
-            <a:pPr lvl="0"/>
-            <a:r>
-              <a:rPr lang="en-US" altLang="en-US" dirty="0"/>
-              <a:t>Click to edit Master text styles</a:t>
-            </a:r>
-          </a:p>
-          <a:p>
-            <a:pPr lvl="1"/>
-            <a:r>
-              <a:rPr lang="en-US" altLang="en-US" dirty="0"/>
-              <a:t>Second level</a:t>
-            </a:r>
-          </a:p>
-          <a:p>
-            <a:pPr lvl="2"/>
-            <a:r>
-              <a:rPr lang="en-US" altLang="en-US" dirty="0"/>
-              <a:t>Third level</a:t>
-            </a:r>
-          </a:p>
-          <a:p>
-            <a:pPr lvl="3"/>
-            <a:r>
-              <a:rPr lang="en-US" altLang="en-US" dirty="0"/>
-              <a:t>Fourth level</a:t>
-            </a:r>
-          </a:p>
-          <a:p>
-            <a:pPr lvl="4"/>
-            <a:r>
-              <a:rPr lang="en-US" altLang="en-US" dirty="0"/>
-              <a:t>Fifth level</a:t>
-            </a:r>
-          </a:p>
-        </p:txBody>
-      </p:sp>
-      <p:sp>
-        <p:nvSpPr>
-          <p:cNvPr id="1028" name="Rectangle 4">
-            <a:extLst>
-              <a:ext uri="{FF2B5EF4-FFF2-40B4-BE49-F238E27FC236}">
-                <a16:creationId xmlns:a16="http://schemas.microsoft.com/office/drawing/2014/main" id="{B138A590-10C0-4C1A-8545-4901061CC0FB}"/>
-              </a:ext>
-            </a:extLst>
-          </p:cNvPr>
-          <p:cNvSpPr>
-            <a:spLocks noGrp="1" noChangeArrowheads="1"/>
-          </p:cNvSpPr>
-          <p:nvPr>
-            <p:ph type="dt" sz="half" idx="2"/>
-          </p:nvPr>
-        </p:nvSpPr>
-        <p:spPr bwMode="auto">
-          <a:xfrm>
-            <a:off x="609600" y="6245225"/>
-            <a:ext cx="2844800" cy="476250"/>
-          </a:xfrm>
-          <a:prstGeom prst="rect">
-            <a:avLst/>
-          </a:prstGeom>
-          <a:noFill/>
-          <a:ln>
-            <a:noFill/>
-          </a:ln>
-          <a:effectLst/>
-          <a:extLst>
-            <a:ext uri="{909E8E84-426E-40DD-AFC4-6F175D3DCCD1}">
-              <a14:hiddenFill xmlns:a14="http://schemas.microsoft.com/office/drawing/2010/main">
-                <a:solidFill>
-                  <a:schemeClr val="accent1"/>
-                </a:solidFill>
-              </a14:hiddenFill>
-            </a:ext>
-            <a:ext uri="{91240B29-F687-4F45-9708-019B960494DF}">
-              <a14:hiddenLine xmlns:a14="http://schemas.microsoft.com/office/drawing/2010/main" w="9525">
-                <a:solidFill>
-                  <a:schemeClr val="tx1"/>
-                </a:solidFill>
-                <a:miter lim="800000"/>
-                <a:headEnd/>
-                <a:tailEnd/>
-              </a14:hiddenLine>
-            </a:ext>
-            <a:ext uri="{AF507438-7753-43E0-B8FC-AC1667EBCBE1}">
-              <a14:hiddenEffects xmlns:a14="http://schemas.microsoft.com/office/drawing/2010/main">
-                <a:effectLst>
-                  <a:outerShdw dist="35921" dir="2700000" algn="ctr" rotWithShape="0">
-                    <a:schemeClr val="bg2"/>
-                  </a:outerShdw>
-                </a:effectLst>
-              </a14:hiddenEffects>
-            </a:ext>
-          </a:extLst>
-        </p:spPr>
-        <p:txBody>
-          <a:bodyPr vert="horz" wrap="square" lIns="91440" tIns="45720" rIns="91440" bIns="45720" numCol="1" anchor="t" anchorCtr="0" compatLnSpc="1">
-            <a:prstTxWarp prst="textNoShape">
-              <a:avLst/>
-            </a:prstTxWarp>
-          </a:bodyPr>
-          <a:lstStyle>
-            <a:lvl1pPr eaLnBrk="1" hangingPunct="1">
-              <a:defRPr sz="1400">
-                <a:solidFill>
-                  <a:srgbClr val="000066"/>
-                </a:solidFill>
-                <a:latin typeface="Calibri Light" panose="020F0302020204030204" pitchFamily="34" charset="0"/>
-                <a:cs typeface="Calibri Light" panose="020F0302020204030204" pitchFamily="34" charset="0"/>
-              </a:defRPr>
-            </a:lvl1pPr>
-          </a:lstStyle>
-          <a:p>
-            <a:pPr>
-              <a:defRPr/>
-            </a:pPr>
-            <a:endParaRPr lang="en-US" dirty="0"/>
-          </a:p>
-        </p:txBody>
-      </p:sp>
-      <p:sp>
-        <p:nvSpPr>
-          <p:cNvPr id="1029" name="Rectangle 5">
-            <a:extLst>
-              <a:ext uri="{FF2B5EF4-FFF2-40B4-BE49-F238E27FC236}">
-                <a16:creationId xmlns:a16="http://schemas.microsoft.com/office/drawing/2014/main" id="{E3836F13-8176-4C82-A792-F06ED1C87252}"/>
-              </a:ext>
-            </a:extLst>
-          </p:cNvPr>
-          <p:cNvSpPr>
-            <a:spLocks noGrp="1" noChangeArrowheads="1"/>
-          </p:cNvSpPr>
-          <p:nvPr>
-            <p:ph type="ftr" sz="quarter" idx="3"/>
-          </p:nvPr>
-        </p:nvSpPr>
-        <p:spPr bwMode="auto">
-          <a:xfrm>
-            <a:off x="4165600" y="6245225"/>
-            <a:ext cx="3860800" cy="476250"/>
-          </a:xfrm>
-          <a:prstGeom prst="rect">
-            <a:avLst/>
-          </a:prstGeom>
-          <a:noFill/>
-          <a:ln>
-            <a:noFill/>
-          </a:ln>
-          <a:effectLst/>
-          <a:extLst>
-            <a:ext uri="{909E8E84-426E-40DD-AFC4-6F175D3DCCD1}">
-              <a14:hiddenFill xmlns:a14="http://schemas.microsoft.com/office/drawing/2010/main">
-                <a:solidFill>
-                  <a:schemeClr val="accent1"/>
-                </a:solidFill>
-              </a14:hiddenFill>
-            </a:ext>
-            <a:ext uri="{91240B29-F687-4F45-9708-019B960494DF}">
-              <a14:hiddenLine xmlns:a14="http://schemas.microsoft.com/office/drawing/2010/main" w="9525">
-                <a:solidFill>
-                  <a:schemeClr val="tx1"/>
-                </a:solidFill>
-                <a:miter lim="800000"/>
-                <a:headEnd/>
-                <a:tailEnd/>
-              </a14:hiddenLine>
-            </a:ext>
-            <a:ext uri="{AF507438-7753-43E0-B8FC-AC1667EBCBE1}">
-              <a14:hiddenEffects xmlns:a14="http://schemas.microsoft.com/office/drawing/2010/main">
-                <a:effectLst>
-                  <a:outerShdw dist="35921" dir="2700000" algn="ctr" rotWithShape="0">
-                    <a:schemeClr val="bg2"/>
-                  </a:outerShdw>
-                </a:effectLst>
-              </a14:hiddenEffects>
-            </a:ext>
-          </a:extLst>
-        </p:spPr>
-        <p:txBody>
-          <a:bodyPr vert="horz" wrap="square" lIns="91440" tIns="45720" rIns="91440" bIns="45720" numCol="1" anchor="t" anchorCtr="0" compatLnSpc="1">
-            <a:prstTxWarp prst="textNoShape">
-              <a:avLst/>
-            </a:prstTxWarp>
-          </a:bodyPr>
-          <a:lstStyle>
-            <a:lvl1pPr algn="ctr" eaLnBrk="1" hangingPunct="1">
-              <a:defRPr sz="1400">
-                <a:solidFill>
-                  <a:srgbClr val="000066"/>
-                </a:solidFill>
-                <a:latin typeface="Calibri Light" panose="020F0302020204030204" pitchFamily="34" charset="0"/>
-                <a:cs typeface="Calibri Light" panose="020F0302020204030204" pitchFamily="34" charset="0"/>
-              </a:defRPr>
-            </a:lvl1pPr>
-          </a:lstStyle>
-          <a:p>
-            <a:pPr>
-              <a:defRPr/>
-            </a:pPr>
-            <a:endParaRPr lang="en-US" dirty="0"/>
-          </a:p>
-        </p:txBody>
-      </p:sp>
-      <p:sp>
-        <p:nvSpPr>
-          <p:cNvPr id="1030" name="Rectangle 6">
-            <a:extLst>
-              <a:ext uri="{FF2B5EF4-FFF2-40B4-BE49-F238E27FC236}">
-                <a16:creationId xmlns:a16="http://schemas.microsoft.com/office/drawing/2014/main" id="{F3DF23F8-A0C4-4683-B9D8-078DC22E9607}"/>
-              </a:ext>
-            </a:extLst>
-          </p:cNvPr>
-          <p:cNvSpPr>
-            <a:spLocks noGrp="1" noChangeArrowheads="1"/>
-          </p:cNvSpPr>
-          <p:nvPr>
-            <p:ph type="sldNum" sz="quarter" idx="4"/>
-          </p:nvPr>
-        </p:nvSpPr>
-        <p:spPr bwMode="auto">
-          <a:xfrm>
-            <a:off x="8737600" y="6245225"/>
-            <a:ext cx="2844800" cy="476250"/>
-          </a:xfrm>
-          <a:prstGeom prst="rect">
-            <a:avLst/>
-          </a:prstGeom>
-          <a:noFill/>
-          <a:ln>
-            <a:noFill/>
-          </a:ln>
-          <a:effectLst/>
-          <a:extLst>
-            <a:ext uri="{909E8E84-426E-40DD-AFC4-6F175D3DCCD1}">
-              <a14:hiddenFill xmlns:a14="http://schemas.microsoft.com/office/drawing/2010/main">
-                <a:solidFill>
-                  <a:schemeClr val="accent1"/>
-                </a:solidFill>
-              </a14:hiddenFill>
-            </a:ext>
-            <a:ext uri="{91240B29-F687-4F45-9708-019B960494DF}">
-              <a14:hiddenLine xmlns:a14="http://schemas.microsoft.com/office/drawing/2010/main" w="9525">
-                <a:solidFill>
-                  <a:schemeClr val="tx1"/>
-                </a:solidFill>
-                <a:miter lim="800000"/>
-                <a:headEnd/>
-                <a:tailEnd/>
-              </a14:hiddenLine>
-            </a:ext>
-            <a:ext uri="{AF507438-7753-43E0-B8FC-AC1667EBCBE1}">
-              <a14:hiddenEffects xmlns:a14="http://schemas.microsoft.com/office/drawing/2010/main">
-                <a:effectLst>
-                  <a:outerShdw dist="35921" dir="2700000" algn="ctr" rotWithShape="0">
-                    <a:schemeClr val="bg2"/>
-                  </a:outerShdw>
-                </a:effectLst>
-              </a14:hiddenEffects>
-            </a:ext>
-          </a:extLst>
-        </p:spPr>
-        <p:txBody>
-          <a:bodyPr vert="horz" wrap="square" lIns="91440" tIns="45720" rIns="91440" bIns="45720" numCol="1" anchor="t" anchorCtr="0" compatLnSpc="1">
-            <a:prstTxWarp prst="textNoShape">
-              <a:avLst/>
-            </a:prstTxWarp>
-          </a:bodyPr>
-          <a:lstStyle>
-            <a:lvl1pPr algn="r" eaLnBrk="1" hangingPunct="1">
-              <a:defRPr sz="1400">
-                <a:solidFill>
-                  <a:srgbClr val="000066"/>
-                </a:solidFill>
-                <a:latin typeface="Calibri Light" panose="020F0302020204030204" pitchFamily="34" charset="0"/>
-                <a:cs typeface="Calibri Light" panose="020F0302020204030204" pitchFamily="34" charset="0"/>
-              </a:defRPr>
-            </a:lvl1pPr>
-          </a:lstStyle>
-          <a:p>
-            <a:fld id="{0543D2D5-7C63-49C9-A11D-E57D636DA732}" type="slidenum">
-              <a:rPr lang="ar-SA" altLang="en-US" smtClean="0"/>
-              <a:pPr/>
-              <a:t>‹#›</a:t>
-            </a:fld>
-            <a:endParaRPr lang="en-US" altLang="en-US" dirty="0"/>
-          </a:p>
-        </p:txBody>
-      </p:sp>
-    </p:spTree>
-    <p:extLst>
-      <p:ext uri="{BB962C8B-B14F-4D97-AF65-F5344CB8AC3E}">
-        <p14:creationId xmlns:p14="http://schemas.microsoft.com/office/powerpoint/2010/main" val="3122860629"/>
-      </p:ext>
-    </p:extLst>
-  </p:cSld>
-  <p:clrMap bg1="lt1" tx1="dk1" bg2="lt2" tx2="dk2" accent1="accent1" accent2="accent2" accent3="accent3" accent4="accent4" accent5="accent5" accent6="accent6" hlink="hlink" folHlink="folHlink"/>
-  <p:sldLayoutIdLst>
-    <p:sldLayoutId id="2147483709" r:id="rId1"/>
-    <p:sldLayoutId id="2147483710" r:id="rId2"/>
-    <p:sldLayoutId id="2147483711" r:id="rId3"/>
-    <p:sldLayoutId id="2147483712" r:id="rId4"/>
-    <p:sldLayoutId id="2147483713" r:id="rId5"/>
-    <p:sldLayoutId id="2147483714" r:id="rId6"/>
-    <p:sldLayoutId id="2147483715" r:id="rId7"/>
-    <p:sldLayoutId id="2147483716" r:id="rId8"/>
-    <p:sldLayoutId id="2147483717" r:id="rId9"/>
-    <p:sldLayoutId id="2147483718" r:id="rId10"/>
-    <p:sldLayoutId id="2147483719" r:id="rId11"/>
-    <p:sldLayoutId id="2147483720" r:id="rId12"/>
-  </p:sldLayoutIdLst>
-  <p:transition>
-    <p:fade/>
-  </p:transition>
-  <p:hf hdr="0" ftr="0" dt="0"/>
-  <p:txStyles>
-    <p:titleStyle>
-      <a:lvl1pPr algn="ctr" rtl="0" eaLnBrk="0" fontAlgn="base" hangingPunct="0">
-        <a:spcBef>
-          <a:spcPct val="0"/>
-        </a:spcBef>
-        <a:spcAft>
-          <a:spcPct val="0"/>
-        </a:spcAft>
-        <a:defRPr sz="4400">
-          <a:solidFill>
-            <a:srgbClr val="000066"/>
-          </a:solidFill>
-          <a:latin typeface="Calibri Light" panose="020F0302020204030204" pitchFamily="34" charset="0"/>
-          <a:ea typeface="+mj-ea"/>
-          <a:cs typeface="Calibri Light" panose="020F0302020204030204" pitchFamily="34" charset="0"/>
-        </a:defRPr>
-      </a:lvl1pPr>
-      <a:lvl2pPr algn="ctr" rtl="0" eaLnBrk="0" fontAlgn="base" hangingPunct="0">
-        <a:spcBef>
-          <a:spcPct val="0"/>
-        </a:spcBef>
-        <a:spcAft>
-          <a:spcPct val="0"/>
-        </a:spcAft>
-        <a:defRPr sz="4400">
-          <a:solidFill>
-            <a:srgbClr val="000066"/>
-          </a:solidFill>
-          <a:latin typeface="Arial" charset="0"/>
-          <a:cs typeface="Arial" charset="0"/>
-        </a:defRPr>
-      </a:lvl2pPr>
-      <a:lvl3pPr algn="ctr" rtl="0" eaLnBrk="0" fontAlgn="base" hangingPunct="0">
-        <a:spcBef>
-          <a:spcPct val="0"/>
-        </a:spcBef>
-        <a:spcAft>
-          <a:spcPct val="0"/>
-        </a:spcAft>
-        <a:defRPr sz="4400">
-          <a:solidFill>
-            <a:srgbClr val="000066"/>
-          </a:solidFill>
-          <a:latin typeface="Arial" charset="0"/>
-          <a:cs typeface="Arial" charset="0"/>
-        </a:defRPr>
-      </a:lvl3pPr>
-      <a:lvl4pPr algn="ctr" rtl="0" eaLnBrk="0" fontAlgn="base" hangingPunct="0">
-        <a:spcBef>
-          <a:spcPct val="0"/>
-        </a:spcBef>
-        <a:spcAft>
-          <a:spcPct val="0"/>
-        </a:spcAft>
-        <a:defRPr sz="4400">
-          <a:solidFill>
-            <a:srgbClr val="000066"/>
-          </a:solidFill>
-          <a:latin typeface="Arial" charset="0"/>
-          <a:cs typeface="Arial" charset="0"/>
-        </a:defRPr>
-      </a:lvl4pPr>
-      <a:lvl5pPr algn="ctr" rtl="0" eaLnBrk="0" fontAlgn="base" hangingPunct="0">
-        <a:spcBef>
-          <a:spcPct val="0"/>
-        </a:spcBef>
-        <a:spcAft>
-          <a:spcPct val="0"/>
-        </a:spcAft>
-        <a:defRPr sz="4400">
-          <a:solidFill>
-            <a:srgbClr val="000066"/>
-          </a:solidFill>
-          <a:latin typeface="Arial" charset="0"/>
-          <a:cs typeface="Arial" charset="0"/>
-        </a:defRPr>
-      </a:lvl5pPr>
-      <a:lvl6pPr marL="457200" algn="ctr" rtl="0" fontAlgn="base">
-        <a:spcBef>
-          <a:spcPct val="0"/>
-        </a:spcBef>
-        <a:spcAft>
-          <a:spcPct val="0"/>
-        </a:spcAft>
-        <a:defRPr sz="4400">
-          <a:solidFill>
-            <a:srgbClr val="000066"/>
-          </a:solidFill>
-          <a:latin typeface="Arial" charset="0"/>
-          <a:cs typeface="Arial" charset="0"/>
-        </a:defRPr>
-      </a:lvl6pPr>
-      <a:lvl7pPr marL="914400" algn="ctr" rtl="0" fontAlgn="base">
-        <a:spcBef>
-          <a:spcPct val="0"/>
-        </a:spcBef>
-        <a:spcAft>
-          <a:spcPct val="0"/>
-        </a:spcAft>
-        <a:defRPr sz="4400">
-          <a:solidFill>
-            <a:srgbClr val="000066"/>
-          </a:solidFill>
-          <a:latin typeface="Arial" charset="0"/>
-          <a:cs typeface="Arial" charset="0"/>
-        </a:defRPr>
-      </a:lvl7pPr>
-      <a:lvl8pPr marL="1371600" algn="ctr" rtl="0" fontAlgn="base">
-        <a:spcBef>
-          <a:spcPct val="0"/>
-        </a:spcBef>
-        <a:spcAft>
-          <a:spcPct val="0"/>
-        </a:spcAft>
-        <a:defRPr sz="4400">
-          <a:solidFill>
-            <a:srgbClr val="000066"/>
-          </a:solidFill>
-          <a:latin typeface="Arial" charset="0"/>
-          <a:cs typeface="Arial" charset="0"/>
-        </a:defRPr>
-      </a:lvl8pPr>
-      <a:lvl9pPr marL="1828800" algn="ctr" rtl="0" fontAlgn="base">
-        <a:spcBef>
-          <a:spcPct val="0"/>
-        </a:spcBef>
-        <a:spcAft>
-          <a:spcPct val="0"/>
-        </a:spcAft>
-        <a:defRPr sz="4400">
-          <a:solidFill>
-            <a:srgbClr val="000066"/>
-          </a:solidFill>
-          <a:latin typeface="Arial" charset="0"/>
-          <a:cs typeface="Arial" charset="0"/>
-        </a:defRPr>
-      </a:lvl9pPr>
-    </p:titleStyle>
-    <p:bodyStyle>
-      <a:lvl1pPr marL="342900" indent="-342900" algn="l" rtl="0" eaLnBrk="0" fontAlgn="base" hangingPunct="0">
-        <a:spcBef>
-          <a:spcPct val="20000"/>
-        </a:spcBef>
-        <a:spcAft>
-          <a:spcPct val="0"/>
-        </a:spcAft>
-        <a:buChar char="•"/>
-        <a:defRPr sz="3200">
-          <a:solidFill>
-            <a:srgbClr val="000066"/>
-          </a:solidFill>
-          <a:latin typeface="Calibri Light" panose="020F0302020204030204" pitchFamily="34" charset="0"/>
-          <a:ea typeface="+mn-ea"/>
-          <a:cs typeface="Calibri Light" panose="020F0302020204030204" pitchFamily="34" charset="0"/>
-        </a:defRPr>
-      </a:lvl1pPr>
-      <a:lvl2pPr marL="742950" indent="-285750" algn="l" rtl="0" eaLnBrk="0" fontAlgn="base" hangingPunct="0">
-        <a:spcBef>
-          <a:spcPct val="20000"/>
-        </a:spcBef>
-        <a:spcAft>
-          <a:spcPct val="0"/>
-        </a:spcAft>
-        <a:buChar char="–"/>
-        <a:defRPr sz="2800">
-          <a:solidFill>
-            <a:srgbClr val="000066"/>
-          </a:solidFill>
-          <a:latin typeface="Calibri Light" panose="020F0302020204030204" pitchFamily="34" charset="0"/>
-          <a:cs typeface="Calibri Light" panose="020F0302020204030204" pitchFamily="34" charset="0"/>
-        </a:defRPr>
-      </a:lvl2pPr>
-      <a:lvl3pPr marL="1143000" indent="-228600" algn="l" rtl="0" eaLnBrk="0" fontAlgn="base" hangingPunct="0">
-        <a:spcBef>
-          <a:spcPct val="20000"/>
-        </a:spcBef>
-        <a:spcAft>
-          <a:spcPct val="0"/>
-        </a:spcAft>
-        <a:buChar char="•"/>
-        <a:defRPr sz="2400">
-          <a:solidFill>
-            <a:srgbClr val="000066"/>
-          </a:solidFill>
-          <a:latin typeface="Calibri Light" panose="020F0302020204030204" pitchFamily="34" charset="0"/>
-          <a:cs typeface="Calibri Light" panose="020F0302020204030204" pitchFamily="34" charset="0"/>
-        </a:defRPr>
-      </a:lvl3pPr>
-      <a:lvl4pPr marL="1600200" indent="-228600" algn="l" rtl="0" eaLnBrk="0" fontAlgn="base" hangingPunct="0">
-        <a:spcBef>
-          <a:spcPct val="20000"/>
-        </a:spcBef>
-        <a:spcAft>
-          <a:spcPct val="0"/>
-        </a:spcAft>
-        <a:buChar char="–"/>
-        <a:defRPr sz="2000">
-          <a:solidFill>
-            <a:srgbClr val="000066"/>
-          </a:solidFill>
-          <a:latin typeface="Calibri Light" panose="020F0302020204030204" pitchFamily="34" charset="0"/>
-          <a:cs typeface="Calibri Light" panose="020F0302020204030204" pitchFamily="34" charset="0"/>
-        </a:defRPr>
-      </a:lvl4pPr>
-      <a:lvl5pPr marL="2057400" indent="-228600" algn="l" rtl="0" eaLnBrk="0" fontAlgn="base" hangingPunct="0">
-        <a:spcBef>
-          <a:spcPct val="20000"/>
-        </a:spcBef>
-        <a:spcAft>
-          <a:spcPct val="0"/>
-        </a:spcAft>
-        <a:buChar char="»"/>
-        <a:defRPr sz="2000">
-          <a:solidFill>
-            <a:srgbClr val="000066"/>
-          </a:solidFill>
-          <a:latin typeface="Calibri Light" panose="020F0302020204030204" pitchFamily="34" charset="0"/>
-          <a:cs typeface="Calibri Light" panose="020F0302020204030204" pitchFamily="34" charset="0"/>
-        </a:defRPr>
-      </a:lvl5pPr>
-      <a:lvl6pPr marL="2514600" indent="-228600" algn="l" rtl="0" fontAlgn="base">
-        <a:spcBef>
-          <a:spcPct val="20000"/>
-        </a:spcBef>
-        <a:spcAft>
-          <a:spcPct val="0"/>
-        </a:spcAft>
-        <a:buChar char="»"/>
-        <a:defRPr sz="2000">
-          <a:solidFill>
-            <a:srgbClr val="000066"/>
-          </a:solidFill>
-          <a:latin typeface="+mn-lt"/>
-          <a:cs typeface="+mn-cs"/>
-        </a:defRPr>
-      </a:lvl6pPr>
-      <a:lvl7pPr marL="2971800" indent="-228600" algn="l" rtl="0" fontAlgn="base">
-        <a:spcBef>
-          <a:spcPct val="20000"/>
-        </a:spcBef>
-        <a:spcAft>
-          <a:spcPct val="0"/>
-        </a:spcAft>
-        <a:buChar char="»"/>
-        <a:defRPr sz="2000">
-          <a:solidFill>
-            <a:srgbClr val="000066"/>
-          </a:solidFill>
-          <a:latin typeface="+mn-lt"/>
-          <a:cs typeface="+mn-cs"/>
-        </a:defRPr>
-      </a:lvl7pPr>
-      <a:lvl8pPr marL="3429000" indent="-228600" algn="l" rtl="0" fontAlgn="base">
-        <a:spcBef>
-          <a:spcPct val="20000"/>
-        </a:spcBef>
-        <a:spcAft>
-          <a:spcPct val="0"/>
-        </a:spcAft>
-        <a:buChar char="»"/>
-        <a:defRPr sz="2000">
-          <a:solidFill>
-            <a:srgbClr val="000066"/>
-          </a:solidFill>
-          <a:latin typeface="+mn-lt"/>
-          <a:cs typeface="+mn-cs"/>
-        </a:defRPr>
-      </a:lvl8pPr>
-      <a:lvl9pPr marL="3886200" indent="-228600" algn="l" rtl="0" fontAlgn="base">
-        <a:spcBef>
-          <a:spcPct val="20000"/>
-        </a:spcBef>
-        <a:spcAft>
-          <a:spcPct val="0"/>
-        </a:spcAft>
-        <a:buChar char="»"/>
-        <a:defRPr sz="2000">
-          <a:solidFill>
-            <a:srgbClr val="000066"/>
-          </a:solidFill>
-          <a:latin typeface="+mn-lt"/>
-          <a:cs typeface="+mn-cs"/>
-        </a:defRPr>
-      </a:lvl9pPr>
-    </p:bodyStyle>
-    <p:otherStyle>
-      <a:defPPr>
-        <a:defRPr lang="en-US"/>
-      </a:defPPr>
-      <a:lvl1pPr marL="0" algn="l" defTabSz="914400" rtl="0" eaLnBrk="1" latinLnBrk="0" hangingPunct="1">
-        <a:defRPr sz="1800" kern="1200">
-          <a:solidFill>
-            <a:schemeClr val="tx1"/>
-          </a:solidFill>
-          <a:latin typeface="+mn-lt"/>
-          <a:ea typeface="+mn-ea"/>
-          <a:cs typeface="+mn-cs"/>
-        </a:defRPr>
-      </a:lvl1pPr>
-      <a:lvl2pPr marL="457200" algn="l" defTabSz="914400" rtl="0" eaLnBrk="1" latinLnBrk="0" hangingPunct="1">
-        <a:defRPr sz="1800" kern="1200">
-          <a:solidFill>
-            <a:schemeClr val="tx1"/>
-          </a:solidFill>
-          <a:latin typeface="+mn-lt"/>
-          <a:ea typeface="+mn-ea"/>
-          <a:cs typeface="+mn-cs"/>
-        </a:defRPr>
-      </a:lvl2pPr>
-      <a:lvl3pPr marL="914400" algn="l" defTabSz="914400" rtl="0" eaLnBrk="1" latinLnBrk="0" hangingPunct="1">
-        <a:defRPr sz="1800" kern="1200">
-          <a:solidFill>
-            <a:schemeClr val="tx1"/>
-          </a:solidFill>
-          <a:latin typeface="+mn-lt"/>
-          <a:ea typeface="+mn-ea"/>
-          <a:cs typeface="+mn-cs"/>
-        </a:defRPr>
-      </a:lvl3pPr>
-      <a:lvl4pPr marL="1371600" algn="l" defTabSz="914400" rtl="0" eaLnBrk="1" latinLnBrk="0" hangingPunct="1">
-        <a:defRPr sz="1800" kern="1200">
-          <a:solidFill>
-            <a:schemeClr val="tx1"/>
-          </a:solidFill>
-          <a:latin typeface="+mn-lt"/>
-          <a:ea typeface="+mn-ea"/>
-          <a:cs typeface="+mn-cs"/>
-        </a:defRPr>
-      </a:lvl4pPr>
-      <a:lvl5pPr marL="1828800" algn="l" defTabSz="914400" rtl="0" eaLnBrk="1" latinLnBrk="0" hangingPunct="1">
-        <a:defRPr sz="1800" kern="1200">
-          <a:solidFill>
-            <a:schemeClr val="tx1"/>
-          </a:solidFill>
-          <a:latin typeface="+mn-lt"/>
-          <a:ea typeface="+mn-ea"/>
-          <a:cs typeface="+mn-cs"/>
-        </a:defRPr>
-      </a:lvl5pPr>
-      <a:lvl6pPr marL="2286000" algn="l" defTabSz="914400" rtl="0" eaLnBrk="1" latinLnBrk="0" hangingPunct="1">
-        <a:defRPr sz="1800" kern="1200">
-          <a:solidFill>
-            <a:schemeClr val="tx1"/>
-          </a:solidFill>
-          <a:latin typeface="+mn-lt"/>
-          <a:ea typeface="+mn-ea"/>
-          <a:cs typeface="+mn-cs"/>
-        </a:defRPr>
-      </a:lvl6pPr>
-      <a:lvl7pPr marL="2743200" algn="l" defTabSz="914400" rtl="0" eaLnBrk="1" latinLnBrk="0" hangingPunct="1">
-        <a:defRPr sz="1800" kern="1200">
-          <a:solidFill>
-            <a:schemeClr val="tx1"/>
-          </a:solidFill>
-          <a:latin typeface="+mn-lt"/>
-          <a:ea typeface="+mn-ea"/>
-          <a:cs typeface="+mn-cs"/>
-        </a:defRPr>
-      </a:lvl7pPr>
-      <a:lvl8pPr marL="3200400" algn="l" defTabSz="914400" rtl="0" eaLnBrk="1" latinLnBrk="0" hangingPunct="1">
-        <a:defRPr sz="1800" kern="1200">
-          <a:solidFill>
-            <a:schemeClr val="tx1"/>
-          </a:solidFill>
-          <a:latin typeface="+mn-lt"/>
-          <a:ea typeface="+mn-ea"/>
-          <a:cs typeface="+mn-cs"/>
-        </a:defRPr>
-      </a:lvl8pPr>
-      <a:lvl9pPr marL="3657600" algn="l" defTabSz="914400" rtl="0" eaLnBrk="1" latinLnBrk="0" hangingPunct="1">
-        <a:defRPr sz="1800" kern="1200">
-          <a:solidFill>
-            <a:schemeClr val="tx1"/>
-          </a:solidFill>
-          <a:latin typeface="+mn-lt"/>
-          <a:ea typeface="+mn-ea"/>
-          <a:cs typeface="+mn-cs"/>
-        </a:defRPr>
-      </a:lvl9pPr>
-    </p:otherStyle>
-  </p:txStyles>
-  <p:extLst>
-    <p:ext uri="{27BBF7A9-308A-43DC-89C8-2F10F3537804}">
-      <p15:sldGuideLst xmlns:p15="http://schemas.microsoft.com/office/powerpoint/2012/main">
-        <p15:guide id="1" orient="horz" pos="2160">
-          <p15:clr>
-            <a:srgbClr val="F26B43"/>
-          </p15:clr>
-        </p15:guide>
-        <p15:guide id="2" pos="3840">
-          <p15:clr>
-            <a:srgbClr val="F26B43"/>
-          </p15:clr>
-        </p15:guide>
-      </p15:sldGuideLst>
-    </p:ext>
-  </p:extLst>
-</p:sldMaster>
-</file>
-
-<file path=ppt/slideMasters/slideMaster2.xml><?xml version="1.0" encoding="utf-8"?>
 <p:sldMaster xmlns:a="http://schemas.openxmlformats.org/drawingml/2006/main" xmlns:r="http://schemas.openxmlformats.org/officeDocument/2006/relationships" xmlns:p="http://schemas.openxmlformats.org/presentationml/2006/main">
   <p:cSld>
     <p:bg>
@@ -8844,13 +4941,13 @@
             <a:spLocks noGrp="1" noChangeArrowheads="1"/>
           </p:cNvSpPr>
           <p:nvPr>
-            <p:ph type="ctrTitle"/>
-          </p:nvPr>
-        </p:nvSpPr>
-        <p:spPr>
-          <a:xfrm>
-            <a:off x="2209800" y="1753663"/>
-            <a:ext cx="7702550" cy="3785652"/>
+            <p:ph type="title"/>
+          </p:nvPr>
+        </p:nvSpPr>
+        <p:spPr>
+          <a:xfrm>
+            <a:off x="550863" y="920621"/>
+            <a:ext cx="11090275" cy="5016758"/>
           </a:xfrm>
           <a:noFill/>
         </p:spPr>
@@ -8860,440 +4957,51 @@
           </a:bodyPr>
           <a:lstStyle/>
           <a:p>
-            <a:pPr eaLnBrk="1" hangingPunct="1"/>
-            <a:r>
-              <a:rPr lang="en-US" altLang="en-US" sz="4800" kern="1200" dirty="0">
-                <a:solidFill>
-                  <a:srgbClr val="002060"/>
-                </a:solidFill>
-                <a:ea typeface="Calibri Light" panose="020F0302020204030204" pitchFamily="34" charset="0"/>
-                <a:cs typeface="Arabic Typesetting" panose="03020402040406030203" pitchFamily="66" charset="-78"/>
-              </a:rPr>
+            <a:r>
+              <a:rPr lang="en-US" altLang="en-US" dirty="0"/>
               <a:t>Please recite a </a:t>
             </a:r>
             <a:br>
-              <a:rPr lang="en-US" altLang="en-US" sz="4800" kern="1200" dirty="0">
-                <a:solidFill>
-                  <a:srgbClr val="002060"/>
-                </a:solidFill>
-                <a:ea typeface="Calibri Light" panose="020F0302020204030204" pitchFamily="34" charset="0"/>
-                <a:cs typeface="Arabic Typesetting" panose="03020402040406030203" pitchFamily="66" charset="-78"/>
-              </a:rPr>
+              <a:rPr lang="en-US" altLang="en-US" dirty="0"/>
             </a:br>
             <a:r>
-              <a:rPr lang="en-US" altLang="en-US" sz="4800" kern="1200" dirty="0">
-                <a:solidFill>
-                  <a:srgbClr val="002060"/>
-                </a:solidFill>
-                <a:ea typeface="Calibri Light" panose="020F0302020204030204" pitchFamily="34" charset="0"/>
-                <a:cs typeface="Arabic Typesetting" panose="03020402040406030203" pitchFamily="66" charset="-78"/>
-              </a:rPr>
+              <a:rPr lang="en-US" altLang="en-US" dirty="0"/>
               <a:t>Surah </a:t>
             </a:r>
             <a:r>
-              <a:rPr lang="en-CA" altLang="en-US" sz="4800" kern="1200" dirty="0">
-                <a:solidFill>
-                  <a:srgbClr val="002060"/>
-                </a:solidFill>
-                <a:ea typeface="Calibri Light" panose="020F0302020204030204" pitchFamily="34" charset="0"/>
-                <a:cs typeface="Arabic Typesetting" panose="03020402040406030203" pitchFamily="66" charset="-78"/>
-              </a:rPr>
+              <a:rPr lang="en-CA" altLang="en-US" dirty="0"/>
               <a:t>a</a:t>
             </a:r>
             <a:r>
-              <a:rPr lang="en-US" altLang="en-US" sz="4800" kern="1200" dirty="0">
-                <a:solidFill>
-                  <a:srgbClr val="002060"/>
-                </a:solidFill>
-                <a:ea typeface="Calibri Light" panose="020F0302020204030204" pitchFamily="34" charset="0"/>
-                <a:cs typeface="Arabic Typesetting" panose="03020402040406030203" pitchFamily="66" charset="-78"/>
-              </a:rPr>
+              <a:rPr lang="en-US" altLang="en-US" dirty="0"/>
               <a:t>l-</a:t>
             </a:r>
             <a:r>
-              <a:rPr lang="en-US" altLang="en-US" sz="4800" kern="1200" dirty="0" err="1">
-                <a:solidFill>
-                  <a:srgbClr val="002060"/>
-                </a:solidFill>
-                <a:ea typeface="Calibri Light" panose="020F0302020204030204" pitchFamily="34" charset="0"/>
-                <a:cs typeface="Arabic Typesetting" panose="03020402040406030203" pitchFamily="66" charset="-78"/>
-              </a:rPr>
+              <a:rPr lang="en-US" altLang="en-US" dirty="0" err="1"/>
               <a:t>Fatiha</a:t>
             </a:r>
             <a:br>
-              <a:rPr lang="en-US" altLang="en-US" sz="4800" kern="1200" dirty="0">
-                <a:solidFill>
-                  <a:srgbClr val="002060"/>
-                </a:solidFill>
-                <a:ea typeface="Calibri Light" panose="020F0302020204030204" pitchFamily="34" charset="0"/>
-                <a:cs typeface="Arabic Typesetting" panose="03020402040406030203" pitchFamily="66" charset="-78"/>
-              </a:rPr>
+              <a:rPr lang="en-US" altLang="en-US" dirty="0"/>
             </a:br>
             <a:r>
-              <a:rPr lang="en-US" altLang="en-US" sz="4800" kern="1200" dirty="0">
-                <a:solidFill>
-                  <a:srgbClr val="002060"/>
-                </a:solidFill>
-                <a:ea typeface="Calibri Light" panose="020F0302020204030204" pitchFamily="34" charset="0"/>
-                <a:cs typeface="Arabic Typesetting" panose="03020402040406030203" pitchFamily="66" charset="-78"/>
-              </a:rPr>
+              <a:rPr lang="en-US" altLang="en-US" dirty="0"/>
               <a:t>for</a:t>
             </a:r>
             <a:br>
-              <a:rPr lang="en-US" altLang="en-US" sz="4800" kern="1200" dirty="0">
-                <a:solidFill>
-                  <a:srgbClr val="002060"/>
-                </a:solidFill>
-                <a:ea typeface="Calibri Light" panose="020F0302020204030204" pitchFamily="34" charset="0"/>
-                <a:cs typeface="Arabic Typesetting" panose="03020402040406030203" pitchFamily="66" charset="-78"/>
-              </a:rPr>
+              <a:rPr lang="en-US" altLang="en-US" dirty="0"/>
             </a:br>
             <a:r>
-              <a:rPr lang="en-US" altLang="en-US" sz="4800" kern="1200" dirty="0">
-                <a:solidFill>
-                  <a:srgbClr val="002060"/>
-                </a:solidFill>
-                <a:ea typeface="Calibri Light" panose="020F0302020204030204" pitchFamily="34" charset="0"/>
-                <a:cs typeface="Arabic Typesetting" panose="03020402040406030203" pitchFamily="66" charset="-78"/>
-              </a:rPr>
+              <a:rPr lang="en-US" altLang="en-US" dirty="0"/>
               <a:t>all </a:t>
             </a:r>
             <a:r>
-              <a:rPr lang="en-US" altLang="en-US" sz="4800" kern="1200" dirty="0" err="1">
-                <a:solidFill>
-                  <a:srgbClr val="002060"/>
-                </a:solidFill>
-                <a:ea typeface="Calibri Light" panose="020F0302020204030204" pitchFamily="34" charset="0"/>
-                <a:cs typeface="Arabic Typesetting" panose="03020402040406030203" pitchFamily="66" charset="-78"/>
-              </a:rPr>
+              <a:rPr lang="en-US" altLang="en-US" dirty="0" err="1"/>
               <a:t>marhumeen</a:t>
             </a:r>
-            <a:br>
-              <a:rPr lang="en-US" altLang="en-US" sz="4800" kern="1200" dirty="0">
-                <a:solidFill>
-                  <a:srgbClr val="002060"/>
-                </a:solidFill>
-                <a:ea typeface="Calibri Light" panose="020F0302020204030204" pitchFamily="34" charset="0"/>
-                <a:cs typeface="Arabic Typesetting" panose="03020402040406030203" pitchFamily="66" charset="-78"/>
-              </a:rPr>
-            </a:br>
-            <a:endParaRPr lang="en-GB" altLang="en-US" sz="4800" kern="1200" dirty="0">
-              <a:solidFill>
-                <a:srgbClr val="002060"/>
-              </a:solidFill>
-              <a:ea typeface="Calibri Light" panose="020F0302020204030204" pitchFamily="34" charset="0"/>
-              <a:cs typeface="Arabic Typesetting" panose="03020402040406030203" pitchFamily="66" charset="-78"/>
-            </a:endParaRPr>
-          </a:p>
-        </p:txBody>
-      </p:sp>
-      <p:sp>
-        <p:nvSpPr>
-          <p:cNvPr id="21508" name="Rectangle 4"/>
-          <p:cNvSpPr>
-            <a:spLocks noChangeArrowheads="1"/>
-          </p:cNvSpPr>
-          <p:nvPr/>
-        </p:nvSpPr>
-        <p:spPr bwMode="auto">
-          <a:xfrm>
-            <a:off x="1703389" y="6024563"/>
-            <a:ext cx="8785225" cy="276999"/>
-          </a:xfrm>
-          <a:prstGeom prst="rect">
-            <a:avLst/>
-          </a:prstGeom>
-          <a:noFill/>
-          <a:ln>
-            <a:noFill/>
-          </a:ln>
-          <a:effectLst/>
-          <a:extLst>
-            <a:ext uri="{909E8E84-426E-40DD-AFC4-6F175D3DCCD1}">
-              <a14:hiddenFill xmlns:a14="http://schemas.microsoft.com/office/drawing/2010/main">
-                <a:solidFill>
-                  <a:schemeClr val="accent1"/>
-                </a:solidFill>
-              </a14:hiddenFill>
-            </a:ext>
-            <a:ext uri="{91240B29-F687-4F45-9708-019B960494DF}">
-              <a14:hiddenLine xmlns:a14="http://schemas.microsoft.com/office/drawing/2010/main" w="9525">
-                <a:solidFill>
-                  <a:schemeClr val="tx1"/>
-                </a:solidFill>
-                <a:miter lim="800000"/>
-                <a:headEnd/>
-                <a:tailEnd/>
-              </a14:hiddenLine>
-            </a:ext>
-            <a:ext uri="{AF507438-7753-43E0-B8FC-AC1667EBCBE1}">
-              <a14:hiddenEffects xmlns:a14="http://schemas.microsoft.com/office/drawing/2010/main">
-                <a:effectLst>
-                  <a:outerShdw dist="35921" dir="2700000" algn="ctr" rotWithShape="0">
-                    <a:schemeClr val="bg2"/>
-                  </a:outerShdw>
-                </a:effectLst>
-              </a14:hiddenEffects>
-            </a:ext>
-          </a:extLst>
-        </p:spPr>
-        <p:txBody>
-          <a:bodyPr>
-            <a:spAutoFit/>
-          </a:bodyPr>
-          <a:lstStyle>
-            <a:lvl1pPr>
-              <a:defRPr sz="2400">
-                <a:solidFill>
-                  <a:schemeClr val="tx1"/>
-                </a:solidFill>
-                <a:latin typeface="Times New Roman" panose="02020603050405020304" pitchFamily="18" charset="0"/>
-              </a:defRPr>
-            </a:lvl1pPr>
-            <a:lvl2pPr marL="742950" indent="-285750">
-              <a:defRPr sz="2400">
-                <a:solidFill>
-                  <a:schemeClr val="tx1"/>
-                </a:solidFill>
-                <a:latin typeface="Times New Roman" panose="02020603050405020304" pitchFamily="18" charset="0"/>
-              </a:defRPr>
-            </a:lvl2pPr>
-            <a:lvl3pPr marL="1143000" indent="-228600">
-              <a:defRPr sz="2400">
-                <a:solidFill>
-                  <a:schemeClr val="tx1"/>
-                </a:solidFill>
-                <a:latin typeface="Times New Roman" panose="02020603050405020304" pitchFamily="18" charset="0"/>
-              </a:defRPr>
-            </a:lvl3pPr>
-            <a:lvl4pPr marL="1600200" indent="-228600">
-              <a:defRPr sz="2400">
-                <a:solidFill>
-                  <a:schemeClr val="tx1"/>
-                </a:solidFill>
-                <a:latin typeface="Times New Roman" panose="02020603050405020304" pitchFamily="18" charset="0"/>
-              </a:defRPr>
-            </a:lvl4pPr>
-            <a:lvl5pPr marL="2057400" indent="-228600">
-              <a:defRPr sz="2400">
-                <a:solidFill>
-                  <a:schemeClr val="tx1"/>
-                </a:solidFill>
-                <a:latin typeface="Times New Roman" panose="02020603050405020304" pitchFamily="18" charset="0"/>
-              </a:defRPr>
-            </a:lvl5pPr>
-            <a:lvl6pPr marL="2514600" indent="-228600" algn="ctr" eaLnBrk="0" fontAlgn="base" hangingPunct="0">
-              <a:spcBef>
-                <a:spcPct val="0"/>
-              </a:spcBef>
-              <a:spcAft>
-                <a:spcPct val="0"/>
-              </a:spcAft>
-              <a:defRPr sz="2400">
-                <a:solidFill>
-                  <a:schemeClr val="tx1"/>
-                </a:solidFill>
-                <a:latin typeface="Times New Roman" panose="02020603050405020304" pitchFamily="18" charset="0"/>
-              </a:defRPr>
-            </a:lvl6pPr>
-            <a:lvl7pPr marL="2971800" indent="-228600" algn="ctr" eaLnBrk="0" fontAlgn="base" hangingPunct="0">
-              <a:spcBef>
-                <a:spcPct val="0"/>
-              </a:spcBef>
-              <a:spcAft>
-                <a:spcPct val="0"/>
-              </a:spcAft>
-              <a:defRPr sz="2400">
-                <a:solidFill>
-                  <a:schemeClr val="tx1"/>
-                </a:solidFill>
-                <a:latin typeface="Times New Roman" panose="02020603050405020304" pitchFamily="18" charset="0"/>
-              </a:defRPr>
-            </a:lvl7pPr>
-            <a:lvl8pPr marL="3429000" indent="-228600" algn="ctr" eaLnBrk="0" fontAlgn="base" hangingPunct="0">
-              <a:spcBef>
-                <a:spcPct val="0"/>
-              </a:spcBef>
-              <a:spcAft>
-                <a:spcPct val="0"/>
-              </a:spcAft>
-              <a:defRPr sz="2400">
-                <a:solidFill>
-                  <a:schemeClr val="tx1"/>
-                </a:solidFill>
-                <a:latin typeface="Times New Roman" panose="02020603050405020304" pitchFamily="18" charset="0"/>
-              </a:defRPr>
-            </a:lvl8pPr>
-            <a:lvl9pPr marL="3886200" indent="-228600" algn="ctr" eaLnBrk="0" fontAlgn="base" hangingPunct="0">
-              <a:spcBef>
-                <a:spcPct val="0"/>
-              </a:spcBef>
-              <a:spcAft>
-                <a:spcPct val="0"/>
-              </a:spcAft>
-              <a:defRPr sz="2400">
-                <a:solidFill>
-                  <a:schemeClr val="tx1"/>
-                </a:solidFill>
-                <a:latin typeface="Times New Roman" panose="02020603050405020304" pitchFamily="18" charset="0"/>
-              </a:defRPr>
-            </a:lvl9pPr>
-          </a:lstStyle>
-          <a:p>
-            <a:pPr eaLnBrk="1" hangingPunct="1"/>
-            <a:r>
-              <a:rPr lang="en-US" altLang="en-US" sz="1200" b="1" dirty="0">
-                <a:solidFill>
-                  <a:srgbClr val="000066"/>
-                </a:solidFill>
-                <a:latin typeface="Trebuchet MS" panose="020B0603020202020204" pitchFamily="34" charset="0"/>
-                <a:cs typeface="Calibri Light" panose="020F0302020204030204" pitchFamily="34" charset="0"/>
-              </a:rPr>
-              <a:t>Kindly recite Surah Al-</a:t>
-            </a:r>
-            <a:r>
-              <a:rPr lang="en-US" altLang="en-US" sz="1200" b="1" dirty="0" err="1">
-                <a:solidFill>
-                  <a:srgbClr val="000066"/>
-                </a:solidFill>
-                <a:latin typeface="Trebuchet MS" panose="020B0603020202020204" pitchFamily="34" charset="0"/>
-                <a:cs typeface="Calibri Light" panose="020F0302020204030204" pitchFamily="34" charset="0"/>
-              </a:rPr>
-              <a:t>Fātiḥa</a:t>
-            </a:r>
-            <a:r>
-              <a:rPr lang="en-US" altLang="en-US" sz="1200" b="1" dirty="0">
-                <a:solidFill>
-                  <a:srgbClr val="000066"/>
-                </a:solidFill>
-                <a:latin typeface="Trebuchet MS" panose="020B0603020202020204" pitchFamily="34" charset="0"/>
-                <a:cs typeface="Calibri Light" panose="020F0302020204030204" pitchFamily="34" charset="0"/>
-              </a:rPr>
-              <a:t> for </a:t>
-            </a:r>
-            <a:r>
-              <a:rPr lang="en-US" altLang="en-US" sz="1200" b="1" dirty="0" err="1">
-                <a:solidFill>
-                  <a:srgbClr val="000066"/>
-                </a:solidFill>
-                <a:latin typeface="Trebuchet MS" panose="020B0603020202020204" pitchFamily="34" charset="0"/>
-                <a:cs typeface="Calibri Light" panose="020F0302020204030204" pitchFamily="34" charset="0"/>
-              </a:rPr>
-              <a:t>Marhumeen</a:t>
-            </a:r>
-            <a:r>
-              <a:rPr lang="en-US" altLang="en-US" sz="1200" b="1" dirty="0">
-                <a:solidFill>
-                  <a:srgbClr val="000066"/>
-                </a:solidFill>
-                <a:latin typeface="Trebuchet MS" panose="020B0603020202020204" pitchFamily="34" charset="0"/>
-                <a:cs typeface="Calibri Light" panose="020F0302020204030204" pitchFamily="34" charset="0"/>
-              </a:rPr>
-              <a:t> of all those who have worked towards making this small work possible.</a:t>
-            </a:r>
-          </a:p>
-        </p:txBody>
-      </p:sp>
-      <p:grpSp>
-        <p:nvGrpSpPr>
-          <p:cNvPr id="2" name="Group 1">
-            <a:extLst>
-              <a:ext uri="{FF2B5EF4-FFF2-40B4-BE49-F238E27FC236}">
-                <a16:creationId xmlns:a16="http://schemas.microsoft.com/office/drawing/2014/main" id="{FF832388-AA32-8ECC-C300-89AA783BCB77}"/>
-              </a:ext>
-            </a:extLst>
-          </p:cNvPr>
-          <p:cNvGrpSpPr/>
-          <p:nvPr/>
-        </p:nvGrpSpPr>
-        <p:grpSpPr>
-          <a:xfrm>
-            <a:off x="4655840" y="6301562"/>
-            <a:ext cx="2609137" cy="369332"/>
-            <a:chOff x="3738690" y="1030144"/>
-            <a:chExt cx="2609137" cy="369332"/>
-          </a:xfrm>
-        </p:grpSpPr>
-        <p:sp>
-          <p:nvSpPr>
-            <p:cNvPr id="3" name="TextBox 2">
-              <a:extLst>
-                <a:ext uri="{FF2B5EF4-FFF2-40B4-BE49-F238E27FC236}">
-                  <a16:creationId xmlns:a16="http://schemas.microsoft.com/office/drawing/2014/main" id="{D5573722-E002-3DAA-B27B-F9E7AF17F51D}"/>
-                </a:ext>
-              </a:extLst>
-            </p:cNvPr>
-            <p:cNvSpPr txBox="1"/>
-            <p:nvPr/>
-          </p:nvSpPr>
-          <p:spPr>
-            <a:xfrm>
-              <a:off x="3738690" y="1030144"/>
-              <a:ext cx="2232248" cy="369332"/>
-            </a:xfrm>
-            <a:prstGeom prst="rect">
-              <a:avLst/>
-            </a:prstGeom>
-            <a:noFill/>
-          </p:spPr>
-          <p:txBody>
-            <a:bodyPr wrap="square" rtlCol="0">
-              <a:spAutoFit/>
-            </a:bodyPr>
-            <a:lstStyle/>
-            <a:p>
-              <a:pPr algn="ctr"/>
-              <a:r>
-                <a:rPr lang="en-US" b="1" dirty="0">
-                  <a:solidFill>
-                    <a:srgbClr val="000066"/>
-                  </a:solidFill>
-                  <a:latin typeface="Calibri Light" panose="020F0302020204030204" pitchFamily="34" charset="0"/>
-                  <a:ea typeface="Calibri Light" panose="020F0302020204030204" pitchFamily="34" charset="0"/>
-                  <a:cs typeface="Calibri Light" panose="020F0302020204030204" pitchFamily="34" charset="0"/>
-                </a:rPr>
-                <a:t>Courtesy of </a:t>
-              </a:r>
-            </a:p>
-          </p:txBody>
-        </p:sp>
-        <p:pic>
-          <p:nvPicPr>
-            <p:cNvPr id="4" name="Picture 3" descr="Logo&#10;&#10;Description automatically generated">
-              <a:extLst>
-                <a:ext uri="{FF2B5EF4-FFF2-40B4-BE49-F238E27FC236}">
-                  <a16:creationId xmlns:a16="http://schemas.microsoft.com/office/drawing/2014/main" id="{86F0A95E-14B4-517D-CE32-24184970AE70}"/>
-                </a:ext>
-              </a:extLst>
-            </p:cNvPr>
-            <p:cNvPicPr>
-              <a:picLocks noChangeAspect="1"/>
-            </p:cNvPicPr>
-            <p:nvPr/>
-          </p:nvPicPr>
-          <p:blipFill>
-            <a:blip r:embed="rId2" cstate="print">
-              <a:extLst>
-                <a:ext uri="{28A0092B-C50C-407E-A947-70E740481C1C}">
-                  <a14:useLocalDpi xmlns:a14="http://schemas.microsoft.com/office/drawing/2010/main" val="0"/>
-                </a:ext>
-              </a:extLst>
-            </a:blip>
-            <a:stretch>
-              <a:fillRect/>
-            </a:stretch>
-          </p:blipFill>
-          <p:spPr>
-            <a:xfrm>
-              <a:off x="5467285" y="1074091"/>
-              <a:ext cx="880542" cy="214609"/>
-            </a:xfrm>
-            <a:prstGeom prst="rect">
-              <a:avLst/>
-            </a:prstGeom>
-          </p:spPr>
-        </p:pic>
-      </p:grpSp>
+            <a:endParaRPr lang="en-GB" altLang="en-US" dirty="0"/>
+          </a:p>
+        </p:txBody>
+      </p:sp>
     </p:spTree>
   </p:cSld>
   <p:clrMapOvr>
@@ -9954,826 +5662,6 @@
 </file>
 
 <file path=ppt/theme/theme1.xml><?xml version="1.0" encoding="utf-8"?>
-<a:theme xmlns:a="http://schemas.openxmlformats.org/drawingml/2006/main" name="Default Design">
-  <a:themeElements>
-    <a:clrScheme name="Default Design 14">
-      <a:dk1>
-        <a:srgbClr val="FFFFFF"/>
-      </a:dk1>
-      <a:lt1>
-        <a:srgbClr val="FFFFFF"/>
-      </a:lt1>
-      <a:dk2>
-        <a:srgbClr val="FFFFFF"/>
-      </a:dk2>
-      <a:lt2>
-        <a:srgbClr val="808080"/>
-      </a:lt2>
-      <a:accent1>
-        <a:srgbClr val="BBE0E3"/>
-      </a:accent1>
-      <a:accent2>
-        <a:srgbClr val="333399"/>
-      </a:accent2>
-      <a:accent3>
-        <a:srgbClr val="FFFFFF"/>
-      </a:accent3>
-      <a:accent4>
-        <a:srgbClr val="DADADA"/>
-      </a:accent4>
-      <a:accent5>
-        <a:srgbClr val="DAEDEF"/>
-      </a:accent5>
-      <a:accent6>
-        <a:srgbClr val="2D2D8A"/>
-      </a:accent6>
-      <a:hlink>
-        <a:srgbClr val="009999"/>
-      </a:hlink>
-      <a:folHlink>
-        <a:srgbClr val="99CC00"/>
-      </a:folHlink>
-    </a:clrScheme>
-    <a:fontScheme name="Default Design">
-      <a:majorFont>
-        <a:latin typeface="Arial"/>
-        <a:ea typeface=""/>
-        <a:cs typeface="Arial"/>
-      </a:majorFont>
-      <a:minorFont>
-        <a:latin typeface="Arial"/>
-        <a:ea typeface=""/>
-        <a:cs typeface="Arial"/>
-      </a:minorFont>
-    </a:fontScheme>
-    <a:fmtScheme name="Office">
-      <a:fillStyleLst>
-        <a:solidFill>
-          <a:schemeClr val="phClr"/>
-        </a:solidFill>
-        <a:gradFill rotWithShape="1">
-          <a:gsLst>
-            <a:gs pos="0">
-              <a:schemeClr val="phClr">
-                <a:tint val="50000"/>
-                <a:satMod val="300000"/>
-              </a:schemeClr>
-            </a:gs>
-            <a:gs pos="35000">
-              <a:schemeClr val="phClr">
-                <a:tint val="37000"/>
-                <a:satMod val="300000"/>
-              </a:schemeClr>
-            </a:gs>
-            <a:gs pos="100000">
-              <a:schemeClr val="phClr">
-                <a:tint val="15000"/>
-                <a:satMod val="350000"/>
-              </a:schemeClr>
-            </a:gs>
-          </a:gsLst>
-          <a:lin ang="16200000" scaled="1"/>
-        </a:gradFill>
-        <a:gradFill rotWithShape="1">
-          <a:gsLst>
-            <a:gs pos="0">
-              <a:schemeClr val="phClr">
-                <a:shade val="51000"/>
-                <a:satMod val="130000"/>
-              </a:schemeClr>
-            </a:gs>
-            <a:gs pos="80000">
-              <a:schemeClr val="phClr">
-                <a:shade val="93000"/>
-                <a:satMod val="130000"/>
-              </a:schemeClr>
-            </a:gs>
-            <a:gs pos="100000">
-              <a:schemeClr val="phClr">
-                <a:shade val="94000"/>
-                <a:satMod val="135000"/>
-              </a:schemeClr>
-            </a:gs>
-          </a:gsLst>
-          <a:lin ang="16200000" scaled="0"/>
-        </a:gradFill>
-      </a:fillStyleLst>
-      <a:lnStyleLst>
-        <a:ln w="9525" cap="flat" cmpd="sng" algn="ctr">
-          <a:solidFill>
-            <a:schemeClr val="phClr">
-              <a:shade val="95000"/>
-              <a:satMod val="105000"/>
-            </a:schemeClr>
-          </a:solidFill>
-          <a:prstDash val="solid"/>
-        </a:ln>
-        <a:ln w="25400" cap="flat" cmpd="sng" algn="ctr">
-          <a:solidFill>
-            <a:schemeClr val="phClr"/>
-          </a:solidFill>
-          <a:prstDash val="solid"/>
-        </a:ln>
-        <a:ln w="38100" cap="flat" cmpd="sng" algn="ctr">
-          <a:solidFill>
-            <a:schemeClr val="phClr"/>
-          </a:solidFill>
-          <a:prstDash val="solid"/>
-        </a:ln>
-      </a:lnStyleLst>
-      <a:effectStyleLst>
-        <a:effectStyle>
-          <a:effectLst>
-            <a:outerShdw blurRad="40000" dist="20000" dir="5400000" rotWithShape="0">
-              <a:srgbClr val="000000">
-                <a:alpha val="38000"/>
-              </a:srgbClr>
-            </a:outerShdw>
-          </a:effectLst>
-        </a:effectStyle>
-        <a:effectStyle>
-          <a:effectLst>
-            <a:outerShdw blurRad="40000" dist="23000" dir="5400000" rotWithShape="0">
-              <a:srgbClr val="000000">
-                <a:alpha val="35000"/>
-              </a:srgbClr>
-            </a:outerShdw>
-          </a:effectLst>
-        </a:effectStyle>
-        <a:effectStyle>
-          <a:effectLst>
-            <a:outerShdw blurRad="40000" dist="23000" dir="5400000" rotWithShape="0">
-              <a:srgbClr val="000000">
-                <a:alpha val="35000"/>
-              </a:srgbClr>
-            </a:outerShdw>
-          </a:effectLst>
-          <a:scene3d>
-            <a:camera prst="orthographicFront">
-              <a:rot lat="0" lon="0" rev="0"/>
-            </a:camera>
-            <a:lightRig rig="threePt" dir="t">
-              <a:rot lat="0" lon="0" rev="1200000"/>
-            </a:lightRig>
-          </a:scene3d>
-          <a:sp3d>
-            <a:bevelT w="63500" h="25400"/>
-          </a:sp3d>
-        </a:effectStyle>
-      </a:effectStyleLst>
-      <a:bgFillStyleLst>
-        <a:solidFill>
-          <a:schemeClr val="phClr"/>
-        </a:solidFill>
-        <a:gradFill rotWithShape="1">
-          <a:gsLst>
-            <a:gs pos="0">
-              <a:schemeClr val="phClr">
-                <a:tint val="40000"/>
-                <a:satMod val="350000"/>
-              </a:schemeClr>
-            </a:gs>
-            <a:gs pos="40000">
-              <a:schemeClr val="phClr">
-                <a:tint val="45000"/>
-                <a:shade val="99000"/>
-                <a:satMod val="350000"/>
-              </a:schemeClr>
-            </a:gs>
-            <a:gs pos="100000">
-              <a:schemeClr val="phClr">
-                <a:shade val="20000"/>
-                <a:satMod val="255000"/>
-              </a:schemeClr>
-            </a:gs>
-          </a:gsLst>
-          <a:path path="circle">
-            <a:fillToRect l="50000" t="-80000" r="50000" b="180000"/>
-          </a:path>
-        </a:gradFill>
-        <a:gradFill rotWithShape="1">
-          <a:gsLst>
-            <a:gs pos="0">
-              <a:schemeClr val="phClr">
-                <a:tint val="80000"/>
-                <a:satMod val="300000"/>
-              </a:schemeClr>
-            </a:gs>
-            <a:gs pos="100000">
-              <a:schemeClr val="phClr">
-                <a:shade val="30000"/>
-                <a:satMod val="200000"/>
-              </a:schemeClr>
-            </a:gs>
-          </a:gsLst>
-          <a:path path="circle">
-            <a:fillToRect l="50000" t="50000" r="50000" b="50000"/>
-          </a:path>
-        </a:gradFill>
-      </a:bgFillStyleLst>
-    </a:fmtScheme>
-  </a:themeElements>
-  <a:objectDefaults>
-    <a:txDef>
-      <a:spPr>
-        <a:noFill/>
-      </a:spPr>
-      <a:bodyPr wrap="square">
-        <a:spAutoFit/>
-      </a:bodyPr>
-      <a:lstStyle>
-        <a:defPPr algn="ctr">
-          <a:defRPr sz="4800" dirty="0" smtClean="0">
-            <a:solidFill>
-              <a:srgbClr val="000066"/>
-            </a:solidFill>
-            <a:latin typeface="Urdu Typesetting" panose="03020402040406030203" pitchFamily="66" charset="-78"/>
-            <a:cs typeface="Urdu Typesetting" panose="03020402040406030203" pitchFamily="66" charset="-78"/>
-          </a:defRPr>
-        </a:defPPr>
-      </a:lstStyle>
-    </a:txDef>
-  </a:objectDefaults>
-  <a:extraClrSchemeLst>
-    <a:extraClrScheme>
-      <a:clrScheme name="Default Design 1">
-        <a:dk1>
-          <a:srgbClr val="000000"/>
-        </a:dk1>
-        <a:lt1>
-          <a:srgbClr val="FFFFFF"/>
-        </a:lt1>
-        <a:dk2>
-          <a:srgbClr val="000000"/>
-        </a:dk2>
-        <a:lt2>
-          <a:srgbClr val="808080"/>
-        </a:lt2>
-        <a:accent1>
-          <a:srgbClr val="BBE0E3"/>
-        </a:accent1>
-        <a:accent2>
-          <a:srgbClr val="333399"/>
-        </a:accent2>
-        <a:accent3>
-          <a:srgbClr val="FFFFFF"/>
-        </a:accent3>
-        <a:accent4>
-          <a:srgbClr val="000000"/>
-        </a:accent4>
-        <a:accent5>
-          <a:srgbClr val="DAEDEF"/>
-        </a:accent5>
-        <a:accent6>
-          <a:srgbClr val="2D2D8A"/>
-        </a:accent6>
-        <a:hlink>
-          <a:srgbClr val="009999"/>
-        </a:hlink>
-        <a:folHlink>
-          <a:srgbClr val="99CC00"/>
-        </a:folHlink>
-      </a:clrScheme>
-      <a:clrMap bg1="lt1" tx1="dk1" bg2="lt2" tx2="dk2" accent1="accent1" accent2="accent2" accent3="accent3" accent4="accent4" accent5="accent5" accent6="accent6" hlink="hlink" folHlink="folHlink"/>
-    </a:extraClrScheme>
-    <a:extraClrScheme>
-      <a:clrScheme name="Default Design 2">
-        <a:dk1>
-          <a:srgbClr val="000000"/>
-        </a:dk1>
-        <a:lt1>
-          <a:srgbClr val="FFFFFF"/>
-        </a:lt1>
-        <a:dk2>
-          <a:srgbClr val="000000"/>
-        </a:dk2>
-        <a:lt2>
-          <a:srgbClr val="969696"/>
-        </a:lt2>
-        <a:accent1>
-          <a:srgbClr val="FBDF53"/>
-        </a:accent1>
-        <a:accent2>
-          <a:srgbClr val="FF9966"/>
-        </a:accent2>
-        <a:accent3>
-          <a:srgbClr val="FFFFFF"/>
-        </a:accent3>
-        <a:accent4>
-          <a:srgbClr val="000000"/>
-        </a:accent4>
-        <a:accent5>
-          <a:srgbClr val="FDECB3"/>
-        </a:accent5>
-        <a:accent6>
-          <a:srgbClr val="E78A5C"/>
-        </a:accent6>
-        <a:hlink>
-          <a:srgbClr val="CC3300"/>
-        </a:hlink>
-        <a:folHlink>
-          <a:srgbClr val="996600"/>
-        </a:folHlink>
-      </a:clrScheme>
-      <a:clrMap bg1="lt1" tx1="dk1" bg2="lt2" tx2="dk2" accent1="accent1" accent2="accent2" accent3="accent3" accent4="accent4" accent5="accent5" accent6="accent6" hlink="hlink" folHlink="folHlink"/>
-    </a:extraClrScheme>
-    <a:extraClrScheme>
-      <a:clrScheme name="Default Design 3">
-        <a:dk1>
-          <a:srgbClr val="000000"/>
-        </a:dk1>
-        <a:lt1>
-          <a:srgbClr val="FFFFFF"/>
-        </a:lt1>
-        <a:dk2>
-          <a:srgbClr val="000000"/>
-        </a:dk2>
-        <a:lt2>
-          <a:srgbClr val="808080"/>
-        </a:lt2>
-        <a:accent1>
-          <a:srgbClr val="99CCFF"/>
-        </a:accent1>
-        <a:accent2>
-          <a:srgbClr val="CCCCFF"/>
-        </a:accent2>
-        <a:accent3>
-          <a:srgbClr val="FFFFFF"/>
-        </a:accent3>
-        <a:accent4>
-          <a:srgbClr val="000000"/>
-        </a:accent4>
-        <a:accent5>
-          <a:srgbClr val="CAE2FF"/>
-        </a:accent5>
-        <a:accent6>
-          <a:srgbClr val="B9B9E7"/>
-        </a:accent6>
-        <a:hlink>
-          <a:srgbClr val="3333CC"/>
-        </a:hlink>
-        <a:folHlink>
-          <a:srgbClr val="AF67FF"/>
-        </a:folHlink>
-      </a:clrScheme>
-      <a:clrMap bg1="lt1" tx1="dk1" bg2="lt2" tx2="dk2" accent1="accent1" accent2="accent2" accent3="accent3" accent4="accent4" accent5="accent5" accent6="accent6" hlink="hlink" folHlink="folHlink"/>
-    </a:extraClrScheme>
-    <a:extraClrScheme>
-      <a:clrScheme name="Default Design 4">
-        <a:dk1>
-          <a:srgbClr val="000000"/>
-        </a:dk1>
-        <a:lt1>
-          <a:srgbClr val="DEF6F1"/>
-        </a:lt1>
-        <a:dk2>
-          <a:srgbClr val="000000"/>
-        </a:dk2>
-        <a:lt2>
-          <a:srgbClr val="969696"/>
-        </a:lt2>
-        <a:accent1>
-          <a:srgbClr val="FFFFFF"/>
-        </a:accent1>
-        <a:accent2>
-          <a:srgbClr val="8DC6FF"/>
-        </a:accent2>
-        <a:accent3>
-          <a:srgbClr val="ECFAF7"/>
-        </a:accent3>
-        <a:accent4>
-          <a:srgbClr val="000000"/>
-        </a:accent4>
-        <a:accent5>
-          <a:srgbClr val="FFFFFF"/>
-        </a:accent5>
-        <a:accent6>
-          <a:srgbClr val="7FB3E7"/>
-        </a:accent6>
-        <a:hlink>
-          <a:srgbClr val="0066CC"/>
-        </a:hlink>
-        <a:folHlink>
-          <a:srgbClr val="00A800"/>
-        </a:folHlink>
-      </a:clrScheme>
-      <a:clrMap bg1="lt1" tx1="dk1" bg2="lt2" tx2="dk2" accent1="accent1" accent2="accent2" accent3="accent3" accent4="accent4" accent5="accent5" accent6="accent6" hlink="hlink" folHlink="folHlink"/>
-    </a:extraClrScheme>
-    <a:extraClrScheme>
-      <a:clrScheme name="Default Design 5">
-        <a:dk1>
-          <a:srgbClr val="000000"/>
-        </a:dk1>
-        <a:lt1>
-          <a:srgbClr val="FFFFD9"/>
-        </a:lt1>
-        <a:dk2>
-          <a:srgbClr val="000000"/>
-        </a:dk2>
-        <a:lt2>
-          <a:srgbClr val="777777"/>
-        </a:lt2>
-        <a:accent1>
-          <a:srgbClr val="FFFFF7"/>
-        </a:accent1>
-        <a:accent2>
-          <a:srgbClr val="33CCCC"/>
-        </a:accent2>
-        <a:accent3>
-          <a:srgbClr val="FFFFE9"/>
-        </a:accent3>
-        <a:accent4>
-          <a:srgbClr val="000000"/>
-        </a:accent4>
-        <a:accent5>
-          <a:srgbClr val="FFFFFA"/>
-        </a:accent5>
-        <a:accent6>
-          <a:srgbClr val="2DB9B9"/>
-        </a:accent6>
-        <a:hlink>
-          <a:srgbClr val="FF5050"/>
-        </a:hlink>
-        <a:folHlink>
-          <a:srgbClr val="FF9900"/>
-        </a:folHlink>
-      </a:clrScheme>
-      <a:clrMap bg1="lt1" tx1="dk1" bg2="lt2" tx2="dk2" accent1="accent1" accent2="accent2" accent3="accent3" accent4="accent4" accent5="accent5" accent6="accent6" hlink="hlink" folHlink="folHlink"/>
-    </a:extraClrScheme>
-    <a:extraClrScheme>
-      <a:clrScheme name="Default Design 6">
-        <a:dk1>
-          <a:srgbClr val="005A58"/>
-        </a:dk1>
-        <a:lt1>
-          <a:srgbClr val="FFFFFF"/>
-        </a:lt1>
-        <a:dk2>
-          <a:srgbClr val="008080"/>
-        </a:dk2>
-        <a:lt2>
-          <a:srgbClr val="FFFF99"/>
-        </a:lt2>
-        <a:accent1>
-          <a:srgbClr val="006462"/>
-        </a:accent1>
-        <a:accent2>
-          <a:srgbClr val="6D6FC7"/>
-        </a:accent2>
-        <a:accent3>
-          <a:srgbClr val="AAC0C0"/>
-        </a:accent3>
-        <a:accent4>
-          <a:srgbClr val="DADADA"/>
-        </a:accent4>
-        <a:accent5>
-          <a:srgbClr val="AAB8B7"/>
-        </a:accent5>
-        <a:accent6>
-          <a:srgbClr val="6264B4"/>
-        </a:accent6>
-        <a:hlink>
-          <a:srgbClr val="00FFFF"/>
-        </a:hlink>
-        <a:folHlink>
-          <a:srgbClr val="00FF00"/>
-        </a:folHlink>
-      </a:clrScheme>
-      <a:clrMap bg1="dk2" tx1="lt1" bg2="dk1" tx2="lt2" accent1="accent1" accent2="accent2" accent3="accent3" accent4="accent4" accent5="accent5" accent6="accent6" hlink="hlink" folHlink="folHlink"/>
-    </a:extraClrScheme>
-    <a:extraClrScheme>
-      <a:clrScheme name="Default Design 7">
-        <a:dk1>
-          <a:srgbClr val="5C1F00"/>
-        </a:dk1>
-        <a:lt1>
-          <a:srgbClr val="FFFFFF"/>
-        </a:lt1>
-        <a:dk2>
-          <a:srgbClr val="800000"/>
-        </a:dk2>
-        <a:lt2>
-          <a:srgbClr val="DFD293"/>
-        </a:lt2>
-        <a:accent1>
-          <a:srgbClr val="CC3300"/>
-        </a:accent1>
-        <a:accent2>
-          <a:srgbClr val="BE7960"/>
-        </a:accent2>
-        <a:accent3>
-          <a:srgbClr val="C0AAAA"/>
-        </a:accent3>
-        <a:accent4>
-          <a:srgbClr val="DADADA"/>
-        </a:accent4>
-        <a:accent5>
-          <a:srgbClr val="E2ADAA"/>
-        </a:accent5>
-        <a:accent6>
-          <a:srgbClr val="AC6D56"/>
-        </a:accent6>
-        <a:hlink>
-          <a:srgbClr val="FFFF99"/>
-        </a:hlink>
-        <a:folHlink>
-          <a:srgbClr val="D3A219"/>
-        </a:folHlink>
-      </a:clrScheme>
-      <a:clrMap bg1="dk2" tx1="lt1" bg2="dk1" tx2="lt2" accent1="accent1" accent2="accent2" accent3="accent3" accent4="accent4" accent5="accent5" accent6="accent6" hlink="hlink" folHlink="folHlink"/>
-    </a:extraClrScheme>
-    <a:extraClrScheme>
-      <a:clrScheme name="Default Design 8">
-        <a:dk1>
-          <a:srgbClr val="003366"/>
-        </a:dk1>
-        <a:lt1>
-          <a:srgbClr val="FFFFFF"/>
-        </a:lt1>
-        <a:dk2>
-          <a:srgbClr val="000099"/>
-        </a:dk2>
-        <a:lt2>
-          <a:srgbClr val="CCFFFF"/>
-        </a:lt2>
-        <a:accent1>
-          <a:srgbClr val="3366CC"/>
-        </a:accent1>
-        <a:accent2>
-          <a:srgbClr val="00B000"/>
-        </a:accent2>
-        <a:accent3>
-          <a:srgbClr val="AAAACA"/>
-        </a:accent3>
-        <a:accent4>
-          <a:srgbClr val="DADADA"/>
-        </a:accent4>
-        <a:accent5>
-          <a:srgbClr val="ADB8E2"/>
-        </a:accent5>
-        <a:accent6>
-          <a:srgbClr val="009F00"/>
-        </a:accent6>
-        <a:hlink>
-          <a:srgbClr val="66CCFF"/>
-        </a:hlink>
-        <a:folHlink>
-          <a:srgbClr val="FFE701"/>
-        </a:folHlink>
-      </a:clrScheme>
-      <a:clrMap bg1="dk2" tx1="lt1" bg2="dk1" tx2="lt2" accent1="accent1" accent2="accent2" accent3="accent3" accent4="accent4" accent5="accent5" accent6="accent6" hlink="hlink" folHlink="folHlink"/>
-    </a:extraClrScheme>
-    <a:extraClrScheme>
-      <a:clrScheme name="Default Design 9">
-        <a:dk1>
-          <a:srgbClr val="336699"/>
-        </a:dk1>
-        <a:lt1>
-          <a:srgbClr val="FFFFFF"/>
-        </a:lt1>
-        <a:dk2>
-          <a:srgbClr val="000000"/>
-        </a:dk2>
-        <a:lt2>
-          <a:srgbClr val="E3EBF1"/>
-        </a:lt2>
-        <a:accent1>
-          <a:srgbClr val="003399"/>
-        </a:accent1>
-        <a:accent2>
-          <a:srgbClr val="468A4B"/>
-        </a:accent2>
-        <a:accent3>
-          <a:srgbClr val="AAAAAA"/>
-        </a:accent3>
-        <a:accent4>
-          <a:srgbClr val="DADADA"/>
-        </a:accent4>
-        <a:accent5>
-          <a:srgbClr val="AAADCA"/>
-        </a:accent5>
-        <a:accent6>
-          <a:srgbClr val="3F7D43"/>
-        </a:accent6>
-        <a:hlink>
-          <a:srgbClr val="66CCFF"/>
-        </a:hlink>
-        <a:folHlink>
-          <a:srgbClr val="F0E500"/>
-        </a:folHlink>
-      </a:clrScheme>
-      <a:clrMap bg1="dk2" tx1="lt1" bg2="dk1" tx2="lt2" accent1="accent1" accent2="accent2" accent3="accent3" accent4="accent4" accent5="accent5" accent6="accent6" hlink="hlink" folHlink="folHlink"/>
-    </a:extraClrScheme>
-    <a:extraClrScheme>
-      <a:clrScheme name="Default Design 10">
-        <a:dk1>
-          <a:srgbClr val="777777"/>
-        </a:dk1>
-        <a:lt1>
-          <a:srgbClr val="FFFFFF"/>
-        </a:lt1>
-        <a:dk2>
-          <a:srgbClr val="686B5D"/>
-        </a:dk2>
-        <a:lt2>
-          <a:srgbClr val="D1D1CB"/>
-        </a:lt2>
-        <a:accent1>
-          <a:srgbClr val="909082"/>
-        </a:accent1>
-        <a:accent2>
-          <a:srgbClr val="809EA8"/>
-        </a:accent2>
-        <a:accent3>
-          <a:srgbClr val="B9BAB6"/>
-        </a:accent3>
-        <a:accent4>
-          <a:srgbClr val="DADADA"/>
-        </a:accent4>
-        <a:accent5>
-          <a:srgbClr val="C6C6C1"/>
-        </a:accent5>
-        <a:accent6>
-          <a:srgbClr val="738F98"/>
-        </a:accent6>
-        <a:hlink>
-          <a:srgbClr val="FFCC66"/>
-        </a:hlink>
-        <a:folHlink>
-          <a:srgbClr val="E9DCB9"/>
-        </a:folHlink>
-      </a:clrScheme>
-      <a:clrMap bg1="dk2" tx1="lt1" bg2="dk1" tx2="lt2" accent1="accent1" accent2="accent2" accent3="accent3" accent4="accent4" accent5="accent5" accent6="accent6" hlink="hlink" folHlink="folHlink"/>
-    </a:extraClrScheme>
-    <a:extraClrScheme>
-      <a:clrScheme name="Default Design 11">
-        <a:dk1>
-          <a:srgbClr val="3E3E5C"/>
-        </a:dk1>
-        <a:lt1>
-          <a:srgbClr val="FFFFFF"/>
-        </a:lt1>
-        <a:dk2>
-          <a:srgbClr val="666699"/>
-        </a:dk2>
-        <a:lt2>
-          <a:srgbClr val="FFFFFF"/>
-        </a:lt2>
-        <a:accent1>
-          <a:srgbClr val="60597B"/>
-        </a:accent1>
-        <a:accent2>
-          <a:srgbClr val="6666FF"/>
-        </a:accent2>
-        <a:accent3>
-          <a:srgbClr val="B8B8CA"/>
-        </a:accent3>
-        <a:accent4>
-          <a:srgbClr val="DADADA"/>
-        </a:accent4>
-        <a:accent5>
-          <a:srgbClr val="B6B5BF"/>
-        </a:accent5>
-        <a:accent6>
-          <a:srgbClr val="5C5CE7"/>
-        </a:accent6>
-        <a:hlink>
-          <a:srgbClr val="99CCFF"/>
-        </a:hlink>
-        <a:folHlink>
-          <a:srgbClr val="FFFF99"/>
-        </a:folHlink>
-      </a:clrScheme>
-      <a:clrMap bg1="dk2" tx1="lt1" bg2="dk1" tx2="lt2" accent1="accent1" accent2="accent2" accent3="accent3" accent4="accent4" accent5="accent5" accent6="accent6" hlink="hlink" folHlink="folHlink"/>
-    </a:extraClrScheme>
-    <a:extraClrScheme>
-      <a:clrScheme name="Default Design 12">
-        <a:dk1>
-          <a:srgbClr val="2D2015"/>
-        </a:dk1>
-        <a:lt1>
-          <a:srgbClr val="FFFFFF"/>
-        </a:lt1>
-        <a:dk2>
-          <a:srgbClr val="523E26"/>
-        </a:dk2>
-        <a:lt2>
-          <a:srgbClr val="DFC08D"/>
-        </a:lt2>
-        <a:accent1>
-          <a:srgbClr val="8C7B70"/>
-        </a:accent1>
-        <a:accent2>
-          <a:srgbClr val="8F5F2F"/>
-        </a:accent2>
-        <a:accent3>
-          <a:srgbClr val="B3AFAC"/>
-        </a:accent3>
-        <a:accent4>
-          <a:srgbClr val="DADADA"/>
-        </a:accent4>
-        <a:accent5>
-          <a:srgbClr val="C5BFBB"/>
-        </a:accent5>
-        <a:accent6>
-          <a:srgbClr val="81552A"/>
-        </a:accent6>
-        <a:hlink>
-          <a:srgbClr val="CCB400"/>
-        </a:hlink>
-        <a:folHlink>
-          <a:srgbClr val="8C9EA0"/>
-        </a:folHlink>
-      </a:clrScheme>
-      <a:clrMap bg1="dk2" tx1="lt1" bg2="dk1" tx2="lt2" accent1="accent1" accent2="accent2" accent3="accent3" accent4="accent4" accent5="accent5" accent6="accent6" hlink="hlink" folHlink="folHlink"/>
-    </a:extraClrScheme>
-    <a:extraClrScheme>
-      <a:clrScheme name="Default Design 13">
-        <a:dk1>
-          <a:srgbClr val="FFFFFF"/>
-        </a:dk1>
-        <a:lt1>
-          <a:srgbClr val="FFFFFF"/>
-        </a:lt1>
-        <a:dk2>
-          <a:srgbClr val="000000"/>
-        </a:dk2>
-        <a:lt2>
-          <a:srgbClr val="808080"/>
-        </a:lt2>
-        <a:accent1>
-          <a:srgbClr val="BBE0E3"/>
-        </a:accent1>
-        <a:accent2>
-          <a:srgbClr val="333399"/>
-        </a:accent2>
-        <a:accent3>
-          <a:srgbClr val="FFFFFF"/>
-        </a:accent3>
-        <a:accent4>
-          <a:srgbClr val="DADADA"/>
-        </a:accent4>
-        <a:accent5>
-          <a:srgbClr val="DAEDEF"/>
-        </a:accent5>
-        <a:accent6>
-          <a:srgbClr val="2D2D8A"/>
-        </a:accent6>
-        <a:hlink>
-          <a:srgbClr val="009999"/>
-        </a:hlink>
-        <a:folHlink>
-          <a:srgbClr val="99CC00"/>
-        </a:folHlink>
-      </a:clrScheme>
-      <a:clrMap bg1="lt1" tx1="dk1" bg2="lt2" tx2="dk2" accent1="accent1" accent2="accent2" accent3="accent3" accent4="accent4" accent5="accent5" accent6="accent6" hlink="hlink" folHlink="folHlink"/>
-    </a:extraClrScheme>
-    <a:extraClrScheme>
-      <a:clrScheme name="Default Design 14">
-        <a:dk1>
-          <a:srgbClr val="FFFFFF"/>
-        </a:dk1>
-        <a:lt1>
-          <a:srgbClr val="FFFFFF"/>
-        </a:lt1>
-        <a:dk2>
-          <a:srgbClr val="FFFFFF"/>
-        </a:dk2>
-        <a:lt2>
-          <a:srgbClr val="808080"/>
-        </a:lt2>
-        <a:accent1>
-          <a:srgbClr val="BBE0E3"/>
-        </a:accent1>
-        <a:accent2>
-          <a:srgbClr val="333399"/>
-        </a:accent2>
-        <a:accent3>
-          <a:srgbClr val="FFFFFF"/>
-        </a:accent3>
-        <a:accent4>
-          <a:srgbClr val="DADADA"/>
-        </a:accent4>
-        <a:accent5>
-          <a:srgbClr val="DAEDEF"/>
-        </a:accent5>
-        <a:accent6>
-          <a:srgbClr val="2D2D8A"/>
-        </a:accent6>
-        <a:hlink>
-          <a:srgbClr val="009999"/>
-        </a:hlink>
-        <a:folHlink>
-          <a:srgbClr val="99CC00"/>
-        </a:folHlink>
-      </a:clrScheme>
-      <a:clrMap bg1="lt1" tx1="dk1" bg2="lt2" tx2="dk2" accent1="accent1" accent2="accent2" accent3="accent3" accent4="accent4" accent5="accent5" accent6="accent6" hlink="hlink" folHlink="folHlink"/>
-    </a:extraClrScheme>
-  </a:extraClrSchemeLst>
-</a:theme>
-</file>
-
-<file path=ppt/theme/theme2.xml><?xml version="1.0" encoding="utf-8"?>
 <a:theme xmlns:a="http://schemas.openxmlformats.org/drawingml/2006/main" name="AZ Duas">
   <a:themeElements>
     <a:clrScheme name="Default Design 14">
@@ -11598,7 +6486,7 @@
 </a:theme>
 </file>
 
-<file path=ppt/theme/theme3.xml><?xml version="1.0" encoding="utf-8"?>
+<file path=ppt/theme/theme2.xml><?xml version="1.0" encoding="utf-8"?>
 <a:theme xmlns:a="http://schemas.openxmlformats.org/drawingml/2006/main" name="Office Theme">
   <a:themeElements>
     <a:clrScheme name="Office">

--- a/PPTs/Aza - Surah Fajr.pptx
+++ b/PPTs/Aza - Surah Fajr.pptx
@@ -8,7 +8,7 @@
     <p:notesMasterId r:id="rId33"/>
   </p:notesMasterIdLst>
   <p:sldIdLst>
-    <p:sldId id="262" r:id="rId2"/>
+    <p:sldId id="5554" r:id="rId2"/>
     <p:sldId id="5042" r:id="rId3"/>
     <p:sldId id="5525" r:id="rId4"/>
     <p:sldId id="5527" r:id="rId5"/>
@@ -253,7 +253,7 @@
               <a:pPr>
                 <a:defRPr/>
               </a:pPr>
-              <a:t>7/8/2024</a:t>
+              <a:t>7/10/2024</a:t>
             </a:fld>
             <a:endParaRPr lang="en-US"/>
           </a:p>
@@ -1698,19 +1698,19 @@
             </a:extLst>
           </p:cNvPr>
           <p:cNvPicPr>
-            <a:picLocks noGrp="1" noRot="1" noChangeAspect="1" noMove="1" noResize="1" noEditPoints="1" noAdjustHandles="1" noChangeArrowheads="1" noChangeShapeType="1" noCrop="1"/>
+            <a:picLocks noChangeAspect="1"/>
           </p:cNvPicPr>
           <p:nvPr/>
         </p:nvPicPr>
         <p:blipFill rotWithShape="1">
           <a:blip r:embed="rId2"/>
-          <a:srcRect l="24690" r="27248" b="16665"/>
+          <a:srcRect l="10784" t="12799" r="27248" b="11727"/>
           <a:stretch/>
         </p:blipFill>
         <p:spPr>
           <a:xfrm>
-            <a:off x="7248128" y="-1"/>
-            <a:ext cx="4943872" cy="6858001"/>
+            <a:off x="5162550" y="0"/>
+            <a:ext cx="7029450" cy="6849289"/>
           </a:xfrm>
           <a:prstGeom prst="rect">
             <a:avLst/>
@@ -1871,7 +1871,7 @@
           </a:bodyPr>
           <a:lstStyle/>
           <a:p>
-            <a:pPr marL="0" marR="0" lvl="0" indent="0" algn="ctr" defTabSz="914400" rtl="1" eaLnBrk="1" fontAlgn="auto" latinLnBrk="0" hangingPunct="1">
+            <a:pPr marL="0" marR="0" lvl="0" indent="0" algn="ctr" defTabSz="914400" rtl="0" eaLnBrk="1" fontAlgn="auto" latinLnBrk="0" hangingPunct="1">
               <a:lnSpc>
                 <a:spcPct val="100000"/>
               </a:lnSpc>
@@ -2053,7 +2053,7 @@
         </p:nvSpPr>
         <p:spPr>
           <a:xfrm>
-            <a:off x="8421468" y="5713181"/>
+            <a:off x="8116059" y="5507547"/>
             <a:ext cx="3328784" cy="781689"/>
           </a:xfrm>
           <a:prstGeom prst="rect">
@@ -2085,6 +2085,23 @@
               <a:defRPr/>
             </a:pPr>
             <a:r>
+              <a:rPr kumimoji="0" lang="ur-PK" sz="2000" b="0" i="0" u="none" strike="noStrike" kern="1200" cap="none" spc="0" normalizeH="0" baseline="0" noProof="0" dirty="0" err="1">
+                <a:ln>
+                  <a:noFill/>
+                </a:ln>
+                <a:solidFill>
+                  <a:srgbClr val="F4E1C4"/>
+                </a:solidFill>
+                <a:effectLst/>
+                <a:uLnTx/>
+                <a:uFillTx/>
+                <a:latin typeface="Abbas" panose="02000000000000000000" pitchFamily="2" charset="-78"/>
+                <a:ea typeface="+mn-ea"/>
+                <a:cs typeface="Abbas" panose="02000000000000000000" pitchFamily="2" charset="-78"/>
+              </a:rPr>
+              <a:t>إِنَّهُمْ</a:t>
+            </a:r>
+            <a:r>
               <a:rPr kumimoji="0" lang="ur-PK" sz="2000" b="0" i="0" u="none" strike="noStrike" kern="1200" cap="none" spc="0" normalizeH="0" baseline="0" noProof="0" dirty="0">
                 <a:ln>
                   <a:noFill/>
@@ -2099,7 +2116,126 @@
                 <a:ea typeface="+mn-ea"/>
                 <a:cs typeface="Abbas" panose="02000000000000000000" pitchFamily="2" charset="-78"/>
               </a:rPr>
-              <a:t>إِنَّهُمْ يَرَوْنَهُ بَعِيداً وَنَرَاهُ قَرِيباً</a:t>
+              <a:t> </a:t>
+            </a:r>
+            <a:r>
+              <a:rPr kumimoji="0" lang="ur-PK" sz="2000" b="0" i="0" u="none" strike="noStrike" kern="1200" cap="none" spc="0" normalizeH="0" baseline="0" noProof="0" dirty="0" err="1">
+                <a:ln>
+                  <a:noFill/>
+                </a:ln>
+                <a:solidFill>
+                  <a:srgbClr val="F4E1C4"/>
+                </a:solidFill>
+                <a:effectLst/>
+                <a:uLnTx/>
+                <a:uFillTx/>
+                <a:latin typeface="Abbas" panose="02000000000000000000" pitchFamily="2" charset="-78"/>
+                <a:ea typeface="+mn-ea"/>
+                <a:cs typeface="Abbas" panose="02000000000000000000" pitchFamily="2" charset="-78"/>
+              </a:rPr>
+              <a:t>يَرَوْنَهُ</a:t>
+            </a:r>
+            <a:r>
+              <a:rPr kumimoji="0" lang="ur-PK" sz="2000" b="0" i="0" u="none" strike="noStrike" kern="1200" cap="none" spc="0" normalizeH="0" baseline="0" noProof="0" dirty="0">
+                <a:ln>
+                  <a:noFill/>
+                </a:ln>
+                <a:solidFill>
+                  <a:srgbClr val="F4E1C4"/>
+                </a:solidFill>
+                <a:effectLst/>
+                <a:uLnTx/>
+                <a:uFillTx/>
+                <a:latin typeface="Abbas" panose="02000000000000000000" pitchFamily="2" charset="-78"/>
+                <a:ea typeface="+mn-ea"/>
+                <a:cs typeface="Abbas" panose="02000000000000000000" pitchFamily="2" charset="-78"/>
+              </a:rPr>
+              <a:t> </a:t>
+            </a:r>
+            <a:r>
+              <a:rPr kumimoji="0" lang="ur-PK" sz="2000" b="0" i="0" u="none" strike="noStrike" kern="1200" cap="none" spc="0" normalizeH="0" baseline="0" noProof="0" dirty="0" err="1">
+                <a:ln>
+                  <a:noFill/>
+                </a:ln>
+                <a:solidFill>
+                  <a:srgbClr val="F4E1C4"/>
+                </a:solidFill>
+                <a:effectLst/>
+                <a:uLnTx/>
+                <a:uFillTx/>
+                <a:latin typeface="Abbas" panose="02000000000000000000" pitchFamily="2" charset="-78"/>
+                <a:ea typeface="+mn-ea"/>
+                <a:cs typeface="Abbas" panose="02000000000000000000" pitchFamily="2" charset="-78"/>
+              </a:rPr>
+              <a:t>بَعِيداً</a:t>
+            </a:r>
+            <a:r>
+              <a:rPr kumimoji="0" lang="ur-PK" sz="2000" b="0" i="0" u="none" strike="noStrike" kern="1200" cap="none" spc="0" normalizeH="0" baseline="0" noProof="0" dirty="0">
+                <a:ln>
+                  <a:noFill/>
+                </a:ln>
+                <a:solidFill>
+                  <a:srgbClr val="F4E1C4"/>
+                </a:solidFill>
+                <a:effectLst/>
+                <a:uLnTx/>
+                <a:uFillTx/>
+                <a:latin typeface="Abbas" panose="02000000000000000000" pitchFamily="2" charset="-78"/>
+                <a:ea typeface="+mn-ea"/>
+                <a:cs typeface="Abbas" panose="02000000000000000000" pitchFamily="2" charset="-78"/>
+              </a:rPr>
+              <a:t> </a:t>
+            </a:r>
+            <a:r>
+              <a:rPr kumimoji="0" lang="ur-PK" sz="2000" b="0" i="0" u="none" strike="noStrike" kern="1200" cap="none" spc="0" normalizeH="0" baseline="0" noProof="0" dirty="0" err="1">
+                <a:ln>
+                  <a:noFill/>
+                </a:ln>
+                <a:solidFill>
+                  <a:srgbClr val="F4E1C4"/>
+                </a:solidFill>
+                <a:effectLst/>
+                <a:uLnTx/>
+                <a:uFillTx/>
+                <a:latin typeface="Abbas" panose="02000000000000000000" pitchFamily="2" charset="-78"/>
+                <a:ea typeface="+mn-ea"/>
+                <a:cs typeface="Abbas" panose="02000000000000000000" pitchFamily="2" charset="-78"/>
+              </a:rPr>
+              <a:t>وَنَرَاهُ</a:t>
+            </a:r>
+            <a:r>
+              <a:rPr kumimoji="0" lang="ur-PK" sz="2000" b="0" i="0" u="none" strike="noStrike" kern="1200" cap="none" spc="0" normalizeH="0" baseline="0" noProof="0" dirty="0">
+                <a:ln>
+                  <a:noFill/>
+                </a:ln>
+                <a:solidFill>
+                  <a:srgbClr val="F4E1C4"/>
+                </a:solidFill>
+                <a:effectLst/>
+                <a:uLnTx/>
+                <a:uFillTx/>
+                <a:latin typeface="Abbas" panose="02000000000000000000" pitchFamily="2" charset="-78"/>
+                <a:ea typeface="+mn-ea"/>
+                <a:cs typeface="Abbas" panose="02000000000000000000" pitchFamily="2" charset="-78"/>
+              </a:rPr>
+              <a:t> </a:t>
+            </a:r>
+            <a:r>
+              <a:rPr kumimoji="0" lang="ur-PK" sz="2000" b="0" i="0" u="none" strike="noStrike" kern="1200" cap="none" spc="0" normalizeH="0" baseline="0" noProof="0" dirty="0" err="1">
+                <a:ln>
+                  <a:noFill/>
+                </a:ln>
+                <a:solidFill>
+                  <a:srgbClr val="F4E1C4"/>
+                </a:solidFill>
+                <a:effectLst/>
+                <a:uLnTx/>
+                <a:uFillTx/>
+                <a:latin typeface="Abbas" panose="02000000000000000000" pitchFamily="2" charset="-78"/>
+                <a:ea typeface="+mn-ea"/>
+                <a:cs typeface="Abbas" panose="02000000000000000000" pitchFamily="2" charset="-78"/>
+              </a:rPr>
+              <a:t>قَرِيباً</a:t>
             </a:r>
             <a:endParaRPr kumimoji="0" lang="en-CA" sz="2000" b="0" i="0" u="none" strike="noStrike" kern="1200" cap="none" spc="0" normalizeH="0" baseline="0" noProof="0" dirty="0">
               <a:ln>
@@ -2188,7 +2324,7 @@
     </p:spTree>
     <p:extLst>
       <p:ext uri="{BB962C8B-B14F-4D97-AF65-F5344CB8AC3E}">
-        <p14:creationId xmlns:p14="http://schemas.microsoft.com/office/powerpoint/2010/main" val="1633471537"/>
+        <p14:creationId xmlns:p14="http://schemas.microsoft.com/office/powerpoint/2010/main" val="2535042388"/>
       </p:ext>
     </p:extLst>
   </p:cSld>
